--- a/graphs/Presentation3.pptx
+++ b/graphs/Presentation3.pptx
@@ -4,9 +4,17 @@
   <p:sldMasterIdLst>
     <p:sldMasterId id="2147483648" r:id="rId1"/>
   </p:sldMasterIdLst>
+  <p:notesMasterIdLst>
+    <p:notesMasterId r:id="rId9"/>
+  </p:notesMasterIdLst>
   <p:sldIdLst>
-    <p:sldId id="256" r:id="rId2"/>
-    <p:sldId id="257" r:id="rId3"/>
+    <p:sldId id="262" r:id="rId2"/>
+    <p:sldId id="261" r:id="rId3"/>
+    <p:sldId id="257" r:id="rId4"/>
+    <p:sldId id="260" r:id="rId5"/>
+    <p:sldId id="256" r:id="rId6"/>
+    <p:sldId id="259" r:id="rId7"/>
+    <p:sldId id="258" r:id="rId8"/>
   </p:sldIdLst>
   <p:sldSz cx="12192000" cy="6858000"/>
   <p:notesSz cx="6858000" cy="9144000"/>
@@ -105,7 +113,632 @@
       </a:defRPr>
     </a:lvl9pPr>
   </p:defaultTextStyle>
+  <p:extLst>
+    <p:ext uri="{EFAFB233-063F-42B5-8137-9DF3F51BA10A}">
+      <p15:sldGuideLst xmlns:p15="http://schemas.microsoft.com/office/powerpoint/2012/main"/>
+    </p:ext>
+  </p:extLst>
 </p:presentation>
+</file>
+
+<file path=ppt/notesMasters/notesMaster1.xml><?xml version="1.0" encoding="utf-8"?>
+<p:notesMaster xmlns:a="http://schemas.openxmlformats.org/drawingml/2006/main" xmlns:r="http://schemas.openxmlformats.org/officeDocument/2006/relationships" xmlns:p="http://schemas.openxmlformats.org/presentationml/2006/main">
+  <p:cSld>
+    <p:bg>
+      <p:bgRef idx="1001">
+        <a:schemeClr val="bg1"/>
+      </p:bgRef>
+    </p:bg>
+    <p:spTree>
+      <p:nvGrpSpPr>
+        <p:cNvPr id="1" name=""/>
+        <p:cNvGrpSpPr/>
+        <p:nvPr/>
+      </p:nvGrpSpPr>
+      <p:grpSpPr>
+        <a:xfrm>
+          <a:off x="0" y="0"/>
+          <a:ext cx="0" cy="0"/>
+          <a:chOff x="0" y="0"/>
+          <a:chExt cx="0" cy="0"/>
+        </a:xfrm>
+      </p:grpSpPr>
+      <p:sp>
+        <p:nvSpPr>
+          <p:cNvPr id="2" name="Header Placeholder 1"/>
+          <p:cNvSpPr>
+            <a:spLocks noGrp="1"/>
+          </p:cNvSpPr>
+          <p:nvPr>
+            <p:ph type="hdr" sz="quarter"/>
+          </p:nvPr>
+        </p:nvSpPr>
+        <p:spPr>
+          <a:xfrm>
+            <a:off x="0" y="0"/>
+            <a:ext cx="2971800" cy="458788"/>
+          </a:xfrm>
+          <a:prstGeom prst="rect">
+            <a:avLst/>
+          </a:prstGeom>
+        </p:spPr>
+        <p:txBody>
+          <a:bodyPr vert="horz" lIns="91440" tIns="45720" rIns="91440" bIns="45720" rtlCol="0"/>
+          <a:lstStyle>
+            <a:lvl1pPr algn="l">
+              <a:defRPr sz="1200"/>
+            </a:lvl1pPr>
+          </a:lstStyle>
+          <a:p>
+            <a:endParaRPr lang="en-DE"/>
+          </a:p>
+        </p:txBody>
+      </p:sp>
+      <p:sp>
+        <p:nvSpPr>
+          <p:cNvPr id="3" name="Date Placeholder 2"/>
+          <p:cNvSpPr>
+            <a:spLocks noGrp="1"/>
+          </p:cNvSpPr>
+          <p:nvPr>
+            <p:ph type="dt" idx="1"/>
+          </p:nvPr>
+        </p:nvSpPr>
+        <p:spPr>
+          <a:xfrm>
+            <a:off x="3884613" y="0"/>
+            <a:ext cx="2971800" cy="458788"/>
+          </a:xfrm>
+          <a:prstGeom prst="rect">
+            <a:avLst/>
+          </a:prstGeom>
+        </p:spPr>
+        <p:txBody>
+          <a:bodyPr vert="horz" lIns="91440" tIns="45720" rIns="91440" bIns="45720" rtlCol="0"/>
+          <a:lstStyle>
+            <a:lvl1pPr algn="r">
+              <a:defRPr sz="1200"/>
+            </a:lvl1pPr>
+          </a:lstStyle>
+          <a:p>
+            <a:fld id="{E071E135-C7CE-3B47-AFD4-2100CA6E0106}" type="datetimeFigureOut">
+              <a:rPr lang="en-DE" smtClean="0"/>
+              <a:t>29.06.23</a:t>
+            </a:fld>
+            <a:endParaRPr lang="en-DE"/>
+          </a:p>
+        </p:txBody>
+      </p:sp>
+      <p:sp>
+        <p:nvSpPr>
+          <p:cNvPr id="4" name="Slide Image Placeholder 3"/>
+          <p:cNvSpPr>
+            <a:spLocks noGrp="1" noRot="1" noChangeAspect="1"/>
+          </p:cNvSpPr>
+          <p:nvPr>
+            <p:ph type="sldImg" idx="2"/>
+          </p:nvPr>
+        </p:nvSpPr>
+        <p:spPr>
+          <a:xfrm>
+            <a:off x="685800" y="1143000"/>
+            <a:ext cx="5486400" cy="3086100"/>
+          </a:xfrm>
+          <a:prstGeom prst="rect">
+            <a:avLst/>
+          </a:prstGeom>
+          <a:noFill/>
+          <a:ln w="12700">
+            <a:solidFill>
+              <a:prstClr val="black"/>
+            </a:solidFill>
+          </a:ln>
+        </p:spPr>
+        <p:txBody>
+          <a:bodyPr vert="horz" lIns="91440" tIns="45720" rIns="91440" bIns="45720" rtlCol="0" anchor="ctr"/>
+          <a:lstStyle/>
+          <a:p>
+            <a:endParaRPr lang="en-DE"/>
+          </a:p>
+        </p:txBody>
+      </p:sp>
+      <p:sp>
+        <p:nvSpPr>
+          <p:cNvPr id="5" name="Notes Placeholder 4"/>
+          <p:cNvSpPr>
+            <a:spLocks noGrp="1"/>
+          </p:cNvSpPr>
+          <p:nvPr>
+            <p:ph type="body" sz="quarter" idx="3"/>
+          </p:nvPr>
+        </p:nvSpPr>
+        <p:spPr>
+          <a:xfrm>
+            <a:off x="685800" y="4400550"/>
+            <a:ext cx="5486400" cy="3600450"/>
+          </a:xfrm>
+          <a:prstGeom prst="rect">
+            <a:avLst/>
+          </a:prstGeom>
+        </p:spPr>
+        <p:txBody>
+          <a:bodyPr vert="horz" lIns="91440" tIns="45720" rIns="91440" bIns="45720" rtlCol="0"/>
+          <a:lstStyle/>
+          <a:p>
+            <a:pPr lvl="0"/>
+            <a:r>
+              <a:rPr lang="en-GB"/>
+              <a:t>Click to edit Master text styles</a:t>
+            </a:r>
+          </a:p>
+          <a:p>
+            <a:pPr lvl="1"/>
+            <a:r>
+              <a:rPr lang="en-GB"/>
+              <a:t>Second level</a:t>
+            </a:r>
+          </a:p>
+          <a:p>
+            <a:pPr lvl="2"/>
+            <a:r>
+              <a:rPr lang="en-GB"/>
+              <a:t>Third level</a:t>
+            </a:r>
+          </a:p>
+          <a:p>
+            <a:pPr lvl="3"/>
+            <a:r>
+              <a:rPr lang="en-GB"/>
+              <a:t>Fourth level</a:t>
+            </a:r>
+          </a:p>
+          <a:p>
+            <a:pPr lvl="4"/>
+            <a:r>
+              <a:rPr lang="en-GB"/>
+              <a:t>Fifth level</a:t>
+            </a:r>
+            <a:endParaRPr lang="en-DE"/>
+          </a:p>
+        </p:txBody>
+      </p:sp>
+      <p:sp>
+        <p:nvSpPr>
+          <p:cNvPr id="6" name="Footer Placeholder 5"/>
+          <p:cNvSpPr>
+            <a:spLocks noGrp="1"/>
+          </p:cNvSpPr>
+          <p:nvPr>
+            <p:ph type="ftr" sz="quarter" idx="4"/>
+          </p:nvPr>
+        </p:nvSpPr>
+        <p:spPr>
+          <a:xfrm>
+            <a:off x="0" y="8685213"/>
+            <a:ext cx="2971800" cy="458787"/>
+          </a:xfrm>
+          <a:prstGeom prst="rect">
+            <a:avLst/>
+          </a:prstGeom>
+        </p:spPr>
+        <p:txBody>
+          <a:bodyPr vert="horz" lIns="91440" tIns="45720" rIns="91440" bIns="45720" rtlCol="0" anchor="b"/>
+          <a:lstStyle>
+            <a:lvl1pPr algn="l">
+              <a:defRPr sz="1200"/>
+            </a:lvl1pPr>
+          </a:lstStyle>
+          <a:p>
+            <a:endParaRPr lang="en-DE"/>
+          </a:p>
+        </p:txBody>
+      </p:sp>
+      <p:sp>
+        <p:nvSpPr>
+          <p:cNvPr id="7" name="Slide Number Placeholder 6"/>
+          <p:cNvSpPr>
+            <a:spLocks noGrp="1"/>
+          </p:cNvSpPr>
+          <p:nvPr>
+            <p:ph type="sldNum" sz="quarter" idx="5"/>
+          </p:nvPr>
+        </p:nvSpPr>
+        <p:spPr>
+          <a:xfrm>
+            <a:off x="3884613" y="8685213"/>
+            <a:ext cx="2971800" cy="458787"/>
+          </a:xfrm>
+          <a:prstGeom prst="rect">
+            <a:avLst/>
+          </a:prstGeom>
+        </p:spPr>
+        <p:txBody>
+          <a:bodyPr vert="horz" lIns="91440" tIns="45720" rIns="91440" bIns="45720" rtlCol="0" anchor="b"/>
+          <a:lstStyle>
+            <a:lvl1pPr algn="r">
+              <a:defRPr sz="1200"/>
+            </a:lvl1pPr>
+          </a:lstStyle>
+          <a:p>
+            <a:fld id="{40880B87-F13A-784F-B85E-6008EB4C5246}" type="slidenum">
+              <a:rPr lang="en-DE" smtClean="0"/>
+              <a:t>‹#›</a:t>
+            </a:fld>
+            <a:endParaRPr lang="en-DE"/>
+          </a:p>
+        </p:txBody>
+      </p:sp>
+    </p:spTree>
+    <p:extLst>
+      <p:ext uri="{BB962C8B-B14F-4D97-AF65-F5344CB8AC3E}">
+        <p14:creationId xmlns:p14="http://schemas.microsoft.com/office/powerpoint/2010/main" val="1116151304"/>
+      </p:ext>
+    </p:extLst>
+  </p:cSld>
+  <p:clrMap bg1="lt1" tx1="dk1" bg2="lt2" tx2="dk2" accent1="accent1" accent2="accent2" accent3="accent3" accent4="accent4" accent5="accent5" accent6="accent6" hlink="hlink" folHlink="folHlink"/>
+  <p:notesStyle>
+    <a:lvl1pPr marL="0" algn="l" defTabSz="914400" rtl="0" eaLnBrk="1" latinLnBrk="0" hangingPunct="1">
+      <a:defRPr sz="1200" kern="1200">
+        <a:solidFill>
+          <a:schemeClr val="tx1"/>
+        </a:solidFill>
+        <a:latin typeface="+mn-lt"/>
+        <a:ea typeface="+mn-ea"/>
+        <a:cs typeface="+mn-cs"/>
+      </a:defRPr>
+    </a:lvl1pPr>
+    <a:lvl2pPr marL="457200" algn="l" defTabSz="914400" rtl="0" eaLnBrk="1" latinLnBrk="0" hangingPunct="1">
+      <a:defRPr sz="1200" kern="1200">
+        <a:solidFill>
+          <a:schemeClr val="tx1"/>
+        </a:solidFill>
+        <a:latin typeface="+mn-lt"/>
+        <a:ea typeface="+mn-ea"/>
+        <a:cs typeface="+mn-cs"/>
+      </a:defRPr>
+    </a:lvl2pPr>
+    <a:lvl3pPr marL="914400" algn="l" defTabSz="914400" rtl="0" eaLnBrk="1" latinLnBrk="0" hangingPunct="1">
+      <a:defRPr sz="1200" kern="1200">
+        <a:solidFill>
+          <a:schemeClr val="tx1"/>
+        </a:solidFill>
+        <a:latin typeface="+mn-lt"/>
+        <a:ea typeface="+mn-ea"/>
+        <a:cs typeface="+mn-cs"/>
+      </a:defRPr>
+    </a:lvl3pPr>
+    <a:lvl4pPr marL="1371600" algn="l" defTabSz="914400" rtl="0" eaLnBrk="1" latinLnBrk="0" hangingPunct="1">
+      <a:defRPr sz="1200" kern="1200">
+        <a:solidFill>
+          <a:schemeClr val="tx1"/>
+        </a:solidFill>
+        <a:latin typeface="+mn-lt"/>
+        <a:ea typeface="+mn-ea"/>
+        <a:cs typeface="+mn-cs"/>
+      </a:defRPr>
+    </a:lvl4pPr>
+    <a:lvl5pPr marL="1828800" algn="l" defTabSz="914400" rtl="0" eaLnBrk="1" latinLnBrk="0" hangingPunct="1">
+      <a:defRPr sz="1200" kern="1200">
+        <a:solidFill>
+          <a:schemeClr val="tx1"/>
+        </a:solidFill>
+        <a:latin typeface="+mn-lt"/>
+        <a:ea typeface="+mn-ea"/>
+        <a:cs typeface="+mn-cs"/>
+      </a:defRPr>
+    </a:lvl5pPr>
+    <a:lvl6pPr marL="2286000" algn="l" defTabSz="914400" rtl="0" eaLnBrk="1" latinLnBrk="0" hangingPunct="1">
+      <a:defRPr sz="1200" kern="1200">
+        <a:solidFill>
+          <a:schemeClr val="tx1"/>
+        </a:solidFill>
+        <a:latin typeface="+mn-lt"/>
+        <a:ea typeface="+mn-ea"/>
+        <a:cs typeface="+mn-cs"/>
+      </a:defRPr>
+    </a:lvl6pPr>
+    <a:lvl7pPr marL="2743200" algn="l" defTabSz="914400" rtl="0" eaLnBrk="1" latinLnBrk="0" hangingPunct="1">
+      <a:defRPr sz="1200" kern="1200">
+        <a:solidFill>
+          <a:schemeClr val="tx1"/>
+        </a:solidFill>
+        <a:latin typeface="+mn-lt"/>
+        <a:ea typeface="+mn-ea"/>
+        <a:cs typeface="+mn-cs"/>
+      </a:defRPr>
+    </a:lvl7pPr>
+    <a:lvl8pPr marL="3200400" algn="l" defTabSz="914400" rtl="0" eaLnBrk="1" latinLnBrk="0" hangingPunct="1">
+      <a:defRPr sz="1200" kern="1200">
+        <a:solidFill>
+          <a:schemeClr val="tx1"/>
+        </a:solidFill>
+        <a:latin typeface="+mn-lt"/>
+        <a:ea typeface="+mn-ea"/>
+        <a:cs typeface="+mn-cs"/>
+      </a:defRPr>
+    </a:lvl8pPr>
+    <a:lvl9pPr marL="3657600" algn="l" defTabSz="914400" rtl="0" eaLnBrk="1" latinLnBrk="0" hangingPunct="1">
+      <a:defRPr sz="1200" kern="1200">
+        <a:solidFill>
+          <a:schemeClr val="tx1"/>
+        </a:solidFill>
+        <a:latin typeface="+mn-lt"/>
+        <a:ea typeface="+mn-ea"/>
+        <a:cs typeface="+mn-cs"/>
+      </a:defRPr>
+    </a:lvl9pPr>
+  </p:notesStyle>
+</p:notesMaster>
+</file>
+
+<file path=ppt/notesSlides/notesSlide1.xml><?xml version="1.0" encoding="utf-8"?>
+<p:notes xmlns:a="http://schemas.openxmlformats.org/drawingml/2006/main" xmlns:r="http://schemas.openxmlformats.org/officeDocument/2006/relationships" xmlns:p="http://schemas.openxmlformats.org/presentationml/2006/main">
+  <p:cSld>
+    <p:spTree>
+      <p:nvGrpSpPr>
+        <p:cNvPr id="1" name=""/>
+        <p:cNvGrpSpPr/>
+        <p:nvPr/>
+      </p:nvGrpSpPr>
+      <p:grpSpPr>
+        <a:xfrm>
+          <a:off x="0" y="0"/>
+          <a:ext cx="0" cy="0"/>
+          <a:chOff x="0" y="0"/>
+          <a:chExt cx="0" cy="0"/>
+        </a:xfrm>
+      </p:grpSpPr>
+      <p:sp>
+        <p:nvSpPr>
+          <p:cNvPr id="2" name="Slide Image Placeholder 1"/>
+          <p:cNvSpPr>
+            <a:spLocks noGrp="1" noRot="1" noChangeAspect="1"/>
+          </p:cNvSpPr>
+          <p:nvPr>
+            <p:ph type="sldImg"/>
+          </p:nvPr>
+        </p:nvSpPr>
+        <p:spPr/>
+      </p:sp>
+      <p:sp>
+        <p:nvSpPr>
+          <p:cNvPr id="3" name="Notes Placeholder 2"/>
+          <p:cNvSpPr>
+            <a:spLocks noGrp="1"/>
+          </p:cNvSpPr>
+          <p:nvPr>
+            <p:ph type="body" idx="1"/>
+          </p:nvPr>
+        </p:nvSpPr>
+        <p:spPr/>
+        <p:txBody>
+          <a:bodyPr/>
+          <a:lstStyle/>
+          <a:p>
+            <a:r>
+              <a:rPr lang="en-GB" dirty="0"/>
+              <a:t>Convergence seems to be random </a:t>
+            </a:r>
+            <a:endParaRPr lang="en-DE" dirty="0"/>
+          </a:p>
+        </p:txBody>
+      </p:sp>
+      <p:sp>
+        <p:nvSpPr>
+          <p:cNvPr id="4" name="Slide Number Placeholder 3"/>
+          <p:cNvSpPr>
+            <a:spLocks noGrp="1"/>
+          </p:cNvSpPr>
+          <p:nvPr>
+            <p:ph type="sldNum" sz="quarter" idx="5"/>
+          </p:nvPr>
+        </p:nvSpPr>
+        <p:spPr/>
+        <p:txBody>
+          <a:bodyPr/>
+          <a:lstStyle/>
+          <a:p>
+            <a:fld id="{40880B87-F13A-784F-B85E-6008EB4C5246}" type="slidenum">
+              <a:rPr lang="en-DE" smtClean="0"/>
+              <a:t>2</a:t>
+            </a:fld>
+            <a:endParaRPr lang="en-DE"/>
+          </a:p>
+        </p:txBody>
+      </p:sp>
+    </p:spTree>
+    <p:extLst>
+      <p:ext uri="{BB962C8B-B14F-4D97-AF65-F5344CB8AC3E}">
+        <p14:creationId xmlns:p14="http://schemas.microsoft.com/office/powerpoint/2010/main" val="1841214168"/>
+      </p:ext>
+    </p:extLst>
+  </p:cSld>
+  <p:clrMapOvr>
+    <a:masterClrMapping/>
+  </p:clrMapOvr>
+</p:notes>
+</file>
+
+<file path=ppt/notesSlides/notesSlide2.xml><?xml version="1.0" encoding="utf-8"?>
+<p:notes xmlns:a="http://schemas.openxmlformats.org/drawingml/2006/main" xmlns:r="http://schemas.openxmlformats.org/officeDocument/2006/relationships" xmlns:p="http://schemas.openxmlformats.org/presentationml/2006/main">
+  <p:cSld>
+    <p:spTree>
+      <p:nvGrpSpPr>
+        <p:cNvPr id="1" name=""/>
+        <p:cNvGrpSpPr/>
+        <p:nvPr/>
+      </p:nvGrpSpPr>
+      <p:grpSpPr>
+        <a:xfrm>
+          <a:off x="0" y="0"/>
+          <a:ext cx="0" cy="0"/>
+          <a:chOff x="0" y="0"/>
+          <a:chExt cx="0" cy="0"/>
+        </a:xfrm>
+      </p:grpSpPr>
+      <p:sp>
+        <p:nvSpPr>
+          <p:cNvPr id="2" name="Slide Image Placeholder 1"/>
+          <p:cNvSpPr>
+            <a:spLocks noGrp="1" noRot="1" noChangeAspect="1"/>
+          </p:cNvSpPr>
+          <p:nvPr>
+            <p:ph type="sldImg"/>
+          </p:nvPr>
+        </p:nvSpPr>
+        <p:spPr/>
+      </p:sp>
+      <p:sp>
+        <p:nvSpPr>
+          <p:cNvPr id="3" name="Notes Placeholder 2"/>
+          <p:cNvSpPr>
+            <a:spLocks noGrp="1"/>
+          </p:cNvSpPr>
+          <p:nvPr>
+            <p:ph type="body" idx="1"/>
+          </p:nvPr>
+        </p:nvSpPr>
+        <p:spPr/>
+        <p:txBody>
+          <a:bodyPr/>
+          <a:lstStyle/>
+          <a:p>
+            <a:r>
+              <a:rPr lang="en-GB" dirty="0"/>
+              <a:t>U</a:t>
+            </a:r>
+            <a:r>
+              <a:rPr lang="en-DE" dirty="0"/>
+              <a:t>pdate 1 neural network at each iteration, uses the formula</a:t>
+            </a:r>
+          </a:p>
+        </p:txBody>
+      </p:sp>
+      <p:sp>
+        <p:nvSpPr>
+          <p:cNvPr id="4" name="Slide Number Placeholder 3"/>
+          <p:cNvSpPr>
+            <a:spLocks noGrp="1"/>
+          </p:cNvSpPr>
+          <p:nvPr>
+            <p:ph type="sldNum" sz="quarter" idx="5"/>
+          </p:nvPr>
+        </p:nvSpPr>
+        <p:spPr/>
+        <p:txBody>
+          <a:bodyPr/>
+          <a:lstStyle/>
+          <a:p>
+            <a:fld id="{40880B87-F13A-784F-B85E-6008EB4C5246}" type="slidenum">
+              <a:rPr lang="en-DE" smtClean="0"/>
+              <a:t>3</a:t>
+            </a:fld>
+            <a:endParaRPr lang="en-DE"/>
+          </a:p>
+        </p:txBody>
+      </p:sp>
+    </p:spTree>
+    <p:extLst>
+      <p:ext uri="{BB962C8B-B14F-4D97-AF65-F5344CB8AC3E}">
+        <p14:creationId xmlns:p14="http://schemas.microsoft.com/office/powerpoint/2010/main" val="3042630707"/>
+      </p:ext>
+    </p:extLst>
+  </p:cSld>
+  <p:clrMapOvr>
+    <a:masterClrMapping/>
+  </p:clrMapOvr>
+</p:notes>
+</file>
+
+<file path=ppt/notesSlides/notesSlide3.xml><?xml version="1.0" encoding="utf-8"?>
+<p:notes xmlns:a="http://schemas.openxmlformats.org/drawingml/2006/main" xmlns:r="http://schemas.openxmlformats.org/officeDocument/2006/relationships" xmlns:p="http://schemas.openxmlformats.org/presentationml/2006/main">
+  <p:cSld>
+    <p:spTree>
+      <p:nvGrpSpPr>
+        <p:cNvPr id="1" name=""/>
+        <p:cNvGrpSpPr/>
+        <p:nvPr/>
+      </p:nvGrpSpPr>
+      <p:grpSpPr>
+        <a:xfrm>
+          <a:off x="0" y="0"/>
+          <a:ext cx="0" cy="0"/>
+          <a:chOff x="0" y="0"/>
+          <a:chExt cx="0" cy="0"/>
+        </a:xfrm>
+      </p:grpSpPr>
+      <p:sp>
+        <p:nvSpPr>
+          <p:cNvPr id="2" name="Slide Image Placeholder 1"/>
+          <p:cNvSpPr>
+            <a:spLocks noGrp="1" noRot="1" noChangeAspect="1"/>
+          </p:cNvSpPr>
+          <p:nvPr>
+            <p:ph type="sldImg"/>
+          </p:nvPr>
+        </p:nvSpPr>
+        <p:spPr/>
+      </p:sp>
+      <p:sp>
+        <p:nvSpPr>
+          <p:cNvPr id="3" name="Notes Placeholder 2"/>
+          <p:cNvSpPr>
+            <a:spLocks noGrp="1"/>
+          </p:cNvSpPr>
+          <p:nvPr>
+            <p:ph type="body" idx="1"/>
+          </p:nvPr>
+        </p:nvSpPr>
+        <p:spPr/>
+        <p:txBody>
+          <a:bodyPr/>
+          <a:lstStyle/>
+          <a:p>
+            <a:r>
+              <a:rPr lang="en-GB" dirty="0"/>
+              <a:t>U</a:t>
+            </a:r>
+            <a:r>
+              <a:rPr lang="en-DE" dirty="0"/>
+              <a:t>pdate 3 nn at each iteration </a:t>
+            </a:r>
+          </a:p>
+        </p:txBody>
+      </p:sp>
+      <p:sp>
+        <p:nvSpPr>
+          <p:cNvPr id="4" name="Slide Number Placeholder 3"/>
+          <p:cNvSpPr>
+            <a:spLocks noGrp="1"/>
+          </p:cNvSpPr>
+          <p:nvPr>
+            <p:ph type="sldNum" sz="quarter" idx="5"/>
+          </p:nvPr>
+        </p:nvSpPr>
+        <p:spPr/>
+        <p:txBody>
+          <a:bodyPr/>
+          <a:lstStyle/>
+          <a:p>
+            <a:fld id="{40880B87-F13A-784F-B85E-6008EB4C5246}" type="slidenum">
+              <a:rPr lang="en-DE" smtClean="0"/>
+              <a:t>4</a:t>
+            </a:fld>
+            <a:endParaRPr lang="en-DE"/>
+          </a:p>
+        </p:txBody>
+      </p:sp>
+    </p:spTree>
+    <p:extLst>
+      <p:ext uri="{BB962C8B-B14F-4D97-AF65-F5344CB8AC3E}">
+        <p14:creationId xmlns:p14="http://schemas.microsoft.com/office/powerpoint/2010/main" val="2036190762"/>
+      </p:ext>
+    </p:extLst>
+  </p:cSld>
+  <p:clrMapOvr>
+    <a:masterClrMapping/>
+  </p:clrMapOvr>
+</p:notes>
 </file>
 
 <file path=ppt/slideLayouts/slideLayout1.xml><?xml version="1.0" encoding="utf-8"?>
@@ -257,7 +890,7 @@
           <a:p>
             <a:fld id="{C60530B2-747E-524C-92BF-0821825B35DA}" type="datetimeFigureOut">
               <a:rPr lang="en-DE" smtClean="0"/>
-              <a:t>25.06.23</a:t>
+              <a:t>29.06.23</a:t>
             </a:fld>
             <a:endParaRPr lang="en-DE"/>
           </a:p>
@@ -457,7 +1090,7 @@
           <a:p>
             <a:fld id="{C60530B2-747E-524C-92BF-0821825B35DA}" type="datetimeFigureOut">
               <a:rPr lang="en-DE" smtClean="0"/>
-              <a:t>25.06.23</a:t>
+              <a:t>29.06.23</a:t>
             </a:fld>
             <a:endParaRPr lang="en-DE"/>
           </a:p>
@@ -667,7 +1300,7 @@
           <a:p>
             <a:fld id="{C60530B2-747E-524C-92BF-0821825B35DA}" type="datetimeFigureOut">
               <a:rPr lang="en-DE" smtClean="0"/>
-              <a:t>25.06.23</a:t>
+              <a:t>29.06.23</a:t>
             </a:fld>
             <a:endParaRPr lang="en-DE"/>
           </a:p>
@@ -867,7 +1500,7 @@
           <a:p>
             <a:fld id="{C60530B2-747E-524C-92BF-0821825B35DA}" type="datetimeFigureOut">
               <a:rPr lang="en-DE" smtClean="0"/>
-              <a:t>25.06.23</a:t>
+              <a:t>29.06.23</a:t>
             </a:fld>
             <a:endParaRPr lang="en-DE"/>
           </a:p>
@@ -1143,7 +1776,7 @@
           <a:p>
             <a:fld id="{C60530B2-747E-524C-92BF-0821825B35DA}" type="datetimeFigureOut">
               <a:rPr lang="en-DE" smtClean="0"/>
-              <a:t>25.06.23</a:t>
+              <a:t>29.06.23</a:t>
             </a:fld>
             <a:endParaRPr lang="en-DE"/>
           </a:p>
@@ -1411,7 +2044,7 @@
           <a:p>
             <a:fld id="{C60530B2-747E-524C-92BF-0821825B35DA}" type="datetimeFigureOut">
               <a:rPr lang="en-DE" smtClean="0"/>
-              <a:t>25.06.23</a:t>
+              <a:t>29.06.23</a:t>
             </a:fld>
             <a:endParaRPr lang="en-DE"/>
           </a:p>
@@ -1826,7 +2459,7 @@
           <a:p>
             <a:fld id="{C60530B2-747E-524C-92BF-0821825B35DA}" type="datetimeFigureOut">
               <a:rPr lang="en-DE" smtClean="0"/>
-              <a:t>25.06.23</a:t>
+              <a:t>29.06.23</a:t>
             </a:fld>
             <a:endParaRPr lang="en-DE"/>
           </a:p>
@@ -1968,7 +2601,7 @@
           <a:p>
             <a:fld id="{C60530B2-747E-524C-92BF-0821825B35DA}" type="datetimeFigureOut">
               <a:rPr lang="en-DE" smtClean="0"/>
-              <a:t>25.06.23</a:t>
+              <a:t>29.06.23</a:t>
             </a:fld>
             <a:endParaRPr lang="en-DE"/>
           </a:p>
@@ -2081,7 +2714,7 @@
           <a:p>
             <a:fld id="{C60530B2-747E-524C-92BF-0821825B35DA}" type="datetimeFigureOut">
               <a:rPr lang="en-DE" smtClean="0"/>
-              <a:t>25.06.23</a:t>
+              <a:t>29.06.23</a:t>
             </a:fld>
             <a:endParaRPr lang="en-DE"/>
           </a:p>
@@ -2394,7 +3027,7 @@
           <a:p>
             <a:fld id="{C60530B2-747E-524C-92BF-0821825B35DA}" type="datetimeFigureOut">
               <a:rPr lang="en-DE" smtClean="0"/>
-              <a:t>25.06.23</a:t>
+              <a:t>29.06.23</a:t>
             </a:fld>
             <a:endParaRPr lang="en-DE"/>
           </a:p>
@@ -2683,7 +3316,7 @@
           <a:p>
             <a:fld id="{C60530B2-747E-524C-92BF-0821825B35DA}" type="datetimeFigureOut">
               <a:rPr lang="en-DE" smtClean="0"/>
-              <a:t>25.06.23</a:t>
+              <a:t>29.06.23</a:t>
             </a:fld>
             <a:endParaRPr lang="en-DE"/>
           </a:p>
@@ -2926,7 +3559,7 @@
           <a:p>
             <a:fld id="{C60530B2-747E-524C-92BF-0821825B35DA}" type="datetimeFigureOut">
               <a:rPr lang="en-DE" smtClean="0"/>
-              <a:t>25.06.23</a:t>
+              <a:t>29.06.23</a:t>
             </a:fld>
             <a:endParaRPr lang="en-DE"/>
           </a:p>
@@ -3345,6 +3978,409 @@
       </p:grpSpPr>
       <p:pic>
         <p:nvPicPr>
+          <p:cNvPr id="4" name="Content Placeholder 4" descr="A diagram of a flowchart&#10;&#10;Description automatically generated with low confidence">
+            <a:extLst>
+              <a:ext uri="{FF2B5EF4-FFF2-40B4-BE49-F238E27FC236}">
+                <a16:creationId xmlns:a16="http://schemas.microsoft.com/office/drawing/2014/main" id="{49706C07-1FB0-C159-AF7C-87402D93392B}"/>
+              </a:ext>
+            </a:extLst>
+          </p:cNvPr>
+          <p:cNvPicPr>
+            <a:picLocks noGrp="1" noChangeAspect="1"/>
+          </p:cNvPicPr>
+          <p:nvPr>
+            <p:ph idx="1"/>
+          </p:nvPr>
+        </p:nvPicPr>
+        <p:blipFill>
+          <a:blip r:embed="rId2"/>
+          <a:stretch>
+            <a:fillRect/>
+          </a:stretch>
+        </p:blipFill>
+        <p:spPr>
+          <a:xfrm>
+            <a:off x="3563803" y="250574"/>
+            <a:ext cx="5455506" cy="6356851"/>
+          </a:xfrm>
+        </p:spPr>
+      </p:pic>
+    </p:spTree>
+    <p:extLst>
+      <p:ext uri="{BB962C8B-B14F-4D97-AF65-F5344CB8AC3E}">
+        <p14:creationId xmlns:p14="http://schemas.microsoft.com/office/powerpoint/2010/main" val="1914116769"/>
+      </p:ext>
+    </p:extLst>
+  </p:cSld>
+  <p:clrMapOvr>
+    <a:masterClrMapping/>
+  </p:clrMapOvr>
+</p:sld>
+</file>
+
+<file path=ppt/slides/slide2.xml><?xml version="1.0" encoding="utf-8"?>
+<p:sld xmlns:a="http://schemas.openxmlformats.org/drawingml/2006/main" xmlns:r="http://schemas.openxmlformats.org/officeDocument/2006/relationships" xmlns:p="http://schemas.openxmlformats.org/presentationml/2006/main">
+  <p:cSld>
+    <p:spTree>
+      <p:nvGrpSpPr>
+        <p:cNvPr id="1" name=""/>
+        <p:cNvGrpSpPr/>
+        <p:nvPr/>
+      </p:nvGrpSpPr>
+      <p:grpSpPr>
+        <a:xfrm>
+          <a:off x="0" y="0"/>
+          <a:ext cx="0" cy="0"/>
+          <a:chOff x="0" y="0"/>
+          <a:chExt cx="0" cy="0"/>
+        </a:xfrm>
+      </p:grpSpPr>
+      <p:pic>
+        <p:nvPicPr>
+          <p:cNvPr id="4" name="Picture 3" descr="A picture containing text, plot, line, diagram&#10;&#10;Description automatically generated">
+            <a:extLst>
+              <a:ext uri="{FF2B5EF4-FFF2-40B4-BE49-F238E27FC236}">
+                <a16:creationId xmlns:a16="http://schemas.microsoft.com/office/drawing/2014/main" id="{04A1471B-6EE9-9F1D-12D0-EC99CF4FEFC7}"/>
+              </a:ext>
+            </a:extLst>
+          </p:cNvPr>
+          <p:cNvPicPr>
+            <a:picLocks noChangeAspect="1"/>
+          </p:cNvPicPr>
+          <p:nvPr/>
+        </p:nvPicPr>
+        <p:blipFill>
+          <a:blip r:embed="rId3"/>
+          <a:stretch>
+            <a:fillRect/>
+          </a:stretch>
+        </p:blipFill>
+        <p:spPr>
+          <a:xfrm>
+            <a:off x="1070209" y="1259845"/>
+            <a:ext cx="9312656" cy="5598155"/>
+          </a:xfrm>
+          <a:prstGeom prst="rect">
+            <a:avLst/>
+          </a:prstGeom>
+        </p:spPr>
+      </p:pic>
+      <p:sp>
+        <p:nvSpPr>
+          <p:cNvPr id="5" name="Rectangle 4">
+            <a:extLst>
+              <a:ext uri="{FF2B5EF4-FFF2-40B4-BE49-F238E27FC236}">
+                <a16:creationId xmlns:a16="http://schemas.microsoft.com/office/drawing/2014/main" id="{A3FB6DDF-E402-5649-CCFE-DFF2325E50EB}"/>
+              </a:ext>
+            </a:extLst>
+          </p:cNvPr>
+          <p:cNvSpPr/>
+          <p:nvPr/>
+        </p:nvSpPr>
+        <p:spPr>
+          <a:xfrm>
+            <a:off x="5023269" y="607593"/>
+            <a:ext cx="1072731" cy="923330"/>
+          </a:xfrm>
+          <a:prstGeom prst="rect">
+            <a:avLst/>
+          </a:prstGeom>
+          <a:noFill/>
+        </p:spPr>
+        <p:txBody>
+          <a:bodyPr wrap="none" lIns="91440" tIns="45720" rIns="91440" bIns="45720">
+            <a:spAutoFit/>
+          </a:bodyPr>
+          <a:lstStyle/>
+          <a:p>
+            <a:pPr algn="ctr"/>
+            <a:r>
+              <a:rPr lang="en-GB" sz="5400" b="0" cap="none" spc="0" dirty="0">
+                <a:ln w="0"/>
+                <a:solidFill>
+                  <a:schemeClr val="tx1"/>
+                </a:solidFill>
+                <a:effectLst>
+                  <a:outerShdw blurRad="38100" dist="19050" dir="2700000" algn="tl" rotWithShape="0">
+                    <a:schemeClr val="dk1">
+                      <a:alpha val="40000"/>
+                    </a:schemeClr>
+                  </a:outerShdw>
+                </a:effectLst>
+              </a:rPr>
+              <a:t>old</a:t>
+            </a:r>
+          </a:p>
+        </p:txBody>
+      </p:sp>
+    </p:spTree>
+    <p:extLst>
+      <p:ext uri="{BB962C8B-B14F-4D97-AF65-F5344CB8AC3E}">
+        <p14:creationId xmlns:p14="http://schemas.microsoft.com/office/powerpoint/2010/main" val="3454959829"/>
+      </p:ext>
+    </p:extLst>
+  </p:cSld>
+  <p:clrMapOvr>
+    <a:masterClrMapping/>
+  </p:clrMapOvr>
+</p:sld>
+</file>
+
+<file path=ppt/slides/slide3.xml><?xml version="1.0" encoding="utf-8"?>
+<p:sld xmlns:a="http://schemas.openxmlformats.org/drawingml/2006/main" xmlns:r="http://schemas.openxmlformats.org/officeDocument/2006/relationships" xmlns:p="http://schemas.openxmlformats.org/presentationml/2006/main">
+  <p:cSld>
+    <p:spTree>
+      <p:nvGrpSpPr>
+        <p:cNvPr id="1" name=""/>
+        <p:cNvGrpSpPr/>
+        <p:nvPr/>
+      </p:nvGrpSpPr>
+      <p:grpSpPr>
+        <a:xfrm>
+          <a:off x="0" y="0"/>
+          <a:ext cx="0" cy="0"/>
+          <a:chOff x="0" y="0"/>
+          <a:chExt cx="0" cy="0"/>
+        </a:xfrm>
+      </p:grpSpPr>
+      <p:pic>
+        <p:nvPicPr>
+          <p:cNvPr id="3" name="Picture 2" descr="A graph with red lines and numbers&#10;&#10;Description automatically generated with low confidence">
+            <a:extLst>
+              <a:ext uri="{FF2B5EF4-FFF2-40B4-BE49-F238E27FC236}">
+                <a16:creationId xmlns:a16="http://schemas.microsoft.com/office/drawing/2014/main" id="{EBA1D3E8-833A-32D0-F618-2777D59353F4}"/>
+              </a:ext>
+            </a:extLst>
+          </p:cNvPr>
+          <p:cNvPicPr>
+            <a:picLocks noChangeAspect="1"/>
+          </p:cNvPicPr>
+          <p:nvPr/>
+        </p:nvPicPr>
+        <p:blipFill>
+          <a:blip r:embed="rId3"/>
+          <a:stretch>
+            <a:fillRect/>
+          </a:stretch>
+        </p:blipFill>
+        <p:spPr>
+          <a:xfrm>
+            <a:off x="6707701" y="0"/>
+            <a:ext cx="4949948" cy="3712461"/>
+          </a:xfrm>
+          <a:prstGeom prst="rect">
+            <a:avLst/>
+          </a:prstGeom>
+        </p:spPr>
+      </p:pic>
+      <p:pic>
+        <p:nvPicPr>
+          <p:cNvPr id="6" name="Picture 5" descr="A picture containing text, diagram, line, plot&#10;&#10;Description automatically generated">
+            <a:extLst>
+              <a:ext uri="{FF2B5EF4-FFF2-40B4-BE49-F238E27FC236}">
+                <a16:creationId xmlns:a16="http://schemas.microsoft.com/office/drawing/2014/main" id="{92CEEB53-28DE-2EC8-8F75-C4F064F529B3}"/>
+              </a:ext>
+            </a:extLst>
+          </p:cNvPr>
+          <p:cNvPicPr>
+            <a:picLocks noChangeAspect="1"/>
+          </p:cNvPicPr>
+          <p:nvPr/>
+        </p:nvPicPr>
+        <p:blipFill rotWithShape="1">
+          <a:blip r:embed="rId4"/>
+          <a:srcRect t="8267" r="2499"/>
+          <a:stretch/>
+        </p:blipFill>
+        <p:spPr>
+          <a:xfrm>
+            <a:off x="6401850" y="3712461"/>
+            <a:ext cx="5561649" cy="3145539"/>
+          </a:xfrm>
+          <a:prstGeom prst="rect">
+            <a:avLst/>
+          </a:prstGeom>
+        </p:spPr>
+      </p:pic>
+      <p:pic>
+        <p:nvPicPr>
+          <p:cNvPr id="10" name="Picture 9" descr="A picture containing text, screenshot, line, diagram&#10;&#10;Description automatically generated">
+            <a:extLst>
+              <a:ext uri="{FF2B5EF4-FFF2-40B4-BE49-F238E27FC236}">
+                <a16:creationId xmlns:a16="http://schemas.microsoft.com/office/drawing/2014/main" id="{03122795-5C5E-566F-54D8-333258F3FF51}"/>
+              </a:ext>
+            </a:extLst>
+          </p:cNvPr>
+          <p:cNvPicPr>
+            <a:picLocks noChangeAspect="1"/>
+          </p:cNvPicPr>
+          <p:nvPr/>
+        </p:nvPicPr>
+        <p:blipFill>
+          <a:blip r:embed="rId5"/>
+          <a:stretch>
+            <a:fillRect/>
+          </a:stretch>
+        </p:blipFill>
+        <p:spPr>
+          <a:xfrm>
+            <a:off x="0" y="156924"/>
+            <a:ext cx="6175761" cy="3712461"/>
+          </a:xfrm>
+          <a:prstGeom prst="rect">
+            <a:avLst/>
+          </a:prstGeom>
+        </p:spPr>
+      </p:pic>
+    </p:spTree>
+    <p:extLst>
+      <p:ext uri="{BB962C8B-B14F-4D97-AF65-F5344CB8AC3E}">
+        <p14:creationId xmlns:p14="http://schemas.microsoft.com/office/powerpoint/2010/main" val="414634064"/>
+      </p:ext>
+    </p:extLst>
+  </p:cSld>
+  <p:clrMapOvr>
+    <a:masterClrMapping/>
+  </p:clrMapOvr>
+</p:sld>
+</file>
+
+<file path=ppt/slides/slide4.xml><?xml version="1.0" encoding="utf-8"?>
+<p:sld xmlns:a="http://schemas.openxmlformats.org/drawingml/2006/main" xmlns:r="http://schemas.openxmlformats.org/officeDocument/2006/relationships" xmlns:p="http://schemas.openxmlformats.org/presentationml/2006/main">
+  <p:cSld>
+    <p:spTree>
+      <p:nvGrpSpPr>
+        <p:cNvPr id="1" name=""/>
+        <p:cNvGrpSpPr/>
+        <p:nvPr/>
+      </p:nvGrpSpPr>
+      <p:grpSpPr>
+        <a:xfrm>
+          <a:off x="0" y="0"/>
+          <a:ext cx="0" cy="0"/>
+          <a:chOff x="0" y="0"/>
+          <a:chExt cx="0" cy="0"/>
+        </a:xfrm>
+      </p:grpSpPr>
+      <p:pic>
+        <p:nvPicPr>
+          <p:cNvPr id="4" name="Content Placeholder 4" descr="A picture containing text, diagram, screenshot, line&#10;&#10;Description automatically generated">
+            <a:extLst>
+              <a:ext uri="{FF2B5EF4-FFF2-40B4-BE49-F238E27FC236}">
+                <a16:creationId xmlns:a16="http://schemas.microsoft.com/office/drawing/2014/main" id="{AA4B4395-ABBB-7200-61FF-2EED5C02568F}"/>
+              </a:ext>
+            </a:extLst>
+          </p:cNvPr>
+          <p:cNvPicPr>
+            <a:picLocks noChangeAspect="1"/>
+          </p:cNvPicPr>
+          <p:nvPr/>
+        </p:nvPicPr>
+        <p:blipFill rotWithShape="1">
+          <a:blip r:embed="rId3"/>
+          <a:srcRect l="7610" t="9418" r="2884" b="5652"/>
+          <a:stretch/>
+        </p:blipFill>
+        <p:spPr>
+          <a:xfrm>
+            <a:off x="147483" y="254383"/>
+            <a:ext cx="6414526" cy="3658882"/>
+          </a:xfrm>
+          <a:prstGeom prst="rect">
+            <a:avLst/>
+          </a:prstGeom>
+        </p:spPr>
+      </p:pic>
+      <p:pic>
+        <p:nvPicPr>
+          <p:cNvPr id="6" name="Picture 5" descr="A picture containing text, diagram, plot, screenshot&#10;&#10;Description automatically generated">
+            <a:extLst>
+              <a:ext uri="{FF2B5EF4-FFF2-40B4-BE49-F238E27FC236}">
+                <a16:creationId xmlns:a16="http://schemas.microsoft.com/office/drawing/2014/main" id="{F4C9FD84-2494-715E-4E94-261B0A6AA337}"/>
+              </a:ext>
+            </a:extLst>
+          </p:cNvPr>
+          <p:cNvPicPr>
+            <a:picLocks noChangeAspect="1"/>
+          </p:cNvPicPr>
+          <p:nvPr/>
+        </p:nvPicPr>
+        <p:blipFill rotWithShape="1">
+          <a:blip r:embed="rId4"/>
+          <a:srcRect t="4881"/>
+          <a:stretch/>
+        </p:blipFill>
+        <p:spPr>
+          <a:xfrm>
+            <a:off x="6202517" y="0"/>
+            <a:ext cx="5842000" cy="4167648"/>
+          </a:xfrm>
+          <a:prstGeom prst="rect">
+            <a:avLst/>
+          </a:prstGeom>
+        </p:spPr>
+      </p:pic>
+      <p:pic>
+        <p:nvPicPr>
+          <p:cNvPr id="8" name="Picture 7" descr="A picture containing text, line, screenshot, diagram&#10;&#10;Description automatically generated">
+            <a:extLst>
+              <a:ext uri="{FF2B5EF4-FFF2-40B4-BE49-F238E27FC236}">
+                <a16:creationId xmlns:a16="http://schemas.microsoft.com/office/drawing/2014/main" id="{E5622816-BA56-7203-B9ED-79ABF0ED5483}"/>
+              </a:ext>
+            </a:extLst>
+          </p:cNvPr>
+          <p:cNvPicPr>
+            <a:picLocks noChangeAspect="1"/>
+          </p:cNvPicPr>
+          <p:nvPr/>
+        </p:nvPicPr>
+        <p:blipFill rotWithShape="1">
+          <a:blip r:embed="rId5"/>
+          <a:srcRect l="5100" t="4881" r="7727" b="2028"/>
+          <a:stretch/>
+        </p:blipFill>
+        <p:spPr>
+          <a:xfrm>
+            <a:off x="3532034" y="3929773"/>
+            <a:ext cx="3656166" cy="2928227"/>
+          </a:xfrm>
+          <a:prstGeom prst="rect">
+            <a:avLst/>
+          </a:prstGeom>
+        </p:spPr>
+      </p:pic>
+    </p:spTree>
+    <p:extLst>
+      <p:ext uri="{BB962C8B-B14F-4D97-AF65-F5344CB8AC3E}">
+        <p14:creationId xmlns:p14="http://schemas.microsoft.com/office/powerpoint/2010/main" val="1589422122"/>
+      </p:ext>
+    </p:extLst>
+  </p:cSld>
+  <p:clrMapOvr>
+    <a:masterClrMapping/>
+  </p:clrMapOvr>
+</p:sld>
+</file>
+
+<file path=ppt/slides/slide5.xml><?xml version="1.0" encoding="utf-8"?>
+<p:sld xmlns:a="http://schemas.openxmlformats.org/drawingml/2006/main" xmlns:r="http://schemas.openxmlformats.org/officeDocument/2006/relationships" xmlns:p="http://schemas.openxmlformats.org/presentationml/2006/main">
+  <p:cSld>
+    <p:spTree>
+      <p:nvGrpSpPr>
+        <p:cNvPr id="1" name=""/>
+        <p:cNvGrpSpPr/>
+        <p:nvPr/>
+      </p:nvGrpSpPr>
+      <p:grpSpPr>
+        <a:xfrm>
+          <a:off x="0" y="0"/>
+          <a:ext cx="0" cy="0"/>
+          <a:chOff x="0" y="0"/>
+          <a:chExt cx="0" cy="0"/>
+        </a:xfrm>
+      </p:grpSpPr>
+      <p:pic>
+        <p:nvPicPr>
           <p:cNvPr id="7" name="Picture 6" descr="A picture containing text, font, handwriting, line&#10;&#10;Description automatically generated">
             <a:extLst>
               <a:ext uri="{FF2B5EF4-FFF2-40B4-BE49-F238E27FC236}">
@@ -3388,14 +4424,14 @@
           <p:nvPr>
             <p:extLst>
               <p:ext uri="{D42A27DB-BD31-4B8C-83A1-F6EECF244321}">
-                <p14:modId xmlns:p14="http://schemas.microsoft.com/office/powerpoint/2010/main" val="571087095"/>
+                <p14:modId xmlns:p14="http://schemas.microsoft.com/office/powerpoint/2010/main" val="872433754"/>
               </p:ext>
             </p:extLst>
           </p:nvPr>
         </p:nvGraphicFramePr>
         <p:xfrm>
           <a:off x="305574" y="623487"/>
-          <a:ext cx="6801807" cy="2805513"/>
+          <a:ext cx="6801807" cy="4359993"/>
         </p:xfrm>
         <a:graphic>
           <a:graphicData uri="http://schemas.openxmlformats.org/drawingml/2006/table">
@@ -3491,24 +4527,6 @@
                     <a:bodyPr/>
                     <a:lstStyle/>
                     <a:p>
-                      <a:r>
-                        <a:rPr lang="en-DE" dirty="0"/>
-                        <a:t>4.432* 10</a:t>
-                      </a:r>
-                      <a:r>
-                        <a:rPr lang="en-DE" baseline="30000" dirty="0"/>
-                        <a:t>-3</a:t>
-                      </a:r>
-                      <a:endParaRPr lang="en-DE" dirty="0"/>
-                    </a:p>
-                  </a:txBody>
-                  <a:tcPr/>
-                </a:tc>
-                <a:tc>
-                  <a:txBody>
-                    <a:bodyPr/>
-                    <a:lstStyle/>
-                    <a:p>
                       <a:pPr marL="0" marR="0" lvl="0" indent="0" algn="l" defTabSz="914400" rtl="0" eaLnBrk="1" fontAlgn="auto" latinLnBrk="0" hangingPunct="1">
                         <a:lnSpc>
                           <a:spcPct val="100000"/>
@@ -3527,11 +4545,7 @@
                         <a:defRPr/>
                       </a:pPr>
                       <a:r>
-                        <a:rPr lang="en-DE" dirty="0"/>
-                        <a:t> </a:t>
-                      </a:r>
-                      <a:r>
-                        <a:rPr lang="en-DE" sz="1800" b="0" kern="1200" dirty="0">
+                        <a:rPr lang="en-DE" sz="1800" kern="1200" dirty="0">
                           <a:solidFill>
                             <a:schemeClr val="tx1"/>
                           </a:solidFill>
@@ -3540,99 +4554,17 @@
                           <a:ea typeface="+mn-ea"/>
                           <a:cs typeface="+mn-cs"/>
                         </a:rPr>
-                        <a:t>10</a:t>
-                      </a:r>
-                      <a:r>
-                        <a:rPr lang="en-DE" sz="1800" b="0" kern="1200" baseline="30000" dirty="0">
-                          <a:solidFill>
-                            <a:schemeClr val="tx1"/>
-                          </a:solidFill>
-                          <a:effectLst/>
-                          <a:latin typeface="+mn-lt"/>
-                          <a:ea typeface="+mn-ea"/>
-                          <a:cs typeface="+mn-cs"/>
-                        </a:rPr>
-                        <a:t>6</a:t>
-                      </a:r>
-                      <a:endParaRPr lang="en-DE" sz="1800" b="0" kern="1200" dirty="0">
-                        <a:solidFill>
-                          <a:schemeClr val="tx1"/>
-                        </a:solidFill>
-                        <a:effectLst/>
-                        <a:latin typeface="+mn-lt"/>
-                        <a:ea typeface="+mn-ea"/>
-                        <a:cs typeface="+mn-cs"/>
-                      </a:endParaRPr>
-                    </a:p>
-                  </a:txBody>
-                  <a:tcPr/>
-                </a:tc>
-                <a:extLst>
-                  <a:ext uri="{0D108BD9-81ED-4DB2-BD59-A6C34878D82A}">
-                    <a16:rowId xmlns:a16="http://schemas.microsoft.com/office/drawing/2014/main" val="3105128545"/>
-                  </a:ext>
-                </a:extLst>
-              </a:tr>
-              <a:tr h="329896">
-                <a:tc>
-                  <a:txBody>
-                    <a:bodyPr/>
-                    <a:lstStyle/>
-                    <a:p>
-                      <a:r>
-                        <a:rPr lang="en-GB" dirty="0"/>
-                        <a:t>A</a:t>
+                        <a:t>4.4450 </a:t>
                       </a:r>
                       <a:r>
                         <a:rPr lang="en-DE" dirty="0"/>
-                        <a:t>daptive ANNs</a:t>
-                      </a:r>
-                    </a:p>
-                  </a:txBody>
-                  <a:tcPr/>
-                </a:tc>
-                <a:tc>
-                  <a:txBody>
-                    <a:bodyPr/>
-                    <a:lstStyle/>
-                    <a:p>
-                      <a:r>
-                        <a:rPr lang="en-DE" dirty="0"/>
-                        <a:t>4.196*10</a:t>
+                        <a:t>* 10</a:t>
                       </a:r>
                       <a:r>
                         <a:rPr lang="en-DE" baseline="30000" dirty="0"/>
-                        <a:t>-3</a:t>
-                      </a:r>
-                      <a:endParaRPr lang="en-DE" dirty="0"/>
-                    </a:p>
-                  </a:txBody>
-                  <a:tcPr/>
-                </a:tc>
-                <a:tc>
-                  <a:txBody>
-                    <a:bodyPr/>
-                    <a:lstStyle/>
-                    <a:p>
-                      <a:r>
-                        <a:rPr lang="en-DE" dirty="0"/>
-                        <a:t>125</a:t>
-                      </a:r>
-                    </a:p>
-                  </a:txBody>
-                  <a:tcPr/>
-                </a:tc>
-                <a:extLst>
-                  <a:ext uri="{0D108BD9-81ED-4DB2-BD59-A6C34878D82A}">
-                    <a16:rowId xmlns:a16="http://schemas.microsoft.com/office/drawing/2014/main" val="1753124714"/>
-                  </a:ext>
-                </a:extLst>
-              </a:tr>
-              <a:tr h="569411">
-                <a:tc>
-                  <a:txBody>
-                    <a:bodyPr/>
-                    <a:lstStyle/>
+                        <a:t>-3 .</a:t>
+                      </a:r>
+                    </a:p>
                     <a:p>
                       <a:pPr marL="0" marR="0" lvl="0" indent="0" algn="l" defTabSz="914400" rtl="0" eaLnBrk="1" fontAlgn="auto" latinLnBrk="0" hangingPunct="1">
                         <a:lnSpc>
@@ -3652,60 +4584,22 @@
                         <a:defRPr/>
                       </a:pPr>
                       <a:r>
-                        <a:rPr lang="en-GB" sz="1800" kern="1200" dirty="0">
-                          <a:solidFill>
-                            <a:schemeClr val="tx1"/>
-                          </a:solidFill>
-                          <a:effectLst/>
-                          <a:latin typeface="+mn-lt"/>
-                          <a:ea typeface="+mn-ea"/>
-                          <a:cs typeface="+mn-cs"/>
-                        </a:rPr>
-                        <a:t>Non-adaptive ANN </a:t>
-                      </a:r>
-                      <a:endParaRPr lang="en-GB" dirty="0"/>
+                        <a:rPr lang="en-GB" dirty="0"/>
+                        <a:t>S</a:t>
+                      </a:r>
+                      <a:r>
+                        <a:rPr lang="en-DE" dirty="0"/>
+                        <a:t>td= 6.67 * 10</a:t>
+                      </a:r>
+                      <a:r>
+                        <a:rPr lang="en-DE" baseline="30000" dirty="0"/>
+                        <a:t>-5</a:t>
+                      </a:r>
+                      <a:endParaRPr lang="en-DE" dirty="0"/>
                     </a:p>
                   </a:txBody>
                   <a:tcPr/>
                 </a:tc>
-                <a:tc>
-                  <a:txBody>
-                    <a:bodyPr/>
-                    <a:lstStyle/>
-                    <a:p>
-                      <a:r>
-                        <a:rPr lang="en-DE" dirty="0"/>
-                        <a:t>4.37.* 10</a:t>
-                      </a:r>
-                      <a:r>
-                        <a:rPr lang="en-DE" baseline="30000" dirty="0"/>
-                        <a:t>-3</a:t>
-                      </a:r>
-                      <a:endParaRPr lang="en-DE" dirty="0"/>
-                    </a:p>
-                  </a:txBody>
-                  <a:tcPr/>
-                </a:tc>
-                <a:tc>
-                  <a:txBody>
-                    <a:bodyPr/>
-                    <a:lstStyle/>
-                    <a:p>
-                      <a:r>
-                        <a:rPr lang="en-DE" dirty="0"/>
-                        <a:t>150</a:t>
-                      </a:r>
-                    </a:p>
-                  </a:txBody>
-                  <a:tcPr/>
-                </a:tc>
-                <a:extLst>
-                  <a:ext uri="{0D108BD9-81ED-4DB2-BD59-A6C34878D82A}">
-                    <a16:rowId xmlns:a16="http://schemas.microsoft.com/office/drawing/2014/main" val="1001027618"/>
-                  </a:ext>
-                </a:extLst>
-              </a:tr>
-              <a:tr h="569411">
                 <a:tc>
                   <a:txBody>
                     <a:bodyPr/>
@@ -3729,8 +4623,65 @@
                         <a:defRPr/>
                       </a:pPr>
                       <a:r>
+                        <a:rPr lang="en-DE" dirty="0"/>
+                        <a:t> </a:t>
+                      </a:r>
+                      <a:r>
+                        <a:rPr lang="en-DE" sz="1800" b="0" kern="1200" dirty="0">
+                          <a:solidFill>
+                            <a:schemeClr val="tx1"/>
+                          </a:solidFill>
+                          <a:effectLst/>
+                          <a:latin typeface="+mn-lt"/>
+                          <a:ea typeface="+mn-ea"/>
+                          <a:cs typeface="+mn-cs"/>
+                        </a:rPr>
+                        <a:t>10</a:t>
+                      </a:r>
+                      <a:r>
+                        <a:rPr lang="en-DE" sz="1800" b="0" kern="1200" baseline="30000" dirty="0">
+                          <a:solidFill>
+                            <a:schemeClr val="tx1"/>
+                          </a:solidFill>
+                          <a:effectLst/>
+                          <a:latin typeface="+mn-lt"/>
+                          <a:ea typeface="+mn-ea"/>
+                          <a:cs typeface="+mn-cs"/>
+                        </a:rPr>
+                        <a:t>6</a:t>
+                      </a:r>
+                      <a:endParaRPr lang="en-DE" sz="1800" b="0" kern="1200" dirty="0">
+                        <a:solidFill>
+                          <a:schemeClr val="tx1"/>
+                        </a:solidFill>
+                        <a:effectLst/>
+                        <a:latin typeface="+mn-lt"/>
+                        <a:ea typeface="+mn-ea"/>
+                        <a:cs typeface="+mn-cs"/>
+                      </a:endParaRPr>
+                    </a:p>
+                  </a:txBody>
+                  <a:tcPr/>
+                </a:tc>
+                <a:extLst>
+                  <a:ext uri="{0D108BD9-81ED-4DB2-BD59-A6C34878D82A}">
+                    <a16:rowId xmlns:a16="http://schemas.microsoft.com/office/drawing/2014/main" val="3105128545"/>
+                  </a:ext>
+                </a:extLst>
+              </a:tr>
+              <a:tr h="329896">
+                <a:tc>
+                  <a:txBody>
+                    <a:bodyPr/>
+                    <a:lstStyle/>
+                    <a:p>
+                      <a:r>
                         <a:rPr lang="en-GB" dirty="0"/>
-                        <a:t>AK_MCS_U</a:t>
+                        <a:t>A</a:t>
+                      </a:r>
+                      <a:r>
+                        <a:rPr lang="en-DE" dirty="0"/>
+                        <a:t>daptive ANNs</a:t>
                       </a:r>
                     </a:p>
                   </a:txBody>
@@ -3743,7 +4694,7 @@
                     <a:p>
                       <a:r>
                         <a:rPr lang="en-DE" dirty="0"/>
-                        <a:t>4.354*10</a:t>
+                        <a:t>4.196*10</a:t>
                       </a:r>
                       <a:r>
                         <a:rPr lang="en-DE" baseline="30000" dirty="0"/>
@@ -3761,7 +4712,7 @@
                     <a:p>
                       <a:r>
                         <a:rPr lang="en-DE" dirty="0"/>
-                        <a:t>118</a:t>
+                        <a:t>125</a:t>
                       </a:r>
                     </a:p>
                   </a:txBody>
@@ -3769,7 +4720,7 @@
                 </a:tc>
                 <a:extLst>
                   <a:ext uri="{0D108BD9-81ED-4DB2-BD59-A6C34878D82A}">
-                    <a16:rowId xmlns:a16="http://schemas.microsoft.com/office/drawing/2014/main" val="652835626"/>
+                    <a16:rowId xmlns:a16="http://schemas.microsoft.com/office/drawing/2014/main" val="1753124714"/>
                   </a:ext>
                 </a:extLst>
               </a:tr>
@@ -3797,8 +4748,16 @@
                         <a:defRPr/>
                       </a:pPr>
                       <a:r>
-                        <a:rPr lang="en-GB" dirty="0" err="1"/>
-                        <a:t>NN_classifier</a:t>
+                        <a:rPr lang="en-GB" sz="1800" kern="1200" dirty="0">
+                          <a:solidFill>
+                            <a:schemeClr val="tx1"/>
+                          </a:solidFill>
+                          <a:effectLst/>
+                          <a:latin typeface="+mn-lt"/>
+                          <a:ea typeface="+mn-ea"/>
+                          <a:cs typeface="+mn-cs"/>
+                        </a:rPr>
+                        <a:t>Non-adaptive ANN </a:t>
                       </a:r>
                       <a:endParaRPr lang="en-GB" dirty="0"/>
                     </a:p>
@@ -3812,12 +4771,13 @@
                     <a:p>
                       <a:r>
                         <a:rPr lang="en-DE" dirty="0"/>
-                        <a:t>4.38 * 10</a:t>
+                        <a:t>4.37.* 10</a:t>
                       </a:r>
                       <a:r>
                         <a:rPr lang="en-DE" baseline="30000" dirty="0"/>
                         <a:t>-3</a:t>
                       </a:r>
+                      <a:endParaRPr lang="en-DE" dirty="0"/>
                     </a:p>
                   </a:txBody>
                   <a:tcPr/>
@@ -3829,7 +4789,7 @@
                     <a:p>
                       <a:r>
                         <a:rPr lang="en-DE" dirty="0"/>
-                        <a:t>500 </a:t>
+                        <a:t>150</a:t>
                       </a:r>
                     </a:p>
                   </a:txBody>
@@ -3837,7 +4797,307 @@
                 </a:tc>
                 <a:extLst>
                   <a:ext uri="{0D108BD9-81ED-4DB2-BD59-A6C34878D82A}">
-                    <a16:rowId xmlns:a16="http://schemas.microsoft.com/office/drawing/2014/main" val="1326674606"/>
+                    <a16:rowId xmlns:a16="http://schemas.microsoft.com/office/drawing/2014/main" val="1001027618"/>
+                  </a:ext>
+                </a:extLst>
+              </a:tr>
+              <a:tr h="569411">
+                <a:tc>
+                  <a:txBody>
+                    <a:bodyPr/>
+                    <a:lstStyle/>
+                    <a:p>
+                      <a:pPr marL="0" marR="0" lvl="0" indent="0" algn="l" defTabSz="914400" rtl="0" eaLnBrk="1" fontAlgn="auto" latinLnBrk="0" hangingPunct="1">
+                        <a:lnSpc>
+                          <a:spcPct val="100000"/>
+                        </a:lnSpc>
+                        <a:spcBef>
+                          <a:spcPts val="0"/>
+                        </a:spcBef>
+                        <a:spcAft>
+                          <a:spcPts val="0"/>
+                        </a:spcAft>
+                        <a:buClrTx/>
+                        <a:buSzTx/>
+                        <a:buFontTx/>
+                        <a:buNone/>
+                        <a:tabLst/>
+                        <a:defRPr/>
+                      </a:pPr>
+                      <a:r>
+                        <a:rPr lang="en-GB" dirty="0"/>
+                        <a:t>AK_MCS_U random sampling</a:t>
+                      </a:r>
+                    </a:p>
+                  </a:txBody>
+                  <a:tcPr/>
+                </a:tc>
+                <a:tc>
+                  <a:txBody>
+                    <a:bodyPr/>
+                    <a:lstStyle/>
+                    <a:p>
+                      <a:r>
+                        <a:rPr lang="en-DE" dirty="0"/>
+                        <a:t>4.354*10</a:t>
+                      </a:r>
+                      <a:r>
+                        <a:rPr lang="en-DE" baseline="30000" dirty="0"/>
+                        <a:t>-3</a:t>
+                      </a:r>
+                      <a:endParaRPr lang="en-DE" dirty="0"/>
+                    </a:p>
+                  </a:txBody>
+                  <a:tcPr/>
+                </a:tc>
+                <a:tc>
+                  <a:txBody>
+                    <a:bodyPr/>
+                    <a:lstStyle/>
+                    <a:p>
+                      <a:r>
+                        <a:rPr lang="en-DE" dirty="0"/>
+                        <a:t>118</a:t>
+                      </a:r>
+                    </a:p>
+                  </a:txBody>
+                  <a:tcPr/>
+                </a:tc>
+                <a:extLst>
+                  <a:ext uri="{0D108BD9-81ED-4DB2-BD59-A6C34878D82A}">
+                    <a16:rowId xmlns:a16="http://schemas.microsoft.com/office/drawing/2014/main" val="652835626"/>
+                  </a:ext>
+                </a:extLst>
+              </a:tr>
+              <a:tr h="569411">
+                <a:tc>
+                  <a:txBody>
+                    <a:bodyPr/>
+                    <a:lstStyle/>
+                    <a:p>
+                      <a:pPr marL="0" marR="0" lvl="0" indent="0" algn="l" defTabSz="914400" rtl="0" eaLnBrk="1" fontAlgn="auto" latinLnBrk="0" hangingPunct="1">
+                        <a:lnSpc>
+                          <a:spcPct val="100000"/>
+                        </a:lnSpc>
+                        <a:spcBef>
+                          <a:spcPts val="0"/>
+                        </a:spcBef>
+                        <a:spcAft>
+                          <a:spcPts val="0"/>
+                        </a:spcAft>
+                        <a:buClrTx/>
+                        <a:buSzTx/>
+                        <a:buFontTx/>
+                        <a:buNone/>
+                        <a:tabLst/>
+                        <a:defRPr/>
+                      </a:pPr>
+                      <a:r>
+                        <a:rPr lang="en-GB" dirty="0"/>
+                        <a:t>AK_MCS_U selected sampling</a:t>
+                      </a:r>
+                    </a:p>
+                  </a:txBody>
+                  <a:tcPr/>
+                </a:tc>
+                <a:tc>
+                  <a:txBody>
+                    <a:bodyPr/>
+                    <a:lstStyle/>
+                    <a:p>
+                      <a:r>
+                        <a:rPr lang="en-DE" dirty="0"/>
+                        <a:t>4.418* 10</a:t>
+                      </a:r>
+                      <a:r>
+                        <a:rPr lang="en-DE" baseline="30000" dirty="0"/>
+                        <a:t>-3</a:t>
+                      </a:r>
+                      <a:endParaRPr lang="en-DE" dirty="0"/>
+                    </a:p>
+                  </a:txBody>
+                  <a:tcPr/>
+                </a:tc>
+                <a:tc>
+                  <a:txBody>
+                    <a:bodyPr/>
+                    <a:lstStyle/>
+                    <a:p>
+                      <a:r>
+                        <a:rPr lang="en-DE" dirty="0"/>
+                        <a:t>53</a:t>
+                      </a:r>
+                    </a:p>
+                  </a:txBody>
+                  <a:tcPr/>
+                </a:tc>
+                <a:extLst>
+                  <a:ext uri="{0D108BD9-81ED-4DB2-BD59-A6C34878D82A}">
+                    <a16:rowId xmlns:a16="http://schemas.microsoft.com/office/drawing/2014/main" val="133814415"/>
+                  </a:ext>
+                </a:extLst>
+              </a:tr>
+              <a:tr h="569411">
+                <a:tc>
+                  <a:txBody>
+                    <a:bodyPr/>
+                    <a:lstStyle/>
+                    <a:p>
+                      <a:pPr marL="0" marR="0" lvl="0" indent="0" algn="l" defTabSz="914400" rtl="0" eaLnBrk="1" fontAlgn="auto" latinLnBrk="0" hangingPunct="1">
+                        <a:lnSpc>
+                          <a:spcPct val="100000"/>
+                        </a:lnSpc>
+                        <a:spcBef>
+                          <a:spcPts val="0"/>
+                        </a:spcBef>
+                        <a:spcAft>
+                          <a:spcPts val="0"/>
+                        </a:spcAft>
+                        <a:buClrTx/>
+                        <a:buSzTx/>
+                        <a:buFontTx/>
+                        <a:buNone/>
+                        <a:tabLst/>
+                        <a:defRPr/>
+                      </a:pPr>
+                      <a:r>
+                        <a:rPr lang="en-GB" dirty="0" err="1"/>
+                        <a:t>NN_classifier</a:t>
+                      </a:r>
+                      <a:endParaRPr lang="en-GB" dirty="0"/>
+                    </a:p>
+                  </a:txBody>
+                  <a:tcPr/>
+                </a:tc>
+                <a:tc>
+                  <a:txBody>
+                    <a:bodyPr/>
+                    <a:lstStyle/>
+                    <a:p>
+                      <a:r>
+                        <a:rPr lang="en-DE" dirty="0"/>
+                        <a:t>4.38 * 10</a:t>
+                      </a:r>
+                      <a:r>
+                        <a:rPr lang="en-DE" baseline="30000" dirty="0"/>
+                        <a:t>-3</a:t>
+                      </a:r>
+                    </a:p>
+                  </a:txBody>
+                  <a:tcPr/>
+                </a:tc>
+                <a:tc>
+                  <a:txBody>
+                    <a:bodyPr/>
+                    <a:lstStyle/>
+                    <a:p>
+                      <a:r>
+                        <a:rPr lang="en-DE" dirty="0"/>
+                        <a:t>500 </a:t>
+                      </a:r>
+                    </a:p>
+                  </a:txBody>
+                  <a:tcPr/>
+                </a:tc>
+                <a:extLst>
+                  <a:ext uri="{0D108BD9-81ED-4DB2-BD59-A6C34878D82A}">
+                    <a16:rowId xmlns:a16="http://schemas.microsoft.com/office/drawing/2014/main" val="2903294785"/>
+                  </a:ext>
+                </a:extLst>
+              </a:tr>
+              <a:tr h="569411">
+                <a:tc>
+                  <a:txBody>
+                    <a:bodyPr/>
+                    <a:lstStyle/>
+                    <a:p>
+                      <a:pPr marL="0" marR="0" lvl="0" indent="0" algn="l" defTabSz="914400" rtl="0" eaLnBrk="1" fontAlgn="auto" latinLnBrk="0" hangingPunct="1">
+                        <a:lnSpc>
+                          <a:spcPct val="100000"/>
+                        </a:lnSpc>
+                        <a:spcBef>
+                          <a:spcPts val="0"/>
+                        </a:spcBef>
+                        <a:spcAft>
+                          <a:spcPts val="0"/>
+                        </a:spcAft>
+                        <a:buClrTx/>
+                        <a:buSzTx/>
+                        <a:buFontTx/>
+                        <a:buNone/>
+                        <a:tabLst/>
+                        <a:defRPr/>
+                      </a:pPr>
+                      <a:r>
+                        <a:rPr lang="en-GB" dirty="0"/>
+                        <a:t>Reference (kriging)</a:t>
+                      </a:r>
+                    </a:p>
+                  </a:txBody>
+                  <a:tcPr/>
+                </a:tc>
+                <a:tc>
+                  <a:txBody>
+                    <a:bodyPr/>
+                    <a:lstStyle/>
+                    <a:p>
+                      <a:pPr marL="0" marR="0" lvl="0" indent="0" algn="l" defTabSz="914400" rtl="0" eaLnBrk="1" fontAlgn="auto" latinLnBrk="0" hangingPunct="1">
+                        <a:lnSpc>
+                          <a:spcPct val="100000"/>
+                        </a:lnSpc>
+                        <a:spcBef>
+                          <a:spcPts val="0"/>
+                        </a:spcBef>
+                        <a:spcAft>
+                          <a:spcPts val="0"/>
+                        </a:spcAft>
+                        <a:buClrTx/>
+                        <a:buSzTx/>
+                        <a:buFontTx/>
+                        <a:buNone/>
+                        <a:tabLst/>
+                        <a:defRPr/>
+                      </a:pPr>
+                      <a:r>
+                        <a:rPr lang="en-DE" sz="1800" kern="1200" dirty="0">
+                          <a:solidFill>
+                            <a:schemeClr val="tx1"/>
+                          </a:solidFill>
+                          <a:effectLst/>
+                          <a:latin typeface="+mn-lt"/>
+                          <a:ea typeface="+mn-ea"/>
+                          <a:cs typeface="+mn-cs"/>
+                        </a:rPr>
+                        <a:t>4.416 * </a:t>
+                      </a:r>
+                      <a:r>
+                        <a:rPr lang="en-DE" dirty="0"/>
+                        <a:t>10</a:t>
+                      </a:r>
+                      <a:r>
+                        <a:rPr lang="en-DE" baseline="30000" dirty="0"/>
+                        <a:t>-3</a:t>
+                      </a:r>
+                    </a:p>
+                  </a:txBody>
+                  <a:tcPr/>
+                </a:tc>
+                <a:tc>
+                  <a:txBody>
+                    <a:bodyPr/>
+                    <a:lstStyle/>
+                    <a:p>
+                      <a:r>
+                        <a:rPr lang="en-DE" dirty="0"/>
+                        <a:t>126</a:t>
+                      </a:r>
+                    </a:p>
+                  </a:txBody>
+                  <a:tcPr/>
+                </a:tc>
+                <a:extLst>
+                  <a:ext uri="{0D108BD9-81ED-4DB2-BD59-A6C34878D82A}">
+                    <a16:rowId xmlns:a16="http://schemas.microsoft.com/office/drawing/2014/main" val="510360930"/>
                   </a:ext>
                 </a:extLst>
               </a:tr>
@@ -3858,7 +5118,7 @@
 </p:sld>
 </file>
 
-<file path=ppt/slides/slide2.xml><?xml version="1.0" encoding="utf-8"?>
+<file path=ppt/slides/slide6.xml><?xml version="1.0" encoding="utf-8"?>
 <p:sld xmlns:a="http://schemas.openxmlformats.org/drawingml/2006/main" xmlns:r="http://schemas.openxmlformats.org/officeDocument/2006/relationships" xmlns:p="http://schemas.openxmlformats.org/presentationml/2006/main">
   <p:cSld>
     <p:spTree>
@@ -3875,38 +5135,1893 @@
           <a:chExt cx="0" cy="0"/>
         </a:xfrm>
       </p:grpSpPr>
+      <p:graphicFrame>
+        <p:nvGraphicFramePr>
+          <p:cNvPr id="4" name="Table 8">
+            <a:extLst>
+              <a:ext uri="{FF2B5EF4-FFF2-40B4-BE49-F238E27FC236}">
+                <a16:creationId xmlns:a16="http://schemas.microsoft.com/office/drawing/2014/main" id="{B6810B5C-23FE-768F-DCEC-6AC0B6164B30}"/>
+              </a:ext>
+            </a:extLst>
+          </p:cNvPr>
+          <p:cNvGraphicFramePr>
+            <a:graphicFrameLocks noGrp="1"/>
+          </p:cNvGraphicFramePr>
+          <p:nvPr>
+            <p:extLst>
+              <p:ext uri="{D42A27DB-BD31-4B8C-83A1-F6EECF244321}">
+                <p14:modId xmlns:p14="http://schemas.microsoft.com/office/powerpoint/2010/main" val="2629815257"/>
+              </p:ext>
+            </p:extLst>
+          </p:nvPr>
+        </p:nvGraphicFramePr>
+        <p:xfrm>
+          <a:off x="305574" y="623487"/>
+          <a:ext cx="6801807" cy="4359993"/>
+        </p:xfrm>
+        <a:graphic>
+          <a:graphicData uri="http://schemas.openxmlformats.org/drawingml/2006/table">
+            <a:tbl>
+              <a:tblPr firstRow="1" bandRow="1">
+                <a:tableStyleId>{5940675A-B579-460E-94D1-54222C63F5DA}</a:tableStyleId>
+              </a:tblPr>
+              <a:tblGrid>
+                <a:gridCol w="2267269">
+                  <a:extLst>
+                    <a:ext uri="{9D8B030D-6E8A-4147-A177-3AD203B41FA5}">
+                      <a16:colId xmlns:a16="http://schemas.microsoft.com/office/drawing/2014/main" val="4271608756"/>
+                    </a:ext>
+                  </a:extLst>
+                </a:gridCol>
+                <a:gridCol w="2267269">
+                  <a:extLst>
+                    <a:ext uri="{9D8B030D-6E8A-4147-A177-3AD203B41FA5}">
+                      <a16:colId xmlns:a16="http://schemas.microsoft.com/office/drawing/2014/main" val="1519529937"/>
+                    </a:ext>
+                  </a:extLst>
+                </a:gridCol>
+                <a:gridCol w="2267269">
+                  <a:extLst>
+                    <a:ext uri="{9D8B030D-6E8A-4147-A177-3AD203B41FA5}">
+                      <a16:colId xmlns:a16="http://schemas.microsoft.com/office/drawing/2014/main" val="2514695280"/>
+                    </a:ext>
+                  </a:extLst>
+                </a:gridCol>
+              </a:tblGrid>
+              <a:tr h="329896">
+                <a:tc>
+                  <a:txBody>
+                    <a:bodyPr/>
+                    <a:lstStyle/>
+                    <a:p>
+                      <a:r>
+                        <a:rPr lang="en-DE" b="1" dirty="0"/>
+                        <a:t>Method</a:t>
+                      </a:r>
+                    </a:p>
+                  </a:txBody>
+                  <a:tcPr/>
+                </a:tc>
+                <a:tc>
+                  <a:txBody>
+                    <a:bodyPr/>
+                    <a:lstStyle/>
+                    <a:p>
+                      <a:r>
+                        <a:rPr lang="en-DE" b="1" dirty="0"/>
+                        <a:t>Pf_hat</a:t>
+                      </a:r>
+                    </a:p>
+                  </a:txBody>
+                  <a:tcPr/>
+                </a:tc>
+                <a:tc>
+                  <a:txBody>
+                    <a:bodyPr/>
+                    <a:lstStyle/>
+                    <a:p>
+                      <a:r>
+                        <a:rPr lang="en-DE" b="1" dirty="0"/>
+                        <a:t>#function_calls</a:t>
+                      </a:r>
+                    </a:p>
+                  </a:txBody>
+                  <a:tcPr/>
+                </a:tc>
+                <a:extLst>
+                  <a:ext uri="{0D108BD9-81ED-4DB2-BD59-A6C34878D82A}">
+                    <a16:rowId xmlns:a16="http://schemas.microsoft.com/office/drawing/2014/main" val="2571112359"/>
+                  </a:ext>
+                </a:extLst>
+              </a:tr>
+              <a:tr h="329896">
+                <a:tc>
+                  <a:txBody>
+                    <a:bodyPr/>
+                    <a:lstStyle/>
+                    <a:p>
+                      <a:r>
+                        <a:rPr lang="en-DE" dirty="0"/>
+                        <a:t>MCS</a:t>
+                      </a:r>
+                    </a:p>
+                  </a:txBody>
+                  <a:tcPr/>
+                </a:tc>
+                <a:tc>
+                  <a:txBody>
+                    <a:bodyPr/>
+                    <a:lstStyle/>
+                    <a:p>
+                      <a:pPr marL="0" marR="0" lvl="0" indent="0" algn="l" defTabSz="914400" rtl="0" eaLnBrk="1" fontAlgn="auto" latinLnBrk="0" hangingPunct="1">
+                        <a:lnSpc>
+                          <a:spcPct val="100000"/>
+                        </a:lnSpc>
+                        <a:spcBef>
+                          <a:spcPts val="0"/>
+                        </a:spcBef>
+                        <a:spcAft>
+                          <a:spcPts val="0"/>
+                        </a:spcAft>
+                        <a:buClrTx/>
+                        <a:buSzTx/>
+                        <a:buFontTx/>
+                        <a:buNone/>
+                        <a:tabLst/>
+                        <a:defRPr/>
+                      </a:pPr>
+                      <a:r>
+                        <a:rPr lang="en-DE" sz="1800" kern="1200" dirty="0">
+                          <a:solidFill>
+                            <a:schemeClr val="tx1"/>
+                          </a:solidFill>
+                          <a:latin typeface="+mn-lt"/>
+                          <a:ea typeface="+mn-ea"/>
+                          <a:cs typeface="+mn-cs"/>
+                        </a:rPr>
+                        <a:t>2.254e-2</a:t>
+                      </a:r>
+                    </a:p>
+                  </a:txBody>
+                  <a:tcPr/>
+                </a:tc>
+                <a:tc>
+                  <a:txBody>
+                    <a:bodyPr/>
+                    <a:lstStyle/>
+                    <a:p>
+                      <a:pPr marL="0" marR="0" lvl="0" indent="0" algn="l" defTabSz="914400" rtl="0" eaLnBrk="1" fontAlgn="auto" latinLnBrk="0" hangingPunct="1">
+                        <a:lnSpc>
+                          <a:spcPct val="100000"/>
+                        </a:lnSpc>
+                        <a:spcBef>
+                          <a:spcPts val="0"/>
+                        </a:spcBef>
+                        <a:spcAft>
+                          <a:spcPts val="0"/>
+                        </a:spcAft>
+                        <a:buClrTx/>
+                        <a:buSzTx/>
+                        <a:buFontTx/>
+                        <a:buNone/>
+                        <a:tabLst/>
+                        <a:defRPr/>
+                      </a:pPr>
+                      <a:r>
+                        <a:rPr lang="en-DE" dirty="0"/>
+                        <a:t>3*</a:t>
+                      </a:r>
+                      <a:r>
+                        <a:rPr lang="en-DE" sz="1800" b="0" kern="1200" dirty="0">
+                          <a:solidFill>
+                            <a:schemeClr val="tx1"/>
+                          </a:solidFill>
+                          <a:effectLst/>
+                          <a:latin typeface="+mn-lt"/>
+                          <a:ea typeface="+mn-ea"/>
+                          <a:cs typeface="+mn-cs"/>
+                        </a:rPr>
+                        <a:t>10</a:t>
+                      </a:r>
+                      <a:r>
+                        <a:rPr lang="en-DE" sz="1800" b="0" kern="1200" baseline="30000" dirty="0">
+                          <a:solidFill>
+                            <a:schemeClr val="tx1"/>
+                          </a:solidFill>
+                          <a:effectLst/>
+                          <a:latin typeface="+mn-lt"/>
+                          <a:ea typeface="+mn-ea"/>
+                          <a:cs typeface="+mn-cs"/>
+                        </a:rPr>
+                        <a:t>5</a:t>
+                      </a:r>
+                      <a:endParaRPr lang="en-DE" sz="1800" b="0" kern="1200" dirty="0">
+                        <a:solidFill>
+                          <a:schemeClr val="tx1"/>
+                        </a:solidFill>
+                        <a:effectLst/>
+                        <a:latin typeface="+mn-lt"/>
+                        <a:ea typeface="+mn-ea"/>
+                        <a:cs typeface="+mn-cs"/>
+                      </a:endParaRPr>
+                    </a:p>
+                  </a:txBody>
+                  <a:tcPr/>
+                </a:tc>
+                <a:extLst>
+                  <a:ext uri="{0D108BD9-81ED-4DB2-BD59-A6C34878D82A}">
+                    <a16:rowId xmlns:a16="http://schemas.microsoft.com/office/drawing/2014/main" val="3105128545"/>
+                  </a:ext>
+                </a:extLst>
+              </a:tr>
+              <a:tr h="329896">
+                <a:tc>
+                  <a:txBody>
+                    <a:bodyPr/>
+                    <a:lstStyle/>
+                    <a:p>
+                      <a:r>
+                        <a:rPr lang="en-GB" dirty="0"/>
+                        <a:t>A</a:t>
+                      </a:r>
+                      <a:r>
+                        <a:rPr lang="en-DE" dirty="0"/>
+                        <a:t>daptive ANNs</a:t>
+                      </a:r>
+                    </a:p>
+                  </a:txBody>
+                  <a:tcPr/>
+                </a:tc>
+                <a:tc>
+                  <a:txBody>
+                    <a:bodyPr/>
+                    <a:lstStyle/>
+                    <a:p>
+                      <a:r>
+                        <a:rPr lang="en-DE" dirty="0"/>
+                        <a:t>2.317e-2</a:t>
+                      </a:r>
+                    </a:p>
+                  </a:txBody>
+                  <a:tcPr/>
+                </a:tc>
+                <a:tc>
+                  <a:txBody>
+                    <a:bodyPr/>
+                    <a:lstStyle/>
+                    <a:p>
+                      <a:r>
+                        <a:rPr lang="en-DE" dirty="0"/>
+                        <a:t>155</a:t>
+                      </a:r>
+                    </a:p>
+                  </a:txBody>
+                  <a:tcPr/>
+                </a:tc>
+                <a:extLst>
+                  <a:ext uri="{0D108BD9-81ED-4DB2-BD59-A6C34878D82A}">
+                    <a16:rowId xmlns:a16="http://schemas.microsoft.com/office/drawing/2014/main" val="1753124714"/>
+                  </a:ext>
+                </a:extLst>
+              </a:tr>
+              <a:tr h="569411">
+                <a:tc>
+                  <a:txBody>
+                    <a:bodyPr/>
+                    <a:lstStyle/>
+                    <a:p>
+                      <a:pPr marL="0" marR="0" lvl="0" indent="0" algn="l" defTabSz="914400" rtl="0" eaLnBrk="1" fontAlgn="auto" latinLnBrk="0" hangingPunct="1">
+                        <a:lnSpc>
+                          <a:spcPct val="100000"/>
+                        </a:lnSpc>
+                        <a:spcBef>
+                          <a:spcPts val="0"/>
+                        </a:spcBef>
+                        <a:spcAft>
+                          <a:spcPts val="0"/>
+                        </a:spcAft>
+                        <a:buClrTx/>
+                        <a:buSzTx/>
+                        <a:buFontTx/>
+                        <a:buNone/>
+                        <a:tabLst/>
+                        <a:defRPr/>
+                      </a:pPr>
+                      <a:r>
+                        <a:rPr lang="en-GB" sz="1800" kern="1200" dirty="0">
+                          <a:solidFill>
+                            <a:schemeClr val="tx1"/>
+                          </a:solidFill>
+                          <a:effectLst/>
+                          <a:latin typeface="+mn-lt"/>
+                          <a:ea typeface="+mn-ea"/>
+                          <a:cs typeface="+mn-cs"/>
+                        </a:rPr>
+                        <a:t>Non-adaptive ANN </a:t>
+                      </a:r>
+                      <a:endParaRPr lang="en-GB" dirty="0"/>
+                    </a:p>
+                  </a:txBody>
+                  <a:tcPr/>
+                </a:tc>
+                <a:tc>
+                  <a:txBody>
+                    <a:bodyPr/>
+                    <a:lstStyle/>
+                    <a:p>
+                      <a:r>
+                        <a:rPr lang="en-DE" dirty="0"/>
+                        <a:t>2.855e-2</a:t>
+                      </a:r>
+                    </a:p>
+                  </a:txBody>
+                  <a:tcPr/>
+                </a:tc>
+                <a:tc>
+                  <a:txBody>
+                    <a:bodyPr/>
+                    <a:lstStyle/>
+                    <a:p>
+                      <a:r>
+                        <a:rPr lang="en-DE" dirty="0"/>
+                        <a:t>200</a:t>
+                      </a:r>
+                    </a:p>
+                  </a:txBody>
+                  <a:tcPr/>
+                </a:tc>
+                <a:extLst>
+                  <a:ext uri="{0D108BD9-81ED-4DB2-BD59-A6C34878D82A}">
+                    <a16:rowId xmlns:a16="http://schemas.microsoft.com/office/drawing/2014/main" val="1001027618"/>
+                  </a:ext>
+                </a:extLst>
+              </a:tr>
+              <a:tr h="569411">
+                <a:tc>
+                  <a:txBody>
+                    <a:bodyPr/>
+                    <a:lstStyle/>
+                    <a:p>
+                      <a:pPr marL="0" marR="0" lvl="0" indent="0" algn="l" defTabSz="914400" rtl="0" eaLnBrk="1" fontAlgn="auto" latinLnBrk="0" hangingPunct="1">
+                        <a:lnSpc>
+                          <a:spcPct val="100000"/>
+                        </a:lnSpc>
+                        <a:spcBef>
+                          <a:spcPts val="0"/>
+                        </a:spcBef>
+                        <a:spcAft>
+                          <a:spcPts val="0"/>
+                        </a:spcAft>
+                        <a:buClrTx/>
+                        <a:buSzTx/>
+                        <a:buFontTx/>
+                        <a:buNone/>
+                        <a:tabLst/>
+                        <a:defRPr/>
+                      </a:pPr>
+                      <a:r>
+                        <a:rPr lang="en-GB" dirty="0"/>
+                        <a:t>AK_MCS_U random initial sampling</a:t>
+                      </a:r>
+                    </a:p>
+                  </a:txBody>
+                  <a:tcPr/>
+                </a:tc>
+                <a:tc>
+                  <a:txBody>
+                    <a:bodyPr/>
+                    <a:lstStyle/>
+                    <a:p>
+                      <a:r>
+                        <a:rPr lang="en-DE" dirty="0"/>
+                        <a:t>*</a:t>
+                      </a:r>
+                    </a:p>
+                  </a:txBody>
+                  <a:tcPr/>
+                </a:tc>
+                <a:tc>
+                  <a:txBody>
+                    <a:bodyPr/>
+                    <a:lstStyle/>
+                    <a:p>
+                      <a:r>
+                        <a:rPr lang="en-DE" dirty="0"/>
+                        <a:t>*</a:t>
+                      </a:r>
+                    </a:p>
+                  </a:txBody>
+                  <a:tcPr/>
+                </a:tc>
+                <a:extLst>
+                  <a:ext uri="{0D108BD9-81ED-4DB2-BD59-A6C34878D82A}">
+                    <a16:rowId xmlns:a16="http://schemas.microsoft.com/office/drawing/2014/main" val="652835626"/>
+                  </a:ext>
+                </a:extLst>
+              </a:tr>
+              <a:tr h="569411">
+                <a:tc>
+                  <a:txBody>
+                    <a:bodyPr/>
+                    <a:lstStyle/>
+                    <a:p>
+                      <a:pPr marL="0" marR="0" lvl="0" indent="0" algn="l" defTabSz="914400" rtl="0" eaLnBrk="1" fontAlgn="auto" latinLnBrk="0" hangingPunct="1">
+                        <a:lnSpc>
+                          <a:spcPct val="100000"/>
+                        </a:lnSpc>
+                        <a:spcBef>
+                          <a:spcPts val="0"/>
+                        </a:spcBef>
+                        <a:spcAft>
+                          <a:spcPts val="0"/>
+                        </a:spcAft>
+                        <a:buClrTx/>
+                        <a:buSzTx/>
+                        <a:buFontTx/>
+                        <a:buNone/>
+                        <a:tabLst/>
+                        <a:defRPr/>
+                      </a:pPr>
+                      <a:r>
+                        <a:rPr lang="en-GB" dirty="0"/>
+                        <a:t>AK_MCS_U selected initial</a:t>
+                      </a:r>
+                    </a:p>
+                    <a:p>
+                      <a:pPr marL="0" marR="0" lvl="0" indent="0" algn="l" defTabSz="914400" rtl="0" eaLnBrk="1" fontAlgn="auto" latinLnBrk="0" hangingPunct="1">
+                        <a:lnSpc>
+                          <a:spcPct val="100000"/>
+                        </a:lnSpc>
+                        <a:spcBef>
+                          <a:spcPts val="0"/>
+                        </a:spcBef>
+                        <a:spcAft>
+                          <a:spcPts val="0"/>
+                        </a:spcAft>
+                        <a:buClrTx/>
+                        <a:buSzTx/>
+                        <a:buFontTx/>
+                        <a:buNone/>
+                        <a:tabLst/>
+                        <a:defRPr/>
+                      </a:pPr>
+                      <a:r>
+                        <a:rPr lang="en-GB" dirty="0"/>
+                        <a:t> sampling</a:t>
+                      </a:r>
+                    </a:p>
+                  </a:txBody>
+                  <a:tcPr/>
+                </a:tc>
+                <a:tc>
+                  <a:txBody>
+                    <a:bodyPr/>
+                    <a:lstStyle/>
+                    <a:p>
+                      <a:r>
+                        <a:rPr lang="de-DE" dirty="0"/>
+                        <a:t>2.2e-2</a:t>
+                      </a:r>
+                      <a:endParaRPr lang="en-DE" dirty="0"/>
+                    </a:p>
+                  </a:txBody>
+                  <a:tcPr/>
+                </a:tc>
+                <a:tc>
+                  <a:txBody>
+                    <a:bodyPr/>
+                    <a:lstStyle/>
+                    <a:p>
+                      <a:r>
+                        <a:rPr lang="en-DE" dirty="0"/>
+                        <a:t>340</a:t>
+                      </a:r>
+                    </a:p>
+                  </a:txBody>
+                  <a:tcPr/>
+                </a:tc>
+                <a:extLst>
+                  <a:ext uri="{0D108BD9-81ED-4DB2-BD59-A6C34878D82A}">
+                    <a16:rowId xmlns:a16="http://schemas.microsoft.com/office/drawing/2014/main" val="133814415"/>
+                  </a:ext>
+                </a:extLst>
+              </a:tr>
+              <a:tr h="569411">
+                <a:tc>
+                  <a:txBody>
+                    <a:bodyPr/>
+                    <a:lstStyle/>
+                    <a:p>
+                      <a:pPr marL="0" marR="0" lvl="0" indent="0" algn="l" defTabSz="914400" rtl="0" eaLnBrk="1" fontAlgn="auto" latinLnBrk="0" hangingPunct="1">
+                        <a:lnSpc>
+                          <a:spcPct val="100000"/>
+                        </a:lnSpc>
+                        <a:spcBef>
+                          <a:spcPts val="0"/>
+                        </a:spcBef>
+                        <a:spcAft>
+                          <a:spcPts val="0"/>
+                        </a:spcAft>
+                        <a:buClrTx/>
+                        <a:buSzTx/>
+                        <a:buFontTx/>
+                        <a:buNone/>
+                        <a:tabLst/>
+                        <a:defRPr/>
+                      </a:pPr>
+                      <a:r>
+                        <a:rPr lang="en-GB" dirty="0" err="1"/>
+                        <a:t>NN_classifier</a:t>
+                      </a:r>
+                      <a:endParaRPr lang="en-GB" dirty="0"/>
+                    </a:p>
+                  </a:txBody>
+                  <a:tcPr/>
+                </a:tc>
+                <a:tc>
+                  <a:txBody>
+                    <a:bodyPr/>
+                    <a:lstStyle/>
+                    <a:p>
+                      <a:r>
+                        <a:rPr lang="de-DE" dirty="0"/>
+                        <a:t>2..377e-2</a:t>
+                      </a:r>
+                      <a:endParaRPr lang="en-DE" baseline="30000" dirty="0"/>
+                    </a:p>
+                  </a:txBody>
+                  <a:tcPr/>
+                </a:tc>
+                <a:tc>
+                  <a:txBody>
+                    <a:bodyPr/>
+                    <a:lstStyle/>
+                    <a:p>
+                      <a:r>
+                        <a:rPr lang="en-DE" dirty="0"/>
+                        <a:t>5000 </a:t>
+                      </a:r>
+                    </a:p>
+                  </a:txBody>
+                  <a:tcPr/>
+                </a:tc>
+                <a:extLst>
+                  <a:ext uri="{0D108BD9-81ED-4DB2-BD59-A6C34878D82A}">
+                    <a16:rowId xmlns:a16="http://schemas.microsoft.com/office/drawing/2014/main" val="2903294785"/>
+                  </a:ext>
+                </a:extLst>
+              </a:tr>
+              <a:tr h="569411">
+                <a:tc>
+                  <a:txBody>
+                    <a:bodyPr/>
+                    <a:lstStyle/>
+                    <a:p>
+                      <a:pPr marL="0" marR="0" lvl="0" indent="0" algn="l" defTabSz="914400" rtl="0" eaLnBrk="1" fontAlgn="auto" latinLnBrk="0" hangingPunct="1">
+                        <a:lnSpc>
+                          <a:spcPct val="100000"/>
+                        </a:lnSpc>
+                        <a:spcBef>
+                          <a:spcPts val="0"/>
+                        </a:spcBef>
+                        <a:spcAft>
+                          <a:spcPts val="0"/>
+                        </a:spcAft>
+                        <a:buClrTx/>
+                        <a:buSzTx/>
+                        <a:buFontTx/>
+                        <a:buNone/>
+                        <a:tabLst/>
+                        <a:defRPr/>
+                      </a:pPr>
+                      <a:r>
+                        <a:rPr lang="en-GB" dirty="0"/>
+                        <a:t>Reference </a:t>
+                      </a:r>
+                      <a:r>
+                        <a:rPr lang="en-GB" dirty="0" err="1"/>
+                        <a:t>mcs</a:t>
+                      </a:r>
+                      <a:endParaRPr lang="en-GB" dirty="0"/>
+                    </a:p>
+                  </a:txBody>
+                  <a:tcPr/>
+                </a:tc>
+                <a:tc>
+                  <a:txBody>
+                    <a:bodyPr/>
+                    <a:lstStyle/>
+                    <a:p>
+                      <a:r>
+                        <a:rPr lang="en-DE" sz="1800" kern="1200" dirty="0">
+                          <a:solidFill>
+                            <a:schemeClr val="tx1"/>
+                          </a:solidFill>
+                          <a:effectLst/>
+                          <a:latin typeface="+mn-lt"/>
+                          <a:ea typeface="+mn-ea"/>
+                          <a:cs typeface="+mn-cs"/>
+                        </a:rPr>
+                        <a:t>2.8343e-2 </a:t>
+                      </a:r>
+                      <a:endParaRPr lang="en-DE" dirty="0"/>
+                    </a:p>
+                  </a:txBody>
+                  <a:tcPr/>
+                </a:tc>
+                <a:tc>
+                  <a:txBody>
+                    <a:bodyPr/>
+                    <a:lstStyle/>
+                    <a:p>
+                      <a:pPr marL="0" marR="0" lvl="0" indent="0" algn="l" defTabSz="914400" rtl="0" eaLnBrk="1" fontAlgn="auto" latinLnBrk="0" hangingPunct="1">
+                        <a:lnSpc>
+                          <a:spcPct val="100000"/>
+                        </a:lnSpc>
+                        <a:spcBef>
+                          <a:spcPts val="0"/>
+                        </a:spcBef>
+                        <a:spcAft>
+                          <a:spcPts val="0"/>
+                        </a:spcAft>
+                        <a:buClrTx/>
+                        <a:buSzTx/>
+                        <a:buFontTx/>
+                        <a:buNone/>
+                        <a:tabLst/>
+                        <a:defRPr/>
+                      </a:pPr>
+                      <a:r>
+                        <a:rPr lang="en-DE" dirty="0"/>
+                        <a:t> 3*</a:t>
+                      </a:r>
+                      <a:r>
+                        <a:rPr lang="en-DE" sz="1800" b="0" kern="1200" dirty="0">
+                          <a:solidFill>
+                            <a:schemeClr val="tx1"/>
+                          </a:solidFill>
+                          <a:effectLst/>
+                          <a:latin typeface="+mn-lt"/>
+                          <a:ea typeface="+mn-ea"/>
+                          <a:cs typeface="+mn-cs"/>
+                        </a:rPr>
+                        <a:t>10</a:t>
+                      </a:r>
+                      <a:r>
+                        <a:rPr lang="en-DE" sz="1800" b="0" kern="1200" baseline="30000" dirty="0">
+                          <a:solidFill>
+                            <a:schemeClr val="tx1"/>
+                          </a:solidFill>
+                          <a:effectLst/>
+                          <a:latin typeface="+mn-lt"/>
+                          <a:ea typeface="+mn-ea"/>
+                          <a:cs typeface="+mn-cs"/>
+                        </a:rPr>
+                        <a:t>5</a:t>
+                      </a:r>
+                      <a:endParaRPr lang="en-DE" sz="1800" b="0" kern="1200" dirty="0">
+                        <a:solidFill>
+                          <a:schemeClr val="tx1"/>
+                        </a:solidFill>
+                        <a:effectLst/>
+                        <a:latin typeface="+mn-lt"/>
+                        <a:ea typeface="+mn-ea"/>
+                        <a:cs typeface="+mn-cs"/>
+                      </a:endParaRPr>
+                    </a:p>
+                  </a:txBody>
+                  <a:tcPr/>
+                </a:tc>
+                <a:extLst>
+                  <a:ext uri="{0D108BD9-81ED-4DB2-BD59-A6C34878D82A}">
+                    <a16:rowId xmlns:a16="http://schemas.microsoft.com/office/drawing/2014/main" val="510360930"/>
+                  </a:ext>
+                </a:extLst>
+              </a:tr>
+            </a:tbl>
+          </a:graphicData>
+        </a:graphic>
+      </p:graphicFrame>
       <p:pic>
         <p:nvPicPr>
-          <p:cNvPr id="5" name="Content Placeholder 4" descr="A picture containing text, diagram, screenshot, line&#10;&#10;Description automatically generated">
-            <a:extLst>
-              <a:ext uri="{FF2B5EF4-FFF2-40B4-BE49-F238E27FC236}">
-                <a16:creationId xmlns:a16="http://schemas.microsoft.com/office/drawing/2014/main" id="{A0D522B4-DCAC-977C-F5AD-16EF438A08F3}"/>
+          <p:cNvPr id="6" name="Picture 5" descr="A picture containing text, font, white, line&#10;&#10;Description automatically generated">
+            <a:extLst>
+              <a:ext uri="{FF2B5EF4-FFF2-40B4-BE49-F238E27FC236}">
+                <a16:creationId xmlns:a16="http://schemas.microsoft.com/office/drawing/2014/main" id="{17C5D12D-5710-FE2C-1028-0C1E90FCC85E}"/>
               </a:ext>
             </a:extLst>
           </p:cNvPr>
           <p:cNvPicPr>
-            <a:picLocks noGrp="1" noChangeAspect="1"/>
+            <a:picLocks noChangeAspect="1"/>
           </p:cNvPicPr>
-          <p:nvPr>
-            <p:ph idx="1"/>
-          </p:nvPr>
+          <p:nvPr/>
         </p:nvPicPr>
-        <p:blipFill rotWithShape="1">
+        <p:blipFill>
           <a:blip r:embed="rId2"/>
-          <a:srcRect l="7610" t="9418" r="2884" b="5652"/>
-          <a:stretch/>
+          <a:stretch>
+            <a:fillRect/>
+          </a:stretch>
         </p:blipFill>
         <p:spPr>
           <a:xfrm>
-            <a:off x="415637" y="0"/>
-            <a:ext cx="11610109" cy="6622472"/>
+            <a:off x="7817807" y="1906187"/>
+            <a:ext cx="4064000" cy="762000"/>
           </a:xfrm>
+          <a:prstGeom prst="rect">
+            <a:avLst/>
+          </a:prstGeom>
+        </p:spPr>
+      </p:pic>
+      <p:pic>
+        <p:nvPicPr>
+          <p:cNvPr id="8" name="Picture 7" descr="A picture containing diagram, font, line, white&#10;&#10;Description automatically generated">
+            <a:extLst>
+              <a:ext uri="{FF2B5EF4-FFF2-40B4-BE49-F238E27FC236}">
+                <a16:creationId xmlns:a16="http://schemas.microsoft.com/office/drawing/2014/main" id="{2D6E948F-4CA5-C400-6894-3D96B93A8CD0}"/>
+              </a:ext>
+            </a:extLst>
+          </p:cNvPr>
+          <p:cNvPicPr>
+            <a:picLocks noChangeAspect="1"/>
+          </p:cNvPicPr>
+          <p:nvPr/>
+        </p:nvPicPr>
+        <p:blipFill>
+          <a:blip r:embed="rId3"/>
+          <a:stretch>
+            <a:fillRect/>
+          </a:stretch>
+        </p:blipFill>
+        <p:spPr>
+          <a:xfrm>
+            <a:off x="7327126" y="3288113"/>
+            <a:ext cx="4673600" cy="2044700"/>
+          </a:xfrm>
+          <a:prstGeom prst="rect">
+            <a:avLst/>
+          </a:prstGeom>
         </p:spPr>
       </p:pic>
     </p:spTree>
     <p:extLst>
       <p:ext uri="{BB962C8B-B14F-4D97-AF65-F5344CB8AC3E}">
-        <p14:creationId xmlns:p14="http://schemas.microsoft.com/office/powerpoint/2010/main" val="414634064"/>
+        <p14:creationId xmlns:p14="http://schemas.microsoft.com/office/powerpoint/2010/main" val="1298600474"/>
+      </p:ext>
+    </p:extLst>
+  </p:cSld>
+  <p:clrMapOvr>
+    <a:masterClrMapping/>
+  </p:clrMapOvr>
+</p:sld>
+</file>
+
+<file path=ppt/slides/slide7.xml><?xml version="1.0" encoding="utf-8"?>
+<p:sld xmlns:a="http://schemas.openxmlformats.org/drawingml/2006/main" xmlns:r="http://schemas.openxmlformats.org/officeDocument/2006/relationships" xmlns:p="http://schemas.openxmlformats.org/presentationml/2006/main">
+  <p:cSld>
+    <p:spTree>
+      <p:nvGrpSpPr>
+        <p:cNvPr id="1" name=""/>
+        <p:cNvGrpSpPr/>
+        <p:nvPr/>
+      </p:nvGrpSpPr>
+      <p:grpSpPr>
+        <a:xfrm>
+          <a:off x="0" y="0"/>
+          <a:ext cx="0" cy="0"/>
+          <a:chOff x="0" y="0"/>
+          <a:chExt cx="0" cy="0"/>
+        </a:xfrm>
+      </p:grpSpPr>
+      <p:graphicFrame>
+        <p:nvGraphicFramePr>
+          <p:cNvPr id="4" name="Table 8">
+            <a:extLst>
+              <a:ext uri="{FF2B5EF4-FFF2-40B4-BE49-F238E27FC236}">
+                <a16:creationId xmlns:a16="http://schemas.microsoft.com/office/drawing/2014/main" id="{50837E28-0DFB-9FEA-86BE-57F5BC7017C7}"/>
+              </a:ext>
+            </a:extLst>
+          </p:cNvPr>
+          <p:cNvGraphicFramePr>
+            <a:graphicFrameLocks noGrp="1"/>
+          </p:cNvGraphicFramePr>
+          <p:nvPr>
+            <p:extLst>
+              <p:ext uri="{D42A27DB-BD31-4B8C-83A1-F6EECF244321}">
+                <p14:modId xmlns:p14="http://schemas.microsoft.com/office/powerpoint/2010/main" val="3516266714"/>
+              </p:ext>
+            </p:extLst>
+          </p:nvPr>
+        </p:nvGraphicFramePr>
+        <p:xfrm>
+          <a:off x="305574" y="623487"/>
+          <a:ext cx="8054407" cy="6625222"/>
+        </p:xfrm>
+        <a:graphic>
+          <a:graphicData uri="http://schemas.openxmlformats.org/drawingml/2006/table">
+            <a:tbl>
+              <a:tblPr firstRow="1" bandRow="1">
+                <a:tableStyleId>{5940675A-B579-460E-94D1-54222C63F5DA}</a:tableStyleId>
+              </a:tblPr>
+              <a:tblGrid>
+                <a:gridCol w="3519869">
+                  <a:extLst>
+                    <a:ext uri="{9D8B030D-6E8A-4147-A177-3AD203B41FA5}">
+                      <a16:colId xmlns:a16="http://schemas.microsoft.com/office/drawing/2014/main" val="4271608756"/>
+                    </a:ext>
+                  </a:extLst>
+                </a:gridCol>
+                <a:gridCol w="2267269">
+                  <a:extLst>
+                    <a:ext uri="{9D8B030D-6E8A-4147-A177-3AD203B41FA5}">
+                      <a16:colId xmlns:a16="http://schemas.microsoft.com/office/drawing/2014/main" val="1519529937"/>
+                    </a:ext>
+                  </a:extLst>
+                </a:gridCol>
+                <a:gridCol w="2267269">
+                  <a:extLst>
+                    <a:ext uri="{9D8B030D-6E8A-4147-A177-3AD203B41FA5}">
+                      <a16:colId xmlns:a16="http://schemas.microsoft.com/office/drawing/2014/main" val="2514695280"/>
+                    </a:ext>
+                  </a:extLst>
+                </a:gridCol>
+              </a:tblGrid>
+              <a:tr h="329896">
+                <a:tc>
+                  <a:txBody>
+                    <a:bodyPr/>
+                    <a:lstStyle/>
+                    <a:p>
+                      <a:r>
+                        <a:rPr lang="en-DE" b="1" dirty="0"/>
+                        <a:t>Method</a:t>
+                      </a:r>
+                    </a:p>
+                  </a:txBody>
+                  <a:tcPr/>
+                </a:tc>
+                <a:tc>
+                  <a:txBody>
+                    <a:bodyPr/>
+                    <a:lstStyle/>
+                    <a:p>
+                      <a:r>
+                        <a:rPr lang="en-DE" b="1" dirty="0"/>
+                        <a:t>Pf_hat</a:t>
+                      </a:r>
+                    </a:p>
+                  </a:txBody>
+                  <a:tcPr/>
+                </a:tc>
+                <a:tc>
+                  <a:txBody>
+                    <a:bodyPr/>
+                    <a:lstStyle/>
+                    <a:p>
+                      <a:r>
+                        <a:rPr lang="en-DE" b="1" dirty="0"/>
+                        <a:t>#function_calls</a:t>
+                      </a:r>
+                    </a:p>
+                  </a:txBody>
+                  <a:tcPr/>
+                </a:tc>
+                <a:extLst>
+                  <a:ext uri="{0D108BD9-81ED-4DB2-BD59-A6C34878D82A}">
+                    <a16:rowId xmlns:a16="http://schemas.microsoft.com/office/drawing/2014/main" val="2571112359"/>
+                  </a:ext>
+                </a:extLst>
+              </a:tr>
+              <a:tr h="329896">
+                <a:tc>
+                  <a:txBody>
+                    <a:bodyPr/>
+                    <a:lstStyle/>
+                    <a:p>
+                      <a:r>
+                        <a:rPr lang="en-DE" dirty="0"/>
+                        <a:t>MCS</a:t>
+                      </a:r>
+                    </a:p>
+                    <a:p>
+                      <a:r>
+                        <a:rPr lang="en-DE" dirty="0"/>
+                        <a:t>40</a:t>
+                      </a:r>
+                    </a:p>
+                    <a:p>
+                      <a:r>
+                        <a:rPr lang="en-DE" dirty="0"/>
+                        <a:t>100</a:t>
+                      </a:r>
+                    </a:p>
+                  </a:txBody>
+                  <a:tcPr/>
+                </a:tc>
+                <a:tc>
+                  <a:txBody>
+                    <a:bodyPr/>
+                    <a:lstStyle/>
+                    <a:p>
+                      <a:pPr marL="0" marR="0" lvl="0" indent="0" algn="l" defTabSz="914400" rtl="0" eaLnBrk="1" fontAlgn="auto" latinLnBrk="0" hangingPunct="1">
+                        <a:lnSpc>
+                          <a:spcPct val="100000"/>
+                        </a:lnSpc>
+                        <a:spcBef>
+                          <a:spcPts val="0"/>
+                        </a:spcBef>
+                        <a:spcAft>
+                          <a:spcPts val="0"/>
+                        </a:spcAft>
+                        <a:buClrTx/>
+                        <a:buSzTx/>
+                        <a:buFontTx/>
+                        <a:buNone/>
+                        <a:tabLst/>
+                        <a:defRPr/>
+                      </a:pPr>
+                      <a:endParaRPr lang="en-GB" sz="1800" kern="1200" dirty="0">
+                        <a:solidFill>
+                          <a:schemeClr val="tx1"/>
+                        </a:solidFill>
+                        <a:latin typeface="+mn-lt"/>
+                        <a:ea typeface="+mn-ea"/>
+                        <a:cs typeface="+mn-cs"/>
+                      </a:endParaRPr>
+                    </a:p>
+                    <a:p>
+                      <a:pPr marL="0" marR="0" lvl="0" indent="0" algn="l" defTabSz="914400" rtl="0" eaLnBrk="1" fontAlgn="auto" latinLnBrk="0" hangingPunct="1">
+                        <a:lnSpc>
+                          <a:spcPct val="100000"/>
+                        </a:lnSpc>
+                        <a:spcBef>
+                          <a:spcPts val="0"/>
+                        </a:spcBef>
+                        <a:spcAft>
+                          <a:spcPts val="0"/>
+                        </a:spcAft>
+                        <a:buClrTx/>
+                        <a:buSzTx/>
+                        <a:buFontTx/>
+                        <a:buNone/>
+                        <a:tabLst/>
+                        <a:defRPr/>
+                      </a:pPr>
+                      <a:r>
+                        <a:rPr lang="en-GB" sz="1800" kern="1200" dirty="0">
+                          <a:solidFill>
+                            <a:schemeClr val="tx1"/>
+                          </a:solidFill>
+                          <a:latin typeface="+mn-lt"/>
+                          <a:ea typeface="+mn-ea"/>
+                          <a:cs typeface="+mn-cs"/>
+                        </a:rPr>
+                        <a:t>1.8400e-03</a:t>
+                      </a:r>
+                    </a:p>
+                    <a:p>
+                      <a:pPr marL="0" marR="0" lvl="0" indent="0" algn="l" defTabSz="914400" rtl="0" eaLnBrk="1" fontAlgn="auto" latinLnBrk="0" hangingPunct="1">
+                        <a:lnSpc>
+                          <a:spcPct val="100000"/>
+                        </a:lnSpc>
+                        <a:spcBef>
+                          <a:spcPts val="0"/>
+                        </a:spcBef>
+                        <a:spcAft>
+                          <a:spcPts val="0"/>
+                        </a:spcAft>
+                        <a:buClrTx/>
+                        <a:buSzTx/>
+                        <a:buFontTx/>
+                        <a:buNone/>
+                        <a:tabLst/>
+                        <a:defRPr/>
+                      </a:pPr>
+                      <a:r>
+                        <a:rPr lang="en-GB" sz="1800" kern="1200" dirty="0">
+                          <a:solidFill>
+                            <a:schemeClr val="tx1"/>
+                          </a:solidFill>
+                          <a:latin typeface="+mn-lt"/>
+                          <a:ea typeface="+mn-ea"/>
+                          <a:cs typeface="+mn-cs"/>
+                        </a:rPr>
+                        <a:t>1.6667e-03</a:t>
+                      </a:r>
+                      <a:endParaRPr lang="en-DE" sz="1800" kern="1200" dirty="0">
+                        <a:solidFill>
+                          <a:schemeClr val="tx1"/>
+                        </a:solidFill>
+                        <a:latin typeface="+mn-lt"/>
+                        <a:ea typeface="+mn-ea"/>
+                        <a:cs typeface="+mn-cs"/>
+                      </a:endParaRPr>
+                    </a:p>
+                  </a:txBody>
+                  <a:tcPr/>
+                </a:tc>
+                <a:tc>
+                  <a:txBody>
+                    <a:bodyPr/>
+                    <a:lstStyle/>
+                    <a:p>
+                      <a:pPr marL="0" marR="0" lvl="0" indent="0" algn="l" defTabSz="914400" rtl="0" eaLnBrk="1" fontAlgn="auto" latinLnBrk="0" hangingPunct="1">
+                        <a:lnSpc>
+                          <a:spcPct val="100000"/>
+                        </a:lnSpc>
+                        <a:spcBef>
+                          <a:spcPts val="0"/>
+                        </a:spcBef>
+                        <a:spcAft>
+                          <a:spcPts val="0"/>
+                        </a:spcAft>
+                        <a:buClrTx/>
+                        <a:buSzTx/>
+                        <a:buFontTx/>
+                        <a:buNone/>
+                        <a:tabLst/>
+                        <a:defRPr/>
+                      </a:pPr>
+                      <a:r>
+                        <a:rPr lang="en-DE" dirty="0"/>
+                        <a:t> </a:t>
+                      </a:r>
+                    </a:p>
+                    <a:p>
+                      <a:pPr marL="0" marR="0" lvl="0" indent="0" algn="l" defTabSz="914400" rtl="0" eaLnBrk="1" fontAlgn="auto" latinLnBrk="0" hangingPunct="1">
+                        <a:lnSpc>
+                          <a:spcPct val="100000"/>
+                        </a:lnSpc>
+                        <a:spcBef>
+                          <a:spcPts val="0"/>
+                        </a:spcBef>
+                        <a:spcAft>
+                          <a:spcPts val="0"/>
+                        </a:spcAft>
+                        <a:buClrTx/>
+                        <a:buSzTx/>
+                        <a:buFontTx/>
+                        <a:buNone/>
+                        <a:tabLst/>
+                        <a:defRPr/>
+                      </a:pPr>
+                      <a:r>
+                        <a:rPr lang="en-DE" dirty="0"/>
+                        <a:t>3*</a:t>
+                      </a:r>
+                      <a:r>
+                        <a:rPr lang="en-DE" sz="1800" b="0" kern="1200" dirty="0">
+                          <a:solidFill>
+                            <a:schemeClr val="tx1"/>
+                          </a:solidFill>
+                          <a:effectLst/>
+                          <a:latin typeface="+mn-lt"/>
+                          <a:ea typeface="+mn-ea"/>
+                          <a:cs typeface="+mn-cs"/>
+                        </a:rPr>
+                        <a:t>10</a:t>
+                      </a:r>
+                      <a:r>
+                        <a:rPr lang="en-DE" sz="1800" b="0" kern="1200" baseline="30000" dirty="0">
+                          <a:solidFill>
+                            <a:schemeClr val="tx1"/>
+                          </a:solidFill>
+                          <a:effectLst/>
+                          <a:latin typeface="+mn-lt"/>
+                          <a:ea typeface="+mn-ea"/>
+                          <a:cs typeface="+mn-cs"/>
+                        </a:rPr>
+                        <a:t>5</a:t>
+                      </a:r>
+                      <a:endParaRPr lang="en-DE" sz="1800" b="0" kern="1200" dirty="0">
+                        <a:solidFill>
+                          <a:schemeClr val="tx1"/>
+                        </a:solidFill>
+                        <a:effectLst/>
+                        <a:latin typeface="+mn-lt"/>
+                        <a:ea typeface="+mn-ea"/>
+                        <a:cs typeface="+mn-cs"/>
+                      </a:endParaRPr>
+                    </a:p>
+                  </a:txBody>
+                  <a:tcPr/>
+                </a:tc>
+                <a:extLst>
+                  <a:ext uri="{0D108BD9-81ED-4DB2-BD59-A6C34878D82A}">
+                    <a16:rowId xmlns:a16="http://schemas.microsoft.com/office/drawing/2014/main" val="3105128545"/>
+                  </a:ext>
+                </a:extLst>
+              </a:tr>
+              <a:tr h="329896">
+                <a:tc>
+                  <a:txBody>
+                    <a:bodyPr/>
+                    <a:lstStyle/>
+                    <a:p>
+                      <a:r>
+                        <a:rPr lang="en-GB" dirty="0"/>
+                        <a:t>A</a:t>
+                      </a:r>
+                      <a:r>
+                        <a:rPr lang="en-DE" dirty="0"/>
+                        <a:t>daptive ANNs</a:t>
+                      </a:r>
+                    </a:p>
+                    <a:p>
+                      <a:r>
+                        <a:rPr lang="en-DE" dirty="0"/>
+                        <a:t>40</a:t>
+                      </a:r>
+                    </a:p>
+                    <a:p>
+                      <a:r>
+                        <a:rPr lang="en-DE"/>
+                        <a:t>100</a:t>
+                      </a:r>
+                      <a:endParaRPr lang="en-DE" dirty="0"/>
+                    </a:p>
+                  </a:txBody>
+                  <a:tcPr/>
+                </a:tc>
+                <a:tc>
+                  <a:txBody>
+                    <a:bodyPr/>
+                    <a:lstStyle/>
+                    <a:p>
+                      <a:endParaRPr lang="en-DE" dirty="0"/>
+                    </a:p>
+                  </a:txBody>
+                  <a:tcPr/>
+                </a:tc>
+                <a:tc>
+                  <a:txBody>
+                    <a:bodyPr/>
+                    <a:lstStyle/>
+                    <a:p>
+                      <a:r>
+                        <a:rPr lang="en-DE" dirty="0"/>
+                        <a:t>125</a:t>
+                      </a:r>
+                    </a:p>
+                  </a:txBody>
+                  <a:tcPr/>
+                </a:tc>
+                <a:extLst>
+                  <a:ext uri="{0D108BD9-81ED-4DB2-BD59-A6C34878D82A}">
+                    <a16:rowId xmlns:a16="http://schemas.microsoft.com/office/drawing/2014/main" val="1753124714"/>
+                  </a:ext>
+                </a:extLst>
+              </a:tr>
+              <a:tr h="569411">
+                <a:tc>
+                  <a:txBody>
+                    <a:bodyPr/>
+                    <a:lstStyle/>
+                    <a:p>
+                      <a:pPr marL="0" marR="0" lvl="0" indent="0" algn="l" defTabSz="914400" rtl="0" eaLnBrk="1" fontAlgn="auto" latinLnBrk="0" hangingPunct="1">
+                        <a:lnSpc>
+                          <a:spcPct val="100000"/>
+                        </a:lnSpc>
+                        <a:spcBef>
+                          <a:spcPts val="0"/>
+                        </a:spcBef>
+                        <a:spcAft>
+                          <a:spcPts val="0"/>
+                        </a:spcAft>
+                        <a:buClrTx/>
+                        <a:buSzTx/>
+                        <a:buFontTx/>
+                        <a:buNone/>
+                        <a:tabLst/>
+                        <a:defRPr/>
+                      </a:pPr>
+                      <a:r>
+                        <a:rPr lang="en-GB" sz="1800" kern="1200" dirty="0">
+                          <a:solidFill>
+                            <a:schemeClr val="tx1"/>
+                          </a:solidFill>
+                          <a:effectLst/>
+                          <a:latin typeface="+mn-lt"/>
+                          <a:ea typeface="+mn-ea"/>
+                          <a:cs typeface="+mn-cs"/>
+                        </a:rPr>
+                        <a:t>Non-adaptive ANN </a:t>
+                      </a:r>
+                    </a:p>
+                    <a:p>
+                      <a:pPr marL="0" marR="0" lvl="0" indent="0" algn="l" defTabSz="914400" rtl="0" eaLnBrk="1" fontAlgn="auto" latinLnBrk="0" hangingPunct="1">
+                        <a:lnSpc>
+                          <a:spcPct val="100000"/>
+                        </a:lnSpc>
+                        <a:spcBef>
+                          <a:spcPts val="0"/>
+                        </a:spcBef>
+                        <a:spcAft>
+                          <a:spcPts val="0"/>
+                        </a:spcAft>
+                        <a:buClrTx/>
+                        <a:buSzTx/>
+                        <a:buFontTx/>
+                        <a:buNone/>
+                        <a:tabLst/>
+                        <a:defRPr/>
+                      </a:pPr>
+                      <a:r>
+                        <a:rPr lang="en-GB" sz="1800" kern="1200" dirty="0">
+                          <a:solidFill>
+                            <a:schemeClr val="tx1"/>
+                          </a:solidFill>
+                          <a:effectLst/>
+                          <a:latin typeface="+mn-lt"/>
+                          <a:ea typeface="+mn-ea"/>
+                          <a:cs typeface="+mn-cs"/>
+                        </a:rPr>
+                        <a:t>40</a:t>
+                      </a:r>
+                    </a:p>
+                    <a:p>
+                      <a:pPr marL="0" marR="0" lvl="0" indent="0" algn="l" defTabSz="914400" rtl="0" eaLnBrk="1" fontAlgn="auto" latinLnBrk="0" hangingPunct="1">
+                        <a:lnSpc>
+                          <a:spcPct val="100000"/>
+                        </a:lnSpc>
+                        <a:spcBef>
+                          <a:spcPts val="0"/>
+                        </a:spcBef>
+                        <a:spcAft>
+                          <a:spcPts val="0"/>
+                        </a:spcAft>
+                        <a:buClrTx/>
+                        <a:buSzTx/>
+                        <a:buFontTx/>
+                        <a:buNone/>
+                        <a:tabLst/>
+                        <a:defRPr/>
+                      </a:pPr>
+                      <a:r>
+                        <a:rPr lang="en-GB" sz="1800" kern="1200" dirty="0">
+                          <a:solidFill>
+                            <a:schemeClr val="tx1"/>
+                          </a:solidFill>
+                          <a:effectLst/>
+                          <a:latin typeface="+mn-lt"/>
+                          <a:ea typeface="+mn-ea"/>
+                          <a:cs typeface="+mn-cs"/>
+                        </a:rPr>
+                        <a:t>100</a:t>
+                      </a:r>
+                      <a:endParaRPr lang="en-GB" dirty="0"/>
+                    </a:p>
+                  </a:txBody>
+                  <a:tcPr/>
+                </a:tc>
+                <a:tc>
+                  <a:txBody>
+                    <a:bodyPr/>
+                    <a:lstStyle/>
+                    <a:p>
+                      <a:endParaRPr lang="en-DE" dirty="0"/>
+                    </a:p>
+                    <a:p>
+                      <a:r>
+                        <a:rPr lang="en-DE" dirty="0"/>
+                        <a:t>1.82e-3</a:t>
+                      </a:r>
+                    </a:p>
+                    <a:p>
+                      <a:r>
+                        <a:rPr lang="en-DE" dirty="0"/>
+                        <a:t>*</a:t>
+                      </a:r>
+                    </a:p>
+                  </a:txBody>
+                  <a:tcPr/>
+                </a:tc>
+                <a:tc>
+                  <a:txBody>
+                    <a:bodyPr/>
+                    <a:lstStyle/>
+                    <a:p>
+                      <a:endParaRPr lang="en-DE" dirty="0"/>
+                    </a:p>
+                    <a:p>
+                      <a:r>
+                        <a:rPr lang="en-DE" dirty="0"/>
+                        <a:t>2000</a:t>
+                      </a:r>
+                    </a:p>
+                    <a:p>
+                      <a:r>
+                        <a:rPr lang="en-DE" dirty="0"/>
+                        <a:t>*</a:t>
+                      </a:r>
+                    </a:p>
+                  </a:txBody>
+                  <a:tcPr/>
+                </a:tc>
+                <a:extLst>
+                  <a:ext uri="{0D108BD9-81ED-4DB2-BD59-A6C34878D82A}">
+                    <a16:rowId xmlns:a16="http://schemas.microsoft.com/office/drawing/2014/main" val="1001027618"/>
+                  </a:ext>
+                </a:extLst>
+              </a:tr>
+              <a:tr h="569411">
+                <a:tc>
+                  <a:txBody>
+                    <a:bodyPr/>
+                    <a:lstStyle/>
+                    <a:p>
+                      <a:pPr marL="0" marR="0" lvl="0" indent="0" algn="l" defTabSz="914400" rtl="0" eaLnBrk="1" fontAlgn="auto" latinLnBrk="0" hangingPunct="1">
+                        <a:lnSpc>
+                          <a:spcPct val="100000"/>
+                        </a:lnSpc>
+                        <a:spcBef>
+                          <a:spcPts val="0"/>
+                        </a:spcBef>
+                        <a:spcAft>
+                          <a:spcPts val="0"/>
+                        </a:spcAft>
+                        <a:buClrTx/>
+                        <a:buSzTx/>
+                        <a:buFontTx/>
+                        <a:buNone/>
+                        <a:tabLst/>
+                        <a:defRPr/>
+                      </a:pPr>
+                      <a:r>
+                        <a:rPr lang="en-GB" dirty="0"/>
+                        <a:t>AK_MCS_U random initial sampling</a:t>
+                      </a:r>
+                    </a:p>
+                  </a:txBody>
+                  <a:tcPr/>
+                </a:tc>
+                <a:tc>
+                  <a:txBody>
+                    <a:bodyPr/>
+                    <a:lstStyle/>
+                    <a:p>
+                      <a:r>
+                        <a:rPr lang="en-DE" dirty="0"/>
+                        <a:t>*</a:t>
+                      </a:r>
+                    </a:p>
+                  </a:txBody>
+                  <a:tcPr/>
+                </a:tc>
+                <a:tc>
+                  <a:txBody>
+                    <a:bodyPr/>
+                    <a:lstStyle/>
+                    <a:p>
+                      <a:r>
+                        <a:rPr lang="en-DE" dirty="0"/>
+                        <a:t>*</a:t>
+                      </a:r>
+                    </a:p>
+                  </a:txBody>
+                  <a:tcPr/>
+                </a:tc>
+                <a:extLst>
+                  <a:ext uri="{0D108BD9-81ED-4DB2-BD59-A6C34878D82A}">
+                    <a16:rowId xmlns:a16="http://schemas.microsoft.com/office/drawing/2014/main" val="652835626"/>
+                  </a:ext>
+                </a:extLst>
+              </a:tr>
+              <a:tr h="569411">
+                <a:tc>
+                  <a:txBody>
+                    <a:bodyPr/>
+                    <a:lstStyle/>
+                    <a:p>
+                      <a:pPr marL="0" marR="0" lvl="0" indent="0" algn="l" defTabSz="914400" rtl="0" eaLnBrk="1" fontAlgn="auto" latinLnBrk="0" hangingPunct="1">
+                        <a:lnSpc>
+                          <a:spcPct val="100000"/>
+                        </a:lnSpc>
+                        <a:spcBef>
+                          <a:spcPts val="0"/>
+                        </a:spcBef>
+                        <a:spcAft>
+                          <a:spcPts val="0"/>
+                        </a:spcAft>
+                        <a:buClrTx/>
+                        <a:buSzTx/>
+                        <a:buFontTx/>
+                        <a:buNone/>
+                        <a:tabLst/>
+                        <a:defRPr/>
+                      </a:pPr>
+                      <a:r>
+                        <a:rPr lang="en-GB" dirty="0"/>
+                        <a:t>AK_MCS_U selected initial</a:t>
+                      </a:r>
+                    </a:p>
+                    <a:p>
+                      <a:pPr marL="0" marR="0" lvl="0" indent="0" algn="l" defTabSz="914400" rtl="0" eaLnBrk="1" fontAlgn="auto" latinLnBrk="0" hangingPunct="1">
+                        <a:lnSpc>
+                          <a:spcPct val="100000"/>
+                        </a:lnSpc>
+                        <a:spcBef>
+                          <a:spcPts val="0"/>
+                        </a:spcBef>
+                        <a:spcAft>
+                          <a:spcPts val="0"/>
+                        </a:spcAft>
+                        <a:buClrTx/>
+                        <a:buSzTx/>
+                        <a:buFontTx/>
+                        <a:buNone/>
+                        <a:tabLst/>
+                        <a:defRPr/>
+                      </a:pPr>
+                      <a:r>
+                        <a:rPr lang="en-GB" dirty="0"/>
+                        <a:t> sampling</a:t>
+                      </a:r>
+                    </a:p>
+                    <a:p>
+                      <a:pPr marL="0" marR="0" lvl="0" indent="0" algn="l" defTabSz="914400" rtl="0" eaLnBrk="1" fontAlgn="auto" latinLnBrk="0" hangingPunct="1">
+                        <a:lnSpc>
+                          <a:spcPct val="100000"/>
+                        </a:lnSpc>
+                        <a:spcBef>
+                          <a:spcPts val="0"/>
+                        </a:spcBef>
+                        <a:spcAft>
+                          <a:spcPts val="0"/>
+                        </a:spcAft>
+                        <a:buClrTx/>
+                        <a:buSzTx/>
+                        <a:buFontTx/>
+                        <a:buNone/>
+                        <a:tabLst/>
+                        <a:defRPr/>
+                      </a:pPr>
+                      <a:r>
+                        <a:rPr lang="en-GB" dirty="0"/>
+                        <a:t>40</a:t>
+                      </a:r>
+                    </a:p>
+                    <a:p>
+                      <a:pPr marL="0" marR="0" lvl="0" indent="0" algn="l" defTabSz="914400" rtl="0" eaLnBrk="1" fontAlgn="auto" latinLnBrk="0" hangingPunct="1">
+                        <a:lnSpc>
+                          <a:spcPct val="100000"/>
+                        </a:lnSpc>
+                        <a:spcBef>
+                          <a:spcPts val="0"/>
+                        </a:spcBef>
+                        <a:spcAft>
+                          <a:spcPts val="0"/>
+                        </a:spcAft>
+                        <a:buClrTx/>
+                        <a:buSzTx/>
+                        <a:buFontTx/>
+                        <a:buNone/>
+                        <a:tabLst/>
+                        <a:defRPr/>
+                      </a:pPr>
+                      <a:r>
+                        <a:rPr lang="en-GB" dirty="0"/>
+                        <a:t>100</a:t>
+                      </a:r>
+                    </a:p>
+                    <a:p>
+                      <a:pPr marL="0" marR="0" lvl="0" indent="0" algn="l" defTabSz="914400" rtl="0" eaLnBrk="1" fontAlgn="auto" latinLnBrk="0" hangingPunct="1">
+                        <a:lnSpc>
+                          <a:spcPct val="100000"/>
+                        </a:lnSpc>
+                        <a:spcBef>
+                          <a:spcPts val="0"/>
+                        </a:spcBef>
+                        <a:spcAft>
+                          <a:spcPts val="0"/>
+                        </a:spcAft>
+                        <a:buClrTx/>
+                        <a:buSzTx/>
+                        <a:buFontTx/>
+                        <a:buNone/>
+                        <a:tabLst/>
+                        <a:defRPr/>
+                      </a:pPr>
+                      <a:endParaRPr lang="en-GB" dirty="0"/>
+                    </a:p>
+                  </a:txBody>
+                  <a:tcPr/>
+                </a:tc>
+                <a:tc>
+                  <a:txBody>
+                    <a:bodyPr/>
+                    <a:lstStyle/>
+                    <a:p>
+                      <a:endParaRPr lang="en-DE" dirty="0"/>
+                    </a:p>
+                    <a:p>
+                      <a:endParaRPr lang="en-DE" dirty="0"/>
+                    </a:p>
+                    <a:p>
+                      <a:r>
+                        <a:rPr lang="en-DE" dirty="0"/>
+                        <a:t>1.81 </a:t>
+                      </a:r>
+                      <a:r>
+                        <a:rPr lang="en-GB" sz="1800" kern="1200" dirty="0">
+                          <a:solidFill>
+                            <a:schemeClr val="tx1"/>
+                          </a:solidFill>
+                          <a:latin typeface="+mn-lt"/>
+                          <a:ea typeface="+mn-ea"/>
+                          <a:cs typeface="+mn-cs"/>
+                        </a:rPr>
+                        <a:t>e-03</a:t>
+                      </a:r>
+                    </a:p>
+                    <a:p>
+                      <a:r>
+                        <a:rPr lang="en-DE" dirty="0"/>
+                        <a:t>*</a:t>
+                      </a:r>
+                    </a:p>
+                  </a:txBody>
+                  <a:tcPr/>
+                </a:tc>
+                <a:tc>
+                  <a:txBody>
+                    <a:bodyPr/>
+                    <a:lstStyle/>
+                    <a:p>
+                      <a:endParaRPr lang="en-DE" dirty="0"/>
+                    </a:p>
+                    <a:p>
+                      <a:endParaRPr lang="en-DE" dirty="0"/>
+                    </a:p>
+                    <a:p>
+                      <a:r>
+                        <a:rPr lang="en-DE" dirty="0"/>
+                        <a:t>620</a:t>
+                      </a:r>
+                    </a:p>
+                    <a:p>
+                      <a:r>
+                        <a:rPr lang="en-DE" dirty="0"/>
+                        <a:t>*</a:t>
+                      </a:r>
+                    </a:p>
+                  </a:txBody>
+                  <a:tcPr/>
+                </a:tc>
+                <a:extLst>
+                  <a:ext uri="{0D108BD9-81ED-4DB2-BD59-A6C34878D82A}">
+                    <a16:rowId xmlns:a16="http://schemas.microsoft.com/office/drawing/2014/main" val="133814415"/>
+                  </a:ext>
+                </a:extLst>
+              </a:tr>
+              <a:tr h="569411">
+                <a:tc>
+                  <a:txBody>
+                    <a:bodyPr/>
+                    <a:lstStyle/>
+                    <a:p>
+                      <a:pPr marL="0" marR="0" lvl="0" indent="0" algn="l" defTabSz="914400" rtl="0" eaLnBrk="1" fontAlgn="auto" latinLnBrk="0" hangingPunct="1">
+                        <a:lnSpc>
+                          <a:spcPct val="100000"/>
+                        </a:lnSpc>
+                        <a:spcBef>
+                          <a:spcPts val="0"/>
+                        </a:spcBef>
+                        <a:spcAft>
+                          <a:spcPts val="0"/>
+                        </a:spcAft>
+                        <a:buClrTx/>
+                        <a:buSzTx/>
+                        <a:buFontTx/>
+                        <a:buNone/>
+                        <a:tabLst/>
+                        <a:defRPr/>
+                      </a:pPr>
+                      <a:r>
+                        <a:rPr lang="en-GB" dirty="0" err="1"/>
+                        <a:t>NN_classifier</a:t>
+                      </a:r>
+                      <a:endParaRPr lang="en-GB" dirty="0"/>
+                    </a:p>
+                  </a:txBody>
+                  <a:tcPr/>
+                </a:tc>
+                <a:tc>
+                  <a:txBody>
+                    <a:bodyPr/>
+                    <a:lstStyle/>
+                    <a:p>
+                      <a:r>
+                        <a:rPr lang="en-DE" dirty="0"/>
+                        <a:t>*</a:t>
+                      </a:r>
+                      <a:endParaRPr lang="en-DE" baseline="30000" dirty="0"/>
+                    </a:p>
+                  </a:txBody>
+                  <a:tcPr/>
+                </a:tc>
+                <a:tc>
+                  <a:txBody>
+                    <a:bodyPr/>
+                    <a:lstStyle/>
+                    <a:p>
+                      <a:r>
+                        <a:rPr lang="en-DE" dirty="0"/>
+                        <a:t>* </a:t>
+                      </a:r>
+                    </a:p>
+                  </a:txBody>
+                  <a:tcPr/>
+                </a:tc>
+                <a:extLst>
+                  <a:ext uri="{0D108BD9-81ED-4DB2-BD59-A6C34878D82A}">
+                    <a16:rowId xmlns:a16="http://schemas.microsoft.com/office/drawing/2014/main" val="2903294785"/>
+                  </a:ext>
+                </a:extLst>
+              </a:tr>
+              <a:tr h="569411">
+                <a:tc>
+                  <a:txBody>
+                    <a:bodyPr/>
+                    <a:lstStyle/>
+                    <a:p>
+                      <a:pPr marL="0" marR="0" lvl="0" indent="0" algn="l" defTabSz="914400" rtl="0" eaLnBrk="1" fontAlgn="auto" latinLnBrk="0" hangingPunct="1">
+                        <a:lnSpc>
+                          <a:spcPct val="100000"/>
+                        </a:lnSpc>
+                        <a:spcBef>
+                          <a:spcPts val="0"/>
+                        </a:spcBef>
+                        <a:spcAft>
+                          <a:spcPts val="0"/>
+                        </a:spcAft>
+                        <a:buClrTx/>
+                        <a:buSzTx/>
+                        <a:buFontTx/>
+                        <a:buNone/>
+                        <a:tabLst/>
+                        <a:defRPr/>
+                      </a:pPr>
+                      <a:r>
+                        <a:rPr lang="en-GB" dirty="0"/>
+                        <a:t>Reference </a:t>
+                      </a:r>
+                      <a:r>
+                        <a:rPr lang="en-GB" dirty="0" err="1"/>
+                        <a:t>mcs</a:t>
+                      </a:r>
+                      <a:endParaRPr lang="en-GB" dirty="0"/>
+                    </a:p>
+                    <a:p>
+                      <a:pPr marL="0" marR="0" lvl="0" indent="0" algn="l" defTabSz="914400" rtl="0" eaLnBrk="1" fontAlgn="auto" latinLnBrk="0" hangingPunct="1">
+                        <a:lnSpc>
+                          <a:spcPct val="100000"/>
+                        </a:lnSpc>
+                        <a:spcBef>
+                          <a:spcPts val="0"/>
+                        </a:spcBef>
+                        <a:spcAft>
+                          <a:spcPts val="0"/>
+                        </a:spcAft>
+                        <a:buClrTx/>
+                        <a:buSzTx/>
+                        <a:buFontTx/>
+                        <a:buNone/>
+                        <a:tabLst/>
+                        <a:defRPr/>
+                      </a:pPr>
+                      <a:r>
+                        <a:rPr lang="en-GB" dirty="0"/>
+                        <a:t>40</a:t>
+                      </a:r>
+                    </a:p>
+                    <a:p>
+                      <a:pPr marL="0" marR="0" lvl="0" indent="0" algn="l" defTabSz="914400" rtl="0" eaLnBrk="1" fontAlgn="auto" latinLnBrk="0" hangingPunct="1">
+                        <a:lnSpc>
+                          <a:spcPct val="100000"/>
+                        </a:lnSpc>
+                        <a:spcBef>
+                          <a:spcPts val="0"/>
+                        </a:spcBef>
+                        <a:spcAft>
+                          <a:spcPts val="0"/>
+                        </a:spcAft>
+                        <a:buClrTx/>
+                        <a:buSzTx/>
+                        <a:buFontTx/>
+                        <a:buNone/>
+                        <a:tabLst/>
+                        <a:defRPr/>
+                      </a:pPr>
+                      <a:r>
+                        <a:rPr lang="en-GB" dirty="0"/>
+                        <a:t>100</a:t>
+                      </a:r>
+                    </a:p>
+                  </a:txBody>
+                  <a:tcPr/>
+                </a:tc>
+                <a:tc>
+                  <a:txBody>
+                    <a:bodyPr/>
+                    <a:lstStyle/>
+                    <a:p>
+                      <a:endParaRPr lang="en-DE" sz="1800" kern="1200" dirty="0">
+                        <a:solidFill>
+                          <a:schemeClr val="tx1"/>
+                        </a:solidFill>
+                        <a:effectLst/>
+                        <a:latin typeface="+mn-lt"/>
+                        <a:ea typeface="+mn-ea"/>
+                        <a:cs typeface="+mn-cs"/>
+                      </a:endParaRPr>
+                    </a:p>
+                    <a:p>
+                      <a:r>
+                        <a:rPr lang="en-DE" sz="1800" kern="1200" dirty="0">
+                          <a:solidFill>
+                            <a:schemeClr val="tx1"/>
+                          </a:solidFill>
+                          <a:effectLst/>
+                          <a:latin typeface="+mn-lt"/>
+                          <a:ea typeface="+mn-ea"/>
+                          <a:cs typeface="+mn-cs"/>
+                        </a:rPr>
+                        <a:t>1.813</a:t>
+                      </a:r>
+                      <a:r>
+                        <a:rPr lang="en-GB" sz="1800" kern="1200" dirty="0">
+                          <a:solidFill>
+                            <a:schemeClr val="tx1"/>
+                          </a:solidFill>
+                          <a:latin typeface="+mn-lt"/>
+                          <a:ea typeface="+mn-ea"/>
+                          <a:cs typeface="+mn-cs"/>
+                        </a:rPr>
+                        <a:t>e-03</a:t>
+                      </a:r>
+                    </a:p>
+                    <a:p>
+                      <a:pPr marL="0" marR="0" lvl="0" indent="0" algn="l" defTabSz="914400" rtl="0" eaLnBrk="1" fontAlgn="auto" latinLnBrk="0" hangingPunct="1">
+                        <a:lnSpc>
+                          <a:spcPct val="100000"/>
+                        </a:lnSpc>
+                        <a:spcBef>
+                          <a:spcPts val="0"/>
+                        </a:spcBef>
+                        <a:spcAft>
+                          <a:spcPts val="0"/>
+                        </a:spcAft>
+                        <a:buClrTx/>
+                        <a:buSzTx/>
+                        <a:buFontTx/>
+                        <a:buNone/>
+                        <a:tabLst/>
+                        <a:defRPr/>
+                      </a:pPr>
+                      <a:r>
+                        <a:rPr lang="en-DE" sz="1800" kern="1200" dirty="0">
+                          <a:solidFill>
+                            <a:schemeClr val="tx1"/>
+                          </a:solidFill>
+                          <a:effectLst/>
+                          <a:latin typeface="+mn-lt"/>
+                          <a:ea typeface="+mn-ea"/>
+                          <a:cs typeface="+mn-cs"/>
+                        </a:rPr>
+                        <a:t>1.647 e-03</a:t>
+                      </a:r>
+                      <a:endParaRPr lang="en-DE" dirty="0"/>
+                    </a:p>
+                  </a:txBody>
+                  <a:tcPr/>
+                </a:tc>
+                <a:tc>
+                  <a:txBody>
+                    <a:bodyPr/>
+                    <a:lstStyle/>
+                    <a:p>
+                      <a:pPr marL="0" marR="0" lvl="0" indent="0" algn="l" defTabSz="914400" rtl="0" eaLnBrk="1" fontAlgn="auto" latinLnBrk="0" hangingPunct="1">
+                        <a:lnSpc>
+                          <a:spcPct val="100000"/>
+                        </a:lnSpc>
+                        <a:spcBef>
+                          <a:spcPts val="0"/>
+                        </a:spcBef>
+                        <a:spcAft>
+                          <a:spcPts val="0"/>
+                        </a:spcAft>
+                        <a:buClrTx/>
+                        <a:buSzTx/>
+                        <a:buFontTx/>
+                        <a:buNone/>
+                        <a:tabLst/>
+                        <a:defRPr/>
+                      </a:pPr>
+                      <a:r>
+                        <a:rPr lang="en-DE" dirty="0"/>
+                        <a:t> 3*</a:t>
+                      </a:r>
+                      <a:r>
+                        <a:rPr lang="en-DE" sz="1800" b="0" kern="1200" dirty="0">
+                          <a:solidFill>
+                            <a:schemeClr val="tx1"/>
+                          </a:solidFill>
+                          <a:effectLst/>
+                          <a:latin typeface="+mn-lt"/>
+                          <a:ea typeface="+mn-ea"/>
+                          <a:cs typeface="+mn-cs"/>
+                        </a:rPr>
+                        <a:t>10</a:t>
+                      </a:r>
+                      <a:r>
+                        <a:rPr lang="en-DE" sz="1800" b="0" kern="1200" baseline="30000" dirty="0">
+                          <a:solidFill>
+                            <a:schemeClr val="tx1"/>
+                          </a:solidFill>
+                          <a:effectLst/>
+                          <a:latin typeface="+mn-lt"/>
+                          <a:ea typeface="+mn-ea"/>
+                          <a:cs typeface="+mn-cs"/>
+                        </a:rPr>
+                        <a:t>5</a:t>
+                      </a:r>
+                      <a:endParaRPr lang="en-DE" sz="1800" b="0" kern="1200" dirty="0">
+                        <a:solidFill>
+                          <a:schemeClr val="tx1"/>
+                        </a:solidFill>
+                        <a:effectLst/>
+                        <a:latin typeface="+mn-lt"/>
+                        <a:ea typeface="+mn-ea"/>
+                        <a:cs typeface="+mn-cs"/>
+                      </a:endParaRPr>
+                    </a:p>
+                  </a:txBody>
+                  <a:tcPr/>
+                </a:tc>
+                <a:extLst>
+                  <a:ext uri="{0D108BD9-81ED-4DB2-BD59-A6C34878D82A}">
+                    <a16:rowId xmlns:a16="http://schemas.microsoft.com/office/drawing/2014/main" val="510360930"/>
+                  </a:ext>
+                </a:extLst>
+              </a:tr>
+            </a:tbl>
+          </a:graphicData>
+        </a:graphic>
+      </p:graphicFrame>
+      <p:pic>
+        <p:nvPicPr>
+          <p:cNvPr id="6" name="Picture 5">
+            <a:extLst>
+              <a:ext uri="{FF2B5EF4-FFF2-40B4-BE49-F238E27FC236}">
+                <a16:creationId xmlns:a16="http://schemas.microsoft.com/office/drawing/2014/main" id="{34E8AD4E-F8A4-51B9-2BE9-E1E7674E4CB8}"/>
+              </a:ext>
+            </a:extLst>
+          </p:cNvPr>
+          <p:cNvPicPr>
+            <a:picLocks noChangeAspect="1"/>
+          </p:cNvPicPr>
+          <p:nvPr/>
+        </p:nvPicPr>
+        <p:blipFill>
+          <a:blip r:embed="rId2"/>
+          <a:stretch>
+            <a:fillRect/>
+          </a:stretch>
+        </p:blipFill>
+        <p:spPr>
+          <a:xfrm>
+            <a:off x="8513019" y="1548596"/>
+            <a:ext cx="3556000" cy="863600"/>
+          </a:xfrm>
+          <a:prstGeom prst="rect">
+            <a:avLst/>
+          </a:prstGeom>
+        </p:spPr>
+      </p:pic>
+    </p:spTree>
+    <p:extLst>
+      <p:ext uri="{BB962C8B-B14F-4D97-AF65-F5344CB8AC3E}">
+        <p14:creationId xmlns:p14="http://schemas.microsoft.com/office/powerpoint/2010/main" val="595366526"/>
       </p:ext>
     </p:extLst>
   </p:cSld>
@@ -4209,4 +7324,299 @@
     </a:ext>
   </a:extLst>
 </a:theme>
+</file>
+
+<file path=ppt/theme/theme2.xml><?xml version="1.0" encoding="utf-8"?>
+<a:theme xmlns:a="http://schemas.openxmlformats.org/drawingml/2006/main" name="Office Theme">
+  <a:themeElements>
+    <a:clrScheme name="Office">
+      <a:dk1>
+        <a:sysClr val="windowText" lastClr="000000"/>
+      </a:dk1>
+      <a:lt1>
+        <a:sysClr val="window" lastClr="FFFFFF"/>
+      </a:lt1>
+      <a:dk2>
+        <a:srgbClr val="44546A"/>
+      </a:dk2>
+      <a:lt2>
+        <a:srgbClr val="E7E6E6"/>
+      </a:lt2>
+      <a:accent1>
+        <a:srgbClr val="4472C4"/>
+      </a:accent1>
+      <a:accent2>
+        <a:srgbClr val="ED7D31"/>
+      </a:accent2>
+      <a:accent3>
+        <a:srgbClr val="A5A5A5"/>
+      </a:accent3>
+      <a:accent4>
+        <a:srgbClr val="FFC000"/>
+      </a:accent4>
+      <a:accent5>
+        <a:srgbClr val="5B9BD5"/>
+      </a:accent5>
+      <a:accent6>
+        <a:srgbClr val="70AD47"/>
+      </a:accent6>
+      <a:hlink>
+        <a:srgbClr val="0563C1"/>
+      </a:hlink>
+      <a:folHlink>
+        <a:srgbClr val="954F72"/>
+      </a:folHlink>
+    </a:clrScheme>
+    <a:fontScheme name="Office">
+      <a:majorFont>
+        <a:latin typeface="Calibri Light" panose="020F0302020204030204"/>
+        <a:ea typeface=""/>
+        <a:cs typeface=""/>
+        <a:font script="Jpan" typeface="游ゴシック Light"/>
+        <a:font script="Hang" typeface="맑은 고딕"/>
+        <a:font script="Hans" typeface="等线 Light"/>
+        <a:font script="Hant" typeface="新細明體"/>
+        <a:font script="Arab" typeface="Times New Roman"/>
+        <a:font script="Hebr" typeface="Times New Roman"/>
+        <a:font script="Thai" typeface="Angsana New"/>
+        <a:font script="Ethi" typeface="Nyala"/>
+        <a:font script="Beng" typeface="Vrinda"/>
+        <a:font script="Gujr" typeface="Shruti"/>
+        <a:font script="Khmr" typeface="MoolBoran"/>
+        <a:font script="Knda" typeface="Tunga"/>
+        <a:font script="Guru" typeface="Raavi"/>
+        <a:font script="Cans" typeface="Euphemia"/>
+        <a:font script="Cher" typeface="Plantagenet Cherokee"/>
+        <a:font script="Yiii" typeface="Microsoft Yi Baiti"/>
+        <a:font script="Tibt" typeface="Microsoft Himalaya"/>
+        <a:font script="Thaa" typeface="MV Boli"/>
+        <a:font script="Deva" typeface="Mangal"/>
+        <a:font script="Telu" typeface="Gautami"/>
+        <a:font script="Taml" typeface="Latha"/>
+        <a:font script="Syrc" typeface="Estrangelo Edessa"/>
+        <a:font script="Orya" typeface="Kalinga"/>
+        <a:font script="Mlym" typeface="Kartika"/>
+        <a:font script="Laoo" typeface="DokChampa"/>
+        <a:font script="Sinh" typeface="Iskoola Pota"/>
+        <a:font script="Mong" typeface="Mongolian Baiti"/>
+        <a:font script="Viet" typeface="Times New Roman"/>
+        <a:font script="Uigh" typeface="Microsoft Uighur"/>
+        <a:font script="Geor" typeface="Sylfaen"/>
+        <a:font script="Armn" typeface="Arial"/>
+        <a:font script="Bugi" typeface="Leelawadee UI"/>
+        <a:font script="Bopo" typeface="Microsoft JhengHei"/>
+        <a:font script="Java" typeface="Javanese Text"/>
+        <a:font script="Lisu" typeface="Segoe UI"/>
+        <a:font script="Mymr" typeface="Myanmar Text"/>
+        <a:font script="Nkoo" typeface="Ebrima"/>
+        <a:font script="Olck" typeface="Nirmala UI"/>
+        <a:font script="Osma" typeface="Ebrima"/>
+        <a:font script="Phag" typeface="Phagspa"/>
+        <a:font script="Syrn" typeface="Estrangelo Edessa"/>
+        <a:font script="Syrj" typeface="Estrangelo Edessa"/>
+        <a:font script="Syre" typeface="Estrangelo Edessa"/>
+        <a:font script="Sora" typeface="Nirmala UI"/>
+        <a:font script="Tale" typeface="Microsoft Tai Le"/>
+        <a:font script="Talu" typeface="Microsoft New Tai Lue"/>
+        <a:font script="Tfng" typeface="Ebrima"/>
+      </a:majorFont>
+      <a:minorFont>
+        <a:latin typeface="Calibri" panose="020F0502020204030204"/>
+        <a:ea typeface=""/>
+        <a:cs typeface=""/>
+        <a:font script="Jpan" typeface="游ゴシック"/>
+        <a:font script="Hang" typeface="맑은 고딕"/>
+        <a:font script="Hans" typeface="等线"/>
+        <a:font script="Hant" typeface="新細明體"/>
+        <a:font script="Arab" typeface="Arial"/>
+        <a:font script="Hebr" typeface="Arial"/>
+        <a:font script="Thai" typeface="Cordia New"/>
+        <a:font script="Ethi" typeface="Nyala"/>
+        <a:font script="Beng" typeface="Vrinda"/>
+        <a:font script="Gujr" typeface="Shruti"/>
+        <a:font script="Khmr" typeface="DaunPenh"/>
+        <a:font script="Knda" typeface="Tunga"/>
+        <a:font script="Guru" typeface="Raavi"/>
+        <a:font script="Cans" typeface="Euphemia"/>
+        <a:font script="Cher" typeface="Plantagenet Cherokee"/>
+        <a:font script="Yiii" typeface="Microsoft Yi Baiti"/>
+        <a:font script="Tibt" typeface="Microsoft Himalaya"/>
+        <a:font script="Thaa" typeface="MV Boli"/>
+        <a:font script="Deva" typeface="Mangal"/>
+        <a:font script="Telu" typeface="Gautami"/>
+        <a:font script="Taml" typeface="Latha"/>
+        <a:font script="Syrc" typeface="Estrangelo Edessa"/>
+        <a:font script="Orya" typeface="Kalinga"/>
+        <a:font script="Mlym" typeface="Kartika"/>
+        <a:font script="Laoo" typeface="DokChampa"/>
+        <a:font script="Sinh" typeface="Iskoola Pota"/>
+        <a:font script="Mong" typeface="Mongolian Baiti"/>
+        <a:font script="Viet" typeface="Arial"/>
+        <a:font script="Uigh" typeface="Microsoft Uighur"/>
+        <a:font script="Geor" typeface="Sylfaen"/>
+        <a:font script="Armn" typeface="Arial"/>
+        <a:font script="Bugi" typeface="Leelawadee UI"/>
+        <a:font script="Bopo" typeface="Microsoft JhengHei"/>
+        <a:font script="Java" typeface="Javanese Text"/>
+        <a:font script="Lisu" typeface="Segoe UI"/>
+        <a:font script="Mymr" typeface="Myanmar Text"/>
+        <a:font script="Nkoo" typeface="Ebrima"/>
+        <a:font script="Olck" typeface="Nirmala UI"/>
+        <a:font script="Osma" typeface="Ebrima"/>
+        <a:font script="Phag" typeface="Phagspa"/>
+        <a:font script="Syrn" typeface="Estrangelo Edessa"/>
+        <a:font script="Syrj" typeface="Estrangelo Edessa"/>
+        <a:font script="Syre" typeface="Estrangelo Edessa"/>
+        <a:font script="Sora" typeface="Nirmala UI"/>
+        <a:font script="Tale" typeface="Microsoft Tai Le"/>
+        <a:font script="Talu" typeface="Microsoft New Tai Lue"/>
+        <a:font script="Tfng" typeface="Ebrima"/>
+      </a:minorFont>
+    </a:fontScheme>
+    <a:fmtScheme name="Office">
+      <a:fillStyleLst>
+        <a:solidFill>
+          <a:schemeClr val="phClr"/>
+        </a:solidFill>
+        <a:gradFill rotWithShape="1">
+          <a:gsLst>
+            <a:gs pos="0">
+              <a:schemeClr val="phClr">
+                <a:lumMod val="110000"/>
+                <a:satMod val="105000"/>
+                <a:tint val="67000"/>
+              </a:schemeClr>
+            </a:gs>
+            <a:gs pos="50000">
+              <a:schemeClr val="phClr">
+                <a:lumMod val="105000"/>
+                <a:satMod val="103000"/>
+                <a:tint val="73000"/>
+              </a:schemeClr>
+            </a:gs>
+            <a:gs pos="100000">
+              <a:schemeClr val="phClr">
+                <a:lumMod val="105000"/>
+                <a:satMod val="109000"/>
+                <a:tint val="81000"/>
+              </a:schemeClr>
+            </a:gs>
+          </a:gsLst>
+          <a:lin ang="5400000" scaled="0"/>
+        </a:gradFill>
+        <a:gradFill rotWithShape="1">
+          <a:gsLst>
+            <a:gs pos="0">
+              <a:schemeClr val="phClr">
+                <a:satMod val="103000"/>
+                <a:lumMod val="102000"/>
+                <a:tint val="94000"/>
+              </a:schemeClr>
+            </a:gs>
+            <a:gs pos="50000">
+              <a:schemeClr val="phClr">
+                <a:satMod val="110000"/>
+                <a:lumMod val="100000"/>
+                <a:shade val="100000"/>
+              </a:schemeClr>
+            </a:gs>
+            <a:gs pos="100000">
+              <a:schemeClr val="phClr">
+                <a:lumMod val="99000"/>
+                <a:satMod val="120000"/>
+                <a:shade val="78000"/>
+              </a:schemeClr>
+            </a:gs>
+          </a:gsLst>
+          <a:lin ang="5400000" scaled="0"/>
+        </a:gradFill>
+      </a:fillStyleLst>
+      <a:lnStyleLst>
+        <a:ln w="6350" cap="flat" cmpd="sng" algn="ctr">
+          <a:solidFill>
+            <a:schemeClr val="phClr"/>
+          </a:solidFill>
+          <a:prstDash val="solid"/>
+          <a:miter lim="800000"/>
+        </a:ln>
+        <a:ln w="12700" cap="flat" cmpd="sng" algn="ctr">
+          <a:solidFill>
+            <a:schemeClr val="phClr"/>
+          </a:solidFill>
+          <a:prstDash val="solid"/>
+          <a:miter lim="800000"/>
+        </a:ln>
+        <a:ln w="19050" cap="flat" cmpd="sng" algn="ctr">
+          <a:solidFill>
+            <a:schemeClr val="phClr"/>
+          </a:solidFill>
+          <a:prstDash val="solid"/>
+          <a:miter lim="800000"/>
+        </a:ln>
+      </a:lnStyleLst>
+      <a:effectStyleLst>
+        <a:effectStyle>
+          <a:effectLst/>
+        </a:effectStyle>
+        <a:effectStyle>
+          <a:effectLst/>
+        </a:effectStyle>
+        <a:effectStyle>
+          <a:effectLst>
+            <a:outerShdw blurRad="57150" dist="19050" dir="5400000" algn="ctr" rotWithShape="0">
+              <a:srgbClr val="000000">
+                <a:alpha val="63000"/>
+              </a:srgbClr>
+            </a:outerShdw>
+          </a:effectLst>
+        </a:effectStyle>
+      </a:effectStyleLst>
+      <a:bgFillStyleLst>
+        <a:solidFill>
+          <a:schemeClr val="phClr"/>
+        </a:solidFill>
+        <a:solidFill>
+          <a:schemeClr val="phClr">
+            <a:tint val="95000"/>
+            <a:satMod val="170000"/>
+          </a:schemeClr>
+        </a:solidFill>
+        <a:gradFill rotWithShape="1">
+          <a:gsLst>
+            <a:gs pos="0">
+              <a:schemeClr val="phClr">
+                <a:tint val="93000"/>
+                <a:satMod val="150000"/>
+                <a:shade val="98000"/>
+                <a:lumMod val="102000"/>
+              </a:schemeClr>
+            </a:gs>
+            <a:gs pos="50000">
+              <a:schemeClr val="phClr">
+                <a:tint val="98000"/>
+                <a:satMod val="130000"/>
+                <a:shade val="90000"/>
+                <a:lumMod val="103000"/>
+              </a:schemeClr>
+            </a:gs>
+            <a:gs pos="100000">
+              <a:schemeClr val="phClr">
+                <a:shade val="63000"/>
+                <a:satMod val="120000"/>
+              </a:schemeClr>
+            </a:gs>
+          </a:gsLst>
+          <a:lin ang="5400000" scaled="0"/>
+        </a:gradFill>
+      </a:bgFillStyleLst>
+    </a:fmtScheme>
+  </a:themeElements>
+  <a:objectDefaults/>
+  <a:extraClrSchemeLst/>
+  <a:extLst>
+    <a:ext uri="{05A4C25C-085E-4340-85A3-A5531E510DB2}">
+      <thm15:themeFamily xmlns:thm15="http://schemas.microsoft.com/office/thememl/2012/main" name="Office Theme" id="{62F939B6-93AF-4DB8-9C6B-D6C7DFDC589F}" vid="{4A3C46E8-61CC-4603-A589-7422A47A8E4A}"/>
+    </a:ext>
+  </a:extLst>
+</a:theme>
 </file>
--- a/graphs/Presentation3.pptx
+++ b/graphs/Presentation3.pptx
@@ -5,16 +5,13 @@
     <p:sldMasterId id="2147483648" r:id="rId1"/>
   </p:sldMasterIdLst>
   <p:notesMasterIdLst>
-    <p:notesMasterId r:id="rId9"/>
+    <p:notesMasterId r:id="rId6"/>
   </p:notesMasterIdLst>
   <p:sldIdLst>
     <p:sldId id="262" r:id="rId2"/>
-    <p:sldId id="261" r:id="rId3"/>
-    <p:sldId id="257" r:id="rId4"/>
-    <p:sldId id="260" r:id="rId5"/>
-    <p:sldId id="256" r:id="rId6"/>
-    <p:sldId id="259" r:id="rId7"/>
-    <p:sldId id="258" r:id="rId8"/>
+    <p:sldId id="259" r:id="rId3"/>
+    <p:sldId id="258" r:id="rId4"/>
+    <p:sldId id="263" r:id="rId5"/>
   </p:sldIdLst>
   <p:sldSz cx="12192000" cy="6858000"/>
   <p:notesSz cx="6858000" cy="9144000"/>
@@ -203,7 +200,7 @@
           <a:p>
             <a:fld id="{E071E135-C7CE-3B47-AFD4-2100CA6E0106}" type="datetimeFigureOut">
               <a:rPr lang="en-DE" smtClean="0"/>
-              <a:t>29.06.23</a:t>
+              <a:t>21.10.23</a:t>
             </a:fld>
             <a:endParaRPr lang="en-DE"/>
           </a:p>
@@ -471,276 +468,6 @@
 </p:notesMaster>
 </file>
 
-<file path=ppt/notesSlides/notesSlide1.xml><?xml version="1.0" encoding="utf-8"?>
-<p:notes xmlns:a="http://schemas.openxmlformats.org/drawingml/2006/main" xmlns:r="http://schemas.openxmlformats.org/officeDocument/2006/relationships" xmlns:p="http://schemas.openxmlformats.org/presentationml/2006/main">
-  <p:cSld>
-    <p:spTree>
-      <p:nvGrpSpPr>
-        <p:cNvPr id="1" name=""/>
-        <p:cNvGrpSpPr/>
-        <p:nvPr/>
-      </p:nvGrpSpPr>
-      <p:grpSpPr>
-        <a:xfrm>
-          <a:off x="0" y="0"/>
-          <a:ext cx="0" cy="0"/>
-          <a:chOff x="0" y="0"/>
-          <a:chExt cx="0" cy="0"/>
-        </a:xfrm>
-      </p:grpSpPr>
-      <p:sp>
-        <p:nvSpPr>
-          <p:cNvPr id="2" name="Slide Image Placeholder 1"/>
-          <p:cNvSpPr>
-            <a:spLocks noGrp="1" noRot="1" noChangeAspect="1"/>
-          </p:cNvSpPr>
-          <p:nvPr>
-            <p:ph type="sldImg"/>
-          </p:nvPr>
-        </p:nvSpPr>
-        <p:spPr/>
-      </p:sp>
-      <p:sp>
-        <p:nvSpPr>
-          <p:cNvPr id="3" name="Notes Placeholder 2"/>
-          <p:cNvSpPr>
-            <a:spLocks noGrp="1"/>
-          </p:cNvSpPr>
-          <p:nvPr>
-            <p:ph type="body" idx="1"/>
-          </p:nvPr>
-        </p:nvSpPr>
-        <p:spPr/>
-        <p:txBody>
-          <a:bodyPr/>
-          <a:lstStyle/>
-          <a:p>
-            <a:r>
-              <a:rPr lang="en-GB" dirty="0"/>
-              <a:t>Convergence seems to be random </a:t>
-            </a:r>
-            <a:endParaRPr lang="en-DE" dirty="0"/>
-          </a:p>
-        </p:txBody>
-      </p:sp>
-      <p:sp>
-        <p:nvSpPr>
-          <p:cNvPr id="4" name="Slide Number Placeholder 3"/>
-          <p:cNvSpPr>
-            <a:spLocks noGrp="1"/>
-          </p:cNvSpPr>
-          <p:nvPr>
-            <p:ph type="sldNum" sz="quarter" idx="5"/>
-          </p:nvPr>
-        </p:nvSpPr>
-        <p:spPr/>
-        <p:txBody>
-          <a:bodyPr/>
-          <a:lstStyle/>
-          <a:p>
-            <a:fld id="{40880B87-F13A-784F-B85E-6008EB4C5246}" type="slidenum">
-              <a:rPr lang="en-DE" smtClean="0"/>
-              <a:t>2</a:t>
-            </a:fld>
-            <a:endParaRPr lang="en-DE"/>
-          </a:p>
-        </p:txBody>
-      </p:sp>
-    </p:spTree>
-    <p:extLst>
-      <p:ext uri="{BB962C8B-B14F-4D97-AF65-F5344CB8AC3E}">
-        <p14:creationId xmlns:p14="http://schemas.microsoft.com/office/powerpoint/2010/main" val="1841214168"/>
-      </p:ext>
-    </p:extLst>
-  </p:cSld>
-  <p:clrMapOvr>
-    <a:masterClrMapping/>
-  </p:clrMapOvr>
-</p:notes>
-</file>
-
-<file path=ppt/notesSlides/notesSlide2.xml><?xml version="1.0" encoding="utf-8"?>
-<p:notes xmlns:a="http://schemas.openxmlformats.org/drawingml/2006/main" xmlns:r="http://schemas.openxmlformats.org/officeDocument/2006/relationships" xmlns:p="http://schemas.openxmlformats.org/presentationml/2006/main">
-  <p:cSld>
-    <p:spTree>
-      <p:nvGrpSpPr>
-        <p:cNvPr id="1" name=""/>
-        <p:cNvGrpSpPr/>
-        <p:nvPr/>
-      </p:nvGrpSpPr>
-      <p:grpSpPr>
-        <a:xfrm>
-          <a:off x="0" y="0"/>
-          <a:ext cx="0" cy="0"/>
-          <a:chOff x="0" y="0"/>
-          <a:chExt cx="0" cy="0"/>
-        </a:xfrm>
-      </p:grpSpPr>
-      <p:sp>
-        <p:nvSpPr>
-          <p:cNvPr id="2" name="Slide Image Placeholder 1"/>
-          <p:cNvSpPr>
-            <a:spLocks noGrp="1" noRot="1" noChangeAspect="1"/>
-          </p:cNvSpPr>
-          <p:nvPr>
-            <p:ph type="sldImg"/>
-          </p:nvPr>
-        </p:nvSpPr>
-        <p:spPr/>
-      </p:sp>
-      <p:sp>
-        <p:nvSpPr>
-          <p:cNvPr id="3" name="Notes Placeholder 2"/>
-          <p:cNvSpPr>
-            <a:spLocks noGrp="1"/>
-          </p:cNvSpPr>
-          <p:nvPr>
-            <p:ph type="body" idx="1"/>
-          </p:nvPr>
-        </p:nvSpPr>
-        <p:spPr/>
-        <p:txBody>
-          <a:bodyPr/>
-          <a:lstStyle/>
-          <a:p>
-            <a:r>
-              <a:rPr lang="en-GB" dirty="0"/>
-              <a:t>U</a:t>
-            </a:r>
-            <a:r>
-              <a:rPr lang="en-DE" dirty="0"/>
-              <a:t>pdate 1 neural network at each iteration, uses the formula</a:t>
-            </a:r>
-          </a:p>
-        </p:txBody>
-      </p:sp>
-      <p:sp>
-        <p:nvSpPr>
-          <p:cNvPr id="4" name="Slide Number Placeholder 3"/>
-          <p:cNvSpPr>
-            <a:spLocks noGrp="1"/>
-          </p:cNvSpPr>
-          <p:nvPr>
-            <p:ph type="sldNum" sz="quarter" idx="5"/>
-          </p:nvPr>
-        </p:nvSpPr>
-        <p:spPr/>
-        <p:txBody>
-          <a:bodyPr/>
-          <a:lstStyle/>
-          <a:p>
-            <a:fld id="{40880B87-F13A-784F-B85E-6008EB4C5246}" type="slidenum">
-              <a:rPr lang="en-DE" smtClean="0"/>
-              <a:t>3</a:t>
-            </a:fld>
-            <a:endParaRPr lang="en-DE"/>
-          </a:p>
-        </p:txBody>
-      </p:sp>
-    </p:spTree>
-    <p:extLst>
-      <p:ext uri="{BB962C8B-B14F-4D97-AF65-F5344CB8AC3E}">
-        <p14:creationId xmlns:p14="http://schemas.microsoft.com/office/powerpoint/2010/main" val="3042630707"/>
-      </p:ext>
-    </p:extLst>
-  </p:cSld>
-  <p:clrMapOvr>
-    <a:masterClrMapping/>
-  </p:clrMapOvr>
-</p:notes>
-</file>
-
-<file path=ppt/notesSlides/notesSlide3.xml><?xml version="1.0" encoding="utf-8"?>
-<p:notes xmlns:a="http://schemas.openxmlformats.org/drawingml/2006/main" xmlns:r="http://schemas.openxmlformats.org/officeDocument/2006/relationships" xmlns:p="http://schemas.openxmlformats.org/presentationml/2006/main">
-  <p:cSld>
-    <p:spTree>
-      <p:nvGrpSpPr>
-        <p:cNvPr id="1" name=""/>
-        <p:cNvGrpSpPr/>
-        <p:nvPr/>
-      </p:nvGrpSpPr>
-      <p:grpSpPr>
-        <a:xfrm>
-          <a:off x="0" y="0"/>
-          <a:ext cx="0" cy="0"/>
-          <a:chOff x="0" y="0"/>
-          <a:chExt cx="0" cy="0"/>
-        </a:xfrm>
-      </p:grpSpPr>
-      <p:sp>
-        <p:nvSpPr>
-          <p:cNvPr id="2" name="Slide Image Placeholder 1"/>
-          <p:cNvSpPr>
-            <a:spLocks noGrp="1" noRot="1" noChangeAspect="1"/>
-          </p:cNvSpPr>
-          <p:nvPr>
-            <p:ph type="sldImg"/>
-          </p:nvPr>
-        </p:nvSpPr>
-        <p:spPr/>
-      </p:sp>
-      <p:sp>
-        <p:nvSpPr>
-          <p:cNvPr id="3" name="Notes Placeholder 2"/>
-          <p:cNvSpPr>
-            <a:spLocks noGrp="1"/>
-          </p:cNvSpPr>
-          <p:nvPr>
-            <p:ph type="body" idx="1"/>
-          </p:nvPr>
-        </p:nvSpPr>
-        <p:spPr/>
-        <p:txBody>
-          <a:bodyPr/>
-          <a:lstStyle/>
-          <a:p>
-            <a:r>
-              <a:rPr lang="en-GB" dirty="0"/>
-              <a:t>U</a:t>
-            </a:r>
-            <a:r>
-              <a:rPr lang="en-DE" dirty="0"/>
-              <a:t>pdate 3 nn at each iteration </a:t>
-            </a:r>
-          </a:p>
-        </p:txBody>
-      </p:sp>
-      <p:sp>
-        <p:nvSpPr>
-          <p:cNvPr id="4" name="Slide Number Placeholder 3"/>
-          <p:cNvSpPr>
-            <a:spLocks noGrp="1"/>
-          </p:cNvSpPr>
-          <p:nvPr>
-            <p:ph type="sldNum" sz="quarter" idx="5"/>
-          </p:nvPr>
-        </p:nvSpPr>
-        <p:spPr/>
-        <p:txBody>
-          <a:bodyPr/>
-          <a:lstStyle/>
-          <a:p>
-            <a:fld id="{40880B87-F13A-784F-B85E-6008EB4C5246}" type="slidenum">
-              <a:rPr lang="en-DE" smtClean="0"/>
-              <a:t>4</a:t>
-            </a:fld>
-            <a:endParaRPr lang="en-DE"/>
-          </a:p>
-        </p:txBody>
-      </p:sp>
-    </p:spTree>
-    <p:extLst>
-      <p:ext uri="{BB962C8B-B14F-4D97-AF65-F5344CB8AC3E}">
-        <p14:creationId xmlns:p14="http://schemas.microsoft.com/office/powerpoint/2010/main" val="2036190762"/>
-      </p:ext>
-    </p:extLst>
-  </p:cSld>
-  <p:clrMapOvr>
-    <a:masterClrMapping/>
-  </p:clrMapOvr>
-</p:notes>
-</file>
-
 <file path=ppt/slideLayouts/slideLayout1.xml><?xml version="1.0" encoding="utf-8"?>
 <p:sldLayout xmlns:a="http://schemas.openxmlformats.org/drawingml/2006/main" xmlns:r="http://schemas.openxmlformats.org/officeDocument/2006/relationships" xmlns:p="http://schemas.openxmlformats.org/presentationml/2006/main" type="title" preserve="1">
   <p:cSld name="Title Slide">
@@ -890,7 +617,7 @@
           <a:p>
             <a:fld id="{C60530B2-747E-524C-92BF-0821825B35DA}" type="datetimeFigureOut">
               <a:rPr lang="en-DE" smtClean="0"/>
-              <a:t>29.06.23</a:t>
+              <a:t>21.10.23</a:t>
             </a:fld>
             <a:endParaRPr lang="en-DE"/>
           </a:p>
@@ -1090,7 +817,7 @@
           <a:p>
             <a:fld id="{C60530B2-747E-524C-92BF-0821825B35DA}" type="datetimeFigureOut">
               <a:rPr lang="en-DE" smtClean="0"/>
-              <a:t>29.06.23</a:t>
+              <a:t>21.10.23</a:t>
             </a:fld>
             <a:endParaRPr lang="en-DE"/>
           </a:p>
@@ -1300,7 +1027,7 @@
           <a:p>
             <a:fld id="{C60530B2-747E-524C-92BF-0821825B35DA}" type="datetimeFigureOut">
               <a:rPr lang="en-DE" smtClean="0"/>
-              <a:t>29.06.23</a:t>
+              <a:t>21.10.23</a:t>
             </a:fld>
             <a:endParaRPr lang="en-DE"/>
           </a:p>
@@ -1500,7 +1227,7 @@
           <a:p>
             <a:fld id="{C60530B2-747E-524C-92BF-0821825B35DA}" type="datetimeFigureOut">
               <a:rPr lang="en-DE" smtClean="0"/>
-              <a:t>29.06.23</a:t>
+              <a:t>21.10.23</a:t>
             </a:fld>
             <a:endParaRPr lang="en-DE"/>
           </a:p>
@@ -1776,7 +1503,7 @@
           <a:p>
             <a:fld id="{C60530B2-747E-524C-92BF-0821825B35DA}" type="datetimeFigureOut">
               <a:rPr lang="en-DE" smtClean="0"/>
-              <a:t>29.06.23</a:t>
+              <a:t>21.10.23</a:t>
             </a:fld>
             <a:endParaRPr lang="en-DE"/>
           </a:p>
@@ -2044,7 +1771,7 @@
           <a:p>
             <a:fld id="{C60530B2-747E-524C-92BF-0821825B35DA}" type="datetimeFigureOut">
               <a:rPr lang="en-DE" smtClean="0"/>
-              <a:t>29.06.23</a:t>
+              <a:t>21.10.23</a:t>
             </a:fld>
             <a:endParaRPr lang="en-DE"/>
           </a:p>
@@ -2459,7 +2186,7 @@
           <a:p>
             <a:fld id="{C60530B2-747E-524C-92BF-0821825B35DA}" type="datetimeFigureOut">
               <a:rPr lang="en-DE" smtClean="0"/>
-              <a:t>29.06.23</a:t>
+              <a:t>21.10.23</a:t>
             </a:fld>
             <a:endParaRPr lang="en-DE"/>
           </a:p>
@@ -2601,7 +2328,7 @@
           <a:p>
             <a:fld id="{C60530B2-747E-524C-92BF-0821825B35DA}" type="datetimeFigureOut">
               <a:rPr lang="en-DE" smtClean="0"/>
-              <a:t>29.06.23</a:t>
+              <a:t>21.10.23</a:t>
             </a:fld>
             <a:endParaRPr lang="en-DE"/>
           </a:p>
@@ -2714,7 +2441,7 @@
           <a:p>
             <a:fld id="{C60530B2-747E-524C-92BF-0821825B35DA}" type="datetimeFigureOut">
               <a:rPr lang="en-DE" smtClean="0"/>
-              <a:t>29.06.23</a:t>
+              <a:t>21.10.23</a:t>
             </a:fld>
             <a:endParaRPr lang="en-DE"/>
           </a:p>
@@ -3027,7 +2754,7 @@
           <a:p>
             <a:fld id="{C60530B2-747E-524C-92BF-0821825B35DA}" type="datetimeFigureOut">
               <a:rPr lang="en-DE" smtClean="0"/>
-              <a:t>29.06.23</a:t>
+              <a:t>21.10.23</a:t>
             </a:fld>
             <a:endParaRPr lang="en-DE"/>
           </a:p>
@@ -3316,7 +3043,7 @@
           <a:p>
             <a:fld id="{C60530B2-747E-524C-92BF-0821825B35DA}" type="datetimeFigureOut">
               <a:rPr lang="en-DE" smtClean="0"/>
-              <a:t>29.06.23</a:t>
+              <a:t>21.10.23</a:t>
             </a:fld>
             <a:endParaRPr lang="en-DE"/>
           </a:p>
@@ -3559,7 +3286,7 @@
           <a:p>
             <a:fld id="{C60530B2-747E-524C-92BF-0821825B35DA}" type="datetimeFigureOut">
               <a:rPr lang="en-DE" smtClean="0"/>
-              <a:t>29.06.23</a:t>
+              <a:t>21.10.23</a:t>
             </a:fld>
             <a:endParaRPr lang="en-DE"/>
           </a:p>
@@ -4005,6 +3732,36 @@
           </a:xfrm>
         </p:spPr>
       </p:pic>
+      <p:pic>
+        <p:nvPicPr>
+          <p:cNvPr id="2" name="Picture 1" descr="A blue and white logo&#10;&#10;Description automatically generated">
+            <a:extLst>
+              <a:ext uri="{FF2B5EF4-FFF2-40B4-BE49-F238E27FC236}">
+                <a16:creationId xmlns:a16="http://schemas.microsoft.com/office/drawing/2014/main" id="{54818940-CF46-80C7-63D7-070F027B3545}"/>
+              </a:ext>
+            </a:extLst>
+          </p:cNvPr>
+          <p:cNvPicPr>
+            <a:picLocks noChangeAspect="1"/>
+          </p:cNvPicPr>
+          <p:nvPr/>
+        </p:nvPicPr>
+        <p:blipFill>
+          <a:blip r:embed="rId3"/>
+          <a:stretch>
+            <a:fillRect/>
+          </a:stretch>
+        </p:blipFill>
+        <p:spPr>
+          <a:xfrm>
+            <a:off x="10960510" y="95865"/>
+            <a:ext cx="1066800" cy="647700"/>
+          </a:xfrm>
+          <a:prstGeom prst="rect">
+            <a:avLst/>
+          </a:prstGeom>
+        </p:spPr>
+      </p:pic>
     </p:spTree>
     <p:extLst>
       <p:ext uri="{BB962C8B-B14F-4D97-AF65-F5344CB8AC3E}">
@@ -4037,10 +3794,40 @@
       </p:grpSpPr>
       <p:pic>
         <p:nvPicPr>
-          <p:cNvPr id="4" name="Picture 3" descr="A picture containing text, plot, line, diagram&#10;&#10;Description automatically generated">
-            <a:extLst>
-              <a:ext uri="{FF2B5EF4-FFF2-40B4-BE49-F238E27FC236}">
-                <a16:creationId xmlns:a16="http://schemas.microsoft.com/office/drawing/2014/main" id="{04A1471B-6EE9-9F1D-12D0-EC99CF4FEFC7}"/>
+          <p:cNvPr id="6" name="Picture 5" descr="A picture containing text, font, white, line&#10;&#10;Description automatically generated">
+            <a:extLst>
+              <a:ext uri="{FF2B5EF4-FFF2-40B4-BE49-F238E27FC236}">
+                <a16:creationId xmlns:a16="http://schemas.microsoft.com/office/drawing/2014/main" id="{17C5D12D-5710-FE2C-1028-0C1E90FCC85E}"/>
+              </a:ext>
+            </a:extLst>
+          </p:cNvPr>
+          <p:cNvPicPr>
+            <a:picLocks noChangeAspect="1"/>
+          </p:cNvPicPr>
+          <p:nvPr/>
+        </p:nvPicPr>
+        <p:blipFill>
+          <a:blip r:embed="rId2"/>
+          <a:stretch>
+            <a:fillRect/>
+          </a:stretch>
+        </p:blipFill>
+        <p:spPr>
+          <a:xfrm>
+            <a:off x="7817807" y="1906187"/>
+            <a:ext cx="4064000" cy="762000"/>
+          </a:xfrm>
+          <a:prstGeom prst="rect">
+            <a:avLst/>
+          </a:prstGeom>
+        </p:spPr>
+      </p:pic>
+      <p:pic>
+        <p:nvPicPr>
+          <p:cNvPr id="8" name="Picture 7" descr="A picture containing diagram, font, line, white&#10;&#10;Description automatically generated">
+            <a:extLst>
+              <a:ext uri="{FF2B5EF4-FFF2-40B4-BE49-F238E27FC236}">
+                <a16:creationId xmlns:a16="http://schemas.microsoft.com/office/drawing/2014/main" id="{2D6E948F-4CA5-C400-6894-3D96B93A8CD0}"/>
               </a:ext>
             </a:extLst>
           </p:cNvPr>
@@ -4057,30 +3844,60 @@
         </p:blipFill>
         <p:spPr>
           <a:xfrm>
-            <a:off x="1070209" y="1259845"/>
-            <a:ext cx="9312656" cy="5598155"/>
+            <a:off x="7327126" y="3288113"/>
+            <a:ext cx="4673600" cy="2044700"/>
           </a:xfrm>
           <a:prstGeom prst="rect">
             <a:avLst/>
           </a:prstGeom>
         </p:spPr>
       </p:pic>
-      <p:sp>
-        <p:nvSpPr>
-          <p:cNvPr id="5" name="Rectangle 4">
-            <a:extLst>
-              <a:ext uri="{FF2B5EF4-FFF2-40B4-BE49-F238E27FC236}">
-                <a16:creationId xmlns:a16="http://schemas.microsoft.com/office/drawing/2014/main" id="{A3FB6DDF-E402-5649-CCFE-DFF2325E50EB}"/>
-              </a:ext>
-            </a:extLst>
-          </p:cNvPr>
-          <p:cNvSpPr/>
+      <p:pic>
+        <p:nvPicPr>
+          <p:cNvPr id="3" name="Picture 2" descr="A table with numbers and symbols&#10;&#10;Description automatically generated">
+            <a:extLst>
+              <a:ext uri="{FF2B5EF4-FFF2-40B4-BE49-F238E27FC236}">
+                <a16:creationId xmlns:a16="http://schemas.microsoft.com/office/drawing/2014/main" id="{BDBD592F-3173-E812-DB1A-9F02C0265C57}"/>
+              </a:ext>
+            </a:extLst>
+          </p:cNvPr>
+          <p:cNvPicPr>
+            <a:picLocks noChangeAspect="1"/>
+          </p:cNvPicPr>
           <p:nvPr/>
-        </p:nvSpPr>
+        </p:nvPicPr>
+        <p:blipFill>
+          <a:blip r:embed="rId4"/>
+          <a:stretch>
+            <a:fillRect/>
+          </a:stretch>
+        </p:blipFill>
         <p:spPr>
           <a:xfrm>
-            <a:off x="5023269" y="607593"/>
-            <a:ext cx="1072731" cy="923330"/>
+            <a:off x="517344" y="1049409"/>
+            <a:ext cx="6123076" cy="4477407"/>
+          </a:xfrm>
+          <a:prstGeom prst="rect">
+            <a:avLst/>
+          </a:prstGeom>
+        </p:spPr>
+      </p:pic>
+      <p:sp>
+        <p:nvSpPr>
+          <p:cNvPr id="5" name="TextBox 4">
+            <a:extLst>
+              <a:ext uri="{FF2B5EF4-FFF2-40B4-BE49-F238E27FC236}">
+                <a16:creationId xmlns:a16="http://schemas.microsoft.com/office/drawing/2014/main" id="{111F9F7D-70CB-07B8-2240-B1A8343F3716}"/>
+              </a:ext>
+            </a:extLst>
+          </p:cNvPr>
+          <p:cNvSpPr txBox="1"/>
+          <p:nvPr/>
+        </p:nvSpPr>
+        <p:spPr>
+          <a:xfrm>
+            <a:off x="1091380" y="309716"/>
+            <a:ext cx="1774909" cy="369332"/>
           </a:xfrm>
           <a:prstGeom prst="rect">
             <a:avLst/>
@@ -4088,35 +3905,52 @@
           <a:noFill/>
         </p:spPr>
         <p:txBody>
-          <a:bodyPr wrap="none" lIns="91440" tIns="45720" rIns="91440" bIns="45720">
+          <a:bodyPr wrap="none" rtlCol="0">
             <a:spAutoFit/>
           </a:bodyPr>
           <a:lstStyle/>
           <a:p>
-            <a:pPr algn="ctr"/>
-            <a:r>
-              <a:rPr lang="en-GB" sz="5400" b="0" cap="none" spc="0" dirty="0">
-                <a:ln w="0"/>
-                <a:solidFill>
-                  <a:schemeClr val="tx1"/>
-                </a:solidFill>
-                <a:effectLst>
-                  <a:outerShdw blurRad="38100" dist="19050" dir="2700000" algn="tl" rotWithShape="0">
-                    <a:schemeClr val="dk1">
-                      <a:alpha val="40000"/>
-                    </a:schemeClr>
-                  </a:outerShdw>
-                </a:effectLst>
-              </a:rPr>
-              <a:t>old</a:t>
-            </a:r>
-          </a:p>
-        </p:txBody>
-      </p:sp>
+            <a:r>
+              <a:rPr lang="en-DE" dirty="0"/>
+              <a:t>Second example:</a:t>
+            </a:r>
+          </a:p>
+        </p:txBody>
+      </p:sp>
+      <p:pic>
+        <p:nvPicPr>
+          <p:cNvPr id="7" name="Picture 6" descr="A blue and white logo&#10;&#10;Description automatically generated">
+            <a:extLst>
+              <a:ext uri="{FF2B5EF4-FFF2-40B4-BE49-F238E27FC236}">
+                <a16:creationId xmlns:a16="http://schemas.microsoft.com/office/drawing/2014/main" id="{18664F4C-5A1D-5201-FC8B-71A2859114A0}"/>
+              </a:ext>
+            </a:extLst>
+          </p:cNvPr>
+          <p:cNvPicPr>
+            <a:picLocks noChangeAspect="1"/>
+          </p:cNvPicPr>
+          <p:nvPr/>
+        </p:nvPicPr>
+        <p:blipFill>
+          <a:blip r:embed="rId5"/>
+          <a:stretch>
+            <a:fillRect/>
+          </a:stretch>
+        </p:blipFill>
+        <p:spPr>
+          <a:xfrm>
+            <a:off x="10960510" y="95865"/>
+            <a:ext cx="1066800" cy="647700"/>
+          </a:xfrm>
+          <a:prstGeom prst="rect">
+            <a:avLst/>
+          </a:prstGeom>
+        </p:spPr>
+      </p:pic>
     </p:spTree>
     <p:extLst>
       <p:ext uri="{BB962C8B-B14F-4D97-AF65-F5344CB8AC3E}">
-        <p14:creationId xmlns:p14="http://schemas.microsoft.com/office/powerpoint/2010/main" val="3454959829"/>
+        <p14:creationId xmlns:p14="http://schemas.microsoft.com/office/powerpoint/2010/main" val="1298600474"/>
       </p:ext>
     </p:extLst>
   </p:cSld>
@@ -4145,10 +3979,40 @@
       </p:grpSpPr>
       <p:pic>
         <p:nvPicPr>
-          <p:cNvPr id="3" name="Picture 2" descr="A graph with red lines and numbers&#10;&#10;Description automatically generated with low confidence">
-            <a:extLst>
-              <a:ext uri="{FF2B5EF4-FFF2-40B4-BE49-F238E27FC236}">
-                <a16:creationId xmlns:a16="http://schemas.microsoft.com/office/drawing/2014/main" id="{EBA1D3E8-833A-32D0-F618-2777D59353F4}"/>
+          <p:cNvPr id="3" name="Picture 2" descr="A black numbers and a white background&#10;&#10;Description automatically generated">
+            <a:extLst>
+              <a:ext uri="{FF2B5EF4-FFF2-40B4-BE49-F238E27FC236}">
+                <a16:creationId xmlns:a16="http://schemas.microsoft.com/office/drawing/2014/main" id="{CC35BC33-BA51-C1EA-F3CD-1A86CCCE4ED8}"/>
+              </a:ext>
+            </a:extLst>
+          </p:cNvPr>
+          <p:cNvPicPr>
+            <a:picLocks noChangeAspect="1"/>
+          </p:cNvPicPr>
+          <p:nvPr/>
+        </p:nvPicPr>
+        <p:blipFill>
+          <a:blip r:embed="rId2"/>
+          <a:stretch>
+            <a:fillRect/>
+          </a:stretch>
+        </p:blipFill>
+        <p:spPr>
+          <a:xfrm>
+            <a:off x="7575707" y="2085960"/>
+            <a:ext cx="4161708" cy="727204"/>
+          </a:xfrm>
+          <a:prstGeom prst="rect">
+            <a:avLst/>
+          </a:prstGeom>
+        </p:spPr>
+      </p:pic>
+      <p:pic>
+        <p:nvPicPr>
+          <p:cNvPr id="7" name="Picture 6" descr="A table with numbers and words&#10;&#10;Description automatically generated">
+            <a:extLst>
+              <a:ext uri="{FF2B5EF4-FFF2-40B4-BE49-F238E27FC236}">
+                <a16:creationId xmlns:a16="http://schemas.microsoft.com/office/drawing/2014/main" id="{D35CAA25-17F8-1808-B29D-CEA93C91D47B}"/>
               </a:ext>
             </a:extLst>
           </p:cNvPr>
@@ -4165,8 +4029,8 @@
         </p:blipFill>
         <p:spPr>
           <a:xfrm>
-            <a:off x="6707701" y="0"/>
-            <a:ext cx="4949948" cy="3712461"/>
+            <a:off x="7121123" y="2851252"/>
+            <a:ext cx="5070877" cy="1155495"/>
           </a:xfrm>
           <a:prstGeom prst="rect">
             <a:avLst/>
@@ -4175,10 +4039,10 @@
       </p:pic>
       <p:pic>
         <p:nvPicPr>
-          <p:cNvPr id="6" name="Picture 5" descr="A picture containing text, diagram, line, plot&#10;&#10;Description automatically generated">
-            <a:extLst>
-              <a:ext uri="{FF2B5EF4-FFF2-40B4-BE49-F238E27FC236}">
-                <a16:creationId xmlns:a16="http://schemas.microsoft.com/office/drawing/2014/main" id="{92CEEB53-28DE-2EC8-8F75-C4F064F529B3}"/>
+          <p:cNvPr id="9" name="Picture 8" descr="A table with numbers and symbols&#10;&#10;Description automatically generated">
+            <a:extLst>
+              <a:ext uri="{FF2B5EF4-FFF2-40B4-BE49-F238E27FC236}">
+                <a16:creationId xmlns:a16="http://schemas.microsoft.com/office/drawing/2014/main" id="{EEB82D8F-E50C-8965-421E-DABBB212F6DF}"/>
               </a:ext>
             </a:extLst>
           </p:cNvPr>
@@ -4187,15 +4051,16 @@
           </p:cNvPicPr>
           <p:nvPr/>
         </p:nvPicPr>
-        <p:blipFill rotWithShape="1">
+        <p:blipFill>
           <a:blip r:embed="rId4"/>
-          <a:srcRect t="8267" r="2499"/>
-          <a:stretch/>
+          <a:stretch>
+            <a:fillRect/>
+          </a:stretch>
         </p:blipFill>
         <p:spPr>
           <a:xfrm>
-            <a:off x="6401850" y="3712461"/>
-            <a:ext cx="5561649" cy="3145539"/>
+            <a:off x="717708" y="1069658"/>
+            <a:ext cx="6403415" cy="4718681"/>
           </a:xfrm>
           <a:prstGeom prst="rect">
             <a:avLst/>
@@ -4204,10 +4069,10 @@
       </p:pic>
       <p:pic>
         <p:nvPicPr>
-          <p:cNvPr id="10" name="Picture 9" descr="A picture containing text, screenshot, line, diagram&#10;&#10;Description automatically generated">
-            <a:extLst>
-              <a:ext uri="{FF2B5EF4-FFF2-40B4-BE49-F238E27FC236}">
-                <a16:creationId xmlns:a16="http://schemas.microsoft.com/office/drawing/2014/main" id="{03122795-5C5E-566F-54D8-333258F3FF51}"/>
+          <p:cNvPr id="11" name="Picture 10" descr="A blue and white logo&#10;&#10;Description automatically generated">
+            <a:extLst>
+              <a:ext uri="{FF2B5EF4-FFF2-40B4-BE49-F238E27FC236}">
+                <a16:creationId xmlns:a16="http://schemas.microsoft.com/office/drawing/2014/main" id="{D235CA29-EFDD-44E5-9213-61C706FAD455}"/>
               </a:ext>
             </a:extLst>
           </p:cNvPr>
@@ -4224,8 +4089,8 @@
         </p:blipFill>
         <p:spPr>
           <a:xfrm>
-            <a:off x="0" y="156924"/>
-            <a:ext cx="6175761" cy="3712461"/>
+            <a:off x="10960510" y="95865"/>
+            <a:ext cx="1066800" cy="647700"/>
           </a:xfrm>
           <a:prstGeom prst="rect">
             <a:avLst/>
@@ -4235,7 +4100,7 @@
     </p:spTree>
     <p:extLst>
       <p:ext uri="{BB962C8B-B14F-4D97-AF65-F5344CB8AC3E}">
-        <p14:creationId xmlns:p14="http://schemas.microsoft.com/office/powerpoint/2010/main" val="414634064"/>
+        <p14:creationId xmlns:p14="http://schemas.microsoft.com/office/powerpoint/2010/main" val="595366526"/>
       </p:ext>
     </p:extLst>
   </p:cSld>
@@ -4264,127 +4129,10 @@
       </p:grpSpPr>
       <p:pic>
         <p:nvPicPr>
-          <p:cNvPr id="4" name="Content Placeholder 4" descr="A picture containing text, diagram, screenshot, line&#10;&#10;Description automatically generated">
-            <a:extLst>
-              <a:ext uri="{FF2B5EF4-FFF2-40B4-BE49-F238E27FC236}">
-                <a16:creationId xmlns:a16="http://schemas.microsoft.com/office/drawing/2014/main" id="{AA4B4395-ABBB-7200-61FF-2EED5C02568F}"/>
-              </a:ext>
-            </a:extLst>
-          </p:cNvPr>
-          <p:cNvPicPr>
-            <a:picLocks noChangeAspect="1"/>
-          </p:cNvPicPr>
-          <p:nvPr/>
-        </p:nvPicPr>
-        <p:blipFill rotWithShape="1">
-          <a:blip r:embed="rId3"/>
-          <a:srcRect l="7610" t="9418" r="2884" b="5652"/>
-          <a:stretch/>
-        </p:blipFill>
-        <p:spPr>
-          <a:xfrm>
-            <a:off x="147483" y="254383"/>
-            <a:ext cx="6414526" cy="3658882"/>
-          </a:xfrm>
-          <a:prstGeom prst="rect">
-            <a:avLst/>
-          </a:prstGeom>
-        </p:spPr>
-      </p:pic>
-      <p:pic>
-        <p:nvPicPr>
-          <p:cNvPr id="6" name="Picture 5" descr="A picture containing text, diagram, plot, screenshot&#10;&#10;Description automatically generated">
-            <a:extLst>
-              <a:ext uri="{FF2B5EF4-FFF2-40B4-BE49-F238E27FC236}">
-                <a16:creationId xmlns:a16="http://schemas.microsoft.com/office/drawing/2014/main" id="{F4C9FD84-2494-715E-4E94-261B0A6AA337}"/>
-              </a:ext>
-            </a:extLst>
-          </p:cNvPr>
-          <p:cNvPicPr>
-            <a:picLocks noChangeAspect="1"/>
-          </p:cNvPicPr>
-          <p:nvPr/>
-        </p:nvPicPr>
-        <p:blipFill rotWithShape="1">
-          <a:blip r:embed="rId4"/>
-          <a:srcRect t="4881"/>
-          <a:stretch/>
-        </p:blipFill>
-        <p:spPr>
-          <a:xfrm>
-            <a:off x="6202517" y="0"/>
-            <a:ext cx="5842000" cy="4167648"/>
-          </a:xfrm>
-          <a:prstGeom prst="rect">
-            <a:avLst/>
-          </a:prstGeom>
-        </p:spPr>
-      </p:pic>
-      <p:pic>
-        <p:nvPicPr>
-          <p:cNvPr id="8" name="Picture 7" descr="A picture containing text, line, screenshot, diagram&#10;&#10;Description automatically generated">
-            <a:extLst>
-              <a:ext uri="{FF2B5EF4-FFF2-40B4-BE49-F238E27FC236}">
-                <a16:creationId xmlns:a16="http://schemas.microsoft.com/office/drawing/2014/main" id="{E5622816-BA56-7203-B9ED-79ABF0ED5483}"/>
-              </a:ext>
-            </a:extLst>
-          </p:cNvPr>
-          <p:cNvPicPr>
-            <a:picLocks noChangeAspect="1"/>
-          </p:cNvPicPr>
-          <p:nvPr/>
-        </p:nvPicPr>
-        <p:blipFill rotWithShape="1">
-          <a:blip r:embed="rId5"/>
-          <a:srcRect l="5100" t="4881" r="7727" b="2028"/>
-          <a:stretch/>
-        </p:blipFill>
-        <p:spPr>
-          <a:xfrm>
-            <a:off x="3532034" y="3929773"/>
-            <a:ext cx="3656166" cy="2928227"/>
-          </a:xfrm>
-          <a:prstGeom prst="rect">
-            <a:avLst/>
-          </a:prstGeom>
-        </p:spPr>
-      </p:pic>
-    </p:spTree>
-    <p:extLst>
-      <p:ext uri="{BB962C8B-B14F-4D97-AF65-F5344CB8AC3E}">
-        <p14:creationId xmlns:p14="http://schemas.microsoft.com/office/powerpoint/2010/main" val="1589422122"/>
-      </p:ext>
-    </p:extLst>
-  </p:cSld>
-  <p:clrMapOvr>
-    <a:masterClrMapping/>
-  </p:clrMapOvr>
-</p:sld>
-</file>
-
-<file path=ppt/slides/slide5.xml><?xml version="1.0" encoding="utf-8"?>
-<p:sld xmlns:a="http://schemas.openxmlformats.org/drawingml/2006/main" xmlns:r="http://schemas.openxmlformats.org/officeDocument/2006/relationships" xmlns:p="http://schemas.openxmlformats.org/presentationml/2006/main">
-  <p:cSld>
-    <p:spTree>
-      <p:nvGrpSpPr>
-        <p:cNvPr id="1" name=""/>
-        <p:cNvGrpSpPr/>
-        <p:nvPr/>
-      </p:nvGrpSpPr>
-      <p:grpSpPr>
-        <a:xfrm>
-          <a:off x="0" y="0"/>
-          <a:ext cx="0" cy="0"/>
-          <a:chOff x="0" y="0"/>
-          <a:chExt cx="0" cy="0"/>
-        </a:xfrm>
-      </p:grpSpPr>
-      <p:pic>
-        <p:nvPicPr>
-          <p:cNvPr id="7" name="Picture 6" descr="A picture containing text, font, handwriting, line&#10;&#10;Description automatically generated">
-            <a:extLst>
-              <a:ext uri="{FF2B5EF4-FFF2-40B4-BE49-F238E27FC236}">
-                <a16:creationId xmlns:a16="http://schemas.microsoft.com/office/drawing/2014/main" id="{6150F3C9-57A5-38C8-5189-0AFD6FCEED0E}"/>
+          <p:cNvPr id="5" name="Picture 4" descr="A diagram of a network training&#10;&#10;Description automatically generated">
+            <a:extLst>
+              <a:ext uri="{FF2B5EF4-FFF2-40B4-BE49-F238E27FC236}">
+                <a16:creationId xmlns:a16="http://schemas.microsoft.com/office/drawing/2014/main" id="{129A1BF7-CCA7-5D8F-DB71-35D673ACE76C}"/>
               </a:ext>
             </a:extLst>
           </p:cNvPr>
@@ -4401,1481 +4149,8 @@
         </p:blipFill>
         <p:spPr>
           <a:xfrm>
-            <a:off x="7107381" y="472786"/>
-            <a:ext cx="4734379" cy="2658341"/>
-          </a:xfrm>
-          <a:prstGeom prst="rect">
-            <a:avLst/>
-          </a:prstGeom>
-        </p:spPr>
-      </p:pic>
-      <p:graphicFrame>
-        <p:nvGraphicFramePr>
-          <p:cNvPr id="8" name="Table 8">
-            <a:extLst>
-              <a:ext uri="{FF2B5EF4-FFF2-40B4-BE49-F238E27FC236}">
-                <a16:creationId xmlns:a16="http://schemas.microsoft.com/office/drawing/2014/main" id="{589AA887-C64C-7344-7256-0AF375DFC5AB}"/>
-              </a:ext>
-            </a:extLst>
-          </p:cNvPr>
-          <p:cNvGraphicFramePr>
-            <a:graphicFrameLocks noGrp="1"/>
-          </p:cNvGraphicFramePr>
-          <p:nvPr>
-            <p:extLst>
-              <p:ext uri="{D42A27DB-BD31-4B8C-83A1-F6EECF244321}">
-                <p14:modId xmlns:p14="http://schemas.microsoft.com/office/powerpoint/2010/main" val="872433754"/>
-              </p:ext>
-            </p:extLst>
-          </p:nvPr>
-        </p:nvGraphicFramePr>
-        <p:xfrm>
-          <a:off x="305574" y="623487"/>
-          <a:ext cx="6801807" cy="4359993"/>
-        </p:xfrm>
-        <a:graphic>
-          <a:graphicData uri="http://schemas.openxmlformats.org/drawingml/2006/table">
-            <a:tbl>
-              <a:tblPr firstRow="1" bandRow="1">
-                <a:tableStyleId>{5940675A-B579-460E-94D1-54222C63F5DA}</a:tableStyleId>
-              </a:tblPr>
-              <a:tblGrid>
-                <a:gridCol w="2267269">
-                  <a:extLst>
-                    <a:ext uri="{9D8B030D-6E8A-4147-A177-3AD203B41FA5}">
-                      <a16:colId xmlns:a16="http://schemas.microsoft.com/office/drawing/2014/main" val="4271608756"/>
-                    </a:ext>
-                  </a:extLst>
-                </a:gridCol>
-                <a:gridCol w="2267269">
-                  <a:extLst>
-                    <a:ext uri="{9D8B030D-6E8A-4147-A177-3AD203B41FA5}">
-                      <a16:colId xmlns:a16="http://schemas.microsoft.com/office/drawing/2014/main" val="1519529937"/>
-                    </a:ext>
-                  </a:extLst>
-                </a:gridCol>
-                <a:gridCol w="2267269">
-                  <a:extLst>
-                    <a:ext uri="{9D8B030D-6E8A-4147-A177-3AD203B41FA5}">
-                      <a16:colId xmlns:a16="http://schemas.microsoft.com/office/drawing/2014/main" val="2514695280"/>
-                    </a:ext>
-                  </a:extLst>
-                </a:gridCol>
-              </a:tblGrid>
-              <a:tr h="329896">
-                <a:tc>
-                  <a:txBody>
-                    <a:bodyPr/>
-                    <a:lstStyle/>
-                    <a:p>
-                      <a:r>
-                        <a:rPr lang="en-DE" b="1" dirty="0"/>
-                        <a:t>Method</a:t>
-                      </a:r>
-                    </a:p>
-                  </a:txBody>
-                  <a:tcPr/>
-                </a:tc>
-                <a:tc>
-                  <a:txBody>
-                    <a:bodyPr/>
-                    <a:lstStyle/>
-                    <a:p>
-                      <a:r>
-                        <a:rPr lang="en-DE" b="1" dirty="0"/>
-                        <a:t>Pf_hat</a:t>
-                      </a:r>
-                    </a:p>
-                  </a:txBody>
-                  <a:tcPr/>
-                </a:tc>
-                <a:tc>
-                  <a:txBody>
-                    <a:bodyPr/>
-                    <a:lstStyle/>
-                    <a:p>
-                      <a:r>
-                        <a:rPr lang="en-DE" b="1" dirty="0"/>
-                        <a:t>#function_calls</a:t>
-                      </a:r>
-                    </a:p>
-                  </a:txBody>
-                  <a:tcPr/>
-                </a:tc>
-                <a:extLst>
-                  <a:ext uri="{0D108BD9-81ED-4DB2-BD59-A6C34878D82A}">
-                    <a16:rowId xmlns:a16="http://schemas.microsoft.com/office/drawing/2014/main" val="2571112359"/>
-                  </a:ext>
-                </a:extLst>
-              </a:tr>
-              <a:tr h="329896">
-                <a:tc>
-                  <a:txBody>
-                    <a:bodyPr/>
-                    <a:lstStyle/>
-                    <a:p>
-                      <a:r>
-                        <a:rPr lang="en-DE" dirty="0"/>
-                        <a:t>MCS</a:t>
-                      </a:r>
-                    </a:p>
-                  </a:txBody>
-                  <a:tcPr/>
-                </a:tc>
-                <a:tc>
-                  <a:txBody>
-                    <a:bodyPr/>
-                    <a:lstStyle/>
-                    <a:p>
-                      <a:pPr marL="0" marR="0" lvl="0" indent="0" algn="l" defTabSz="914400" rtl="0" eaLnBrk="1" fontAlgn="auto" latinLnBrk="0" hangingPunct="1">
-                        <a:lnSpc>
-                          <a:spcPct val="100000"/>
-                        </a:lnSpc>
-                        <a:spcBef>
-                          <a:spcPts val="0"/>
-                        </a:spcBef>
-                        <a:spcAft>
-                          <a:spcPts val="0"/>
-                        </a:spcAft>
-                        <a:buClrTx/>
-                        <a:buSzTx/>
-                        <a:buFontTx/>
-                        <a:buNone/>
-                        <a:tabLst/>
-                        <a:defRPr/>
-                      </a:pPr>
-                      <a:r>
-                        <a:rPr lang="en-DE" sz="1800" kern="1200" dirty="0">
-                          <a:solidFill>
-                            <a:schemeClr val="tx1"/>
-                          </a:solidFill>
-                          <a:effectLst/>
-                          <a:latin typeface="+mn-lt"/>
-                          <a:ea typeface="+mn-ea"/>
-                          <a:cs typeface="+mn-cs"/>
-                        </a:rPr>
-                        <a:t>4.4450 </a:t>
-                      </a:r>
-                      <a:r>
-                        <a:rPr lang="en-DE" dirty="0"/>
-                        <a:t>* 10</a:t>
-                      </a:r>
-                      <a:r>
-                        <a:rPr lang="en-DE" baseline="30000" dirty="0"/>
-                        <a:t>-3 .</a:t>
-                      </a:r>
-                    </a:p>
-                    <a:p>
-                      <a:pPr marL="0" marR="0" lvl="0" indent="0" algn="l" defTabSz="914400" rtl="0" eaLnBrk="1" fontAlgn="auto" latinLnBrk="0" hangingPunct="1">
-                        <a:lnSpc>
-                          <a:spcPct val="100000"/>
-                        </a:lnSpc>
-                        <a:spcBef>
-                          <a:spcPts val="0"/>
-                        </a:spcBef>
-                        <a:spcAft>
-                          <a:spcPts val="0"/>
-                        </a:spcAft>
-                        <a:buClrTx/>
-                        <a:buSzTx/>
-                        <a:buFontTx/>
-                        <a:buNone/>
-                        <a:tabLst/>
-                        <a:defRPr/>
-                      </a:pPr>
-                      <a:r>
-                        <a:rPr lang="en-GB" dirty="0"/>
-                        <a:t>S</a:t>
-                      </a:r>
-                      <a:r>
-                        <a:rPr lang="en-DE" dirty="0"/>
-                        <a:t>td= 6.67 * 10</a:t>
-                      </a:r>
-                      <a:r>
-                        <a:rPr lang="en-DE" baseline="30000" dirty="0"/>
-                        <a:t>-5</a:t>
-                      </a:r>
-                      <a:endParaRPr lang="en-DE" dirty="0"/>
-                    </a:p>
-                  </a:txBody>
-                  <a:tcPr/>
-                </a:tc>
-                <a:tc>
-                  <a:txBody>
-                    <a:bodyPr/>
-                    <a:lstStyle/>
-                    <a:p>
-                      <a:pPr marL="0" marR="0" lvl="0" indent="0" algn="l" defTabSz="914400" rtl="0" eaLnBrk="1" fontAlgn="auto" latinLnBrk="0" hangingPunct="1">
-                        <a:lnSpc>
-                          <a:spcPct val="100000"/>
-                        </a:lnSpc>
-                        <a:spcBef>
-                          <a:spcPts val="0"/>
-                        </a:spcBef>
-                        <a:spcAft>
-                          <a:spcPts val="0"/>
-                        </a:spcAft>
-                        <a:buClrTx/>
-                        <a:buSzTx/>
-                        <a:buFontTx/>
-                        <a:buNone/>
-                        <a:tabLst/>
-                        <a:defRPr/>
-                      </a:pPr>
-                      <a:r>
-                        <a:rPr lang="en-DE" dirty="0"/>
-                        <a:t> </a:t>
-                      </a:r>
-                      <a:r>
-                        <a:rPr lang="en-DE" sz="1800" b="0" kern="1200" dirty="0">
-                          <a:solidFill>
-                            <a:schemeClr val="tx1"/>
-                          </a:solidFill>
-                          <a:effectLst/>
-                          <a:latin typeface="+mn-lt"/>
-                          <a:ea typeface="+mn-ea"/>
-                          <a:cs typeface="+mn-cs"/>
-                        </a:rPr>
-                        <a:t>10</a:t>
-                      </a:r>
-                      <a:r>
-                        <a:rPr lang="en-DE" sz="1800" b="0" kern="1200" baseline="30000" dirty="0">
-                          <a:solidFill>
-                            <a:schemeClr val="tx1"/>
-                          </a:solidFill>
-                          <a:effectLst/>
-                          <a:latin typeface="+mn-lt"/>
-                          <a:ea typeface="+mn-ea"/>
-                          <a:cs typeface="+mn-cs"/>
-                        </a:rPr>
-                        <a:t>6</a:t>
-                      </a:r>
-                      <a:endParaRPr lang="en-DE" sz="1800" b="0" kern="1200" dirty="0">
-                        <a:solidFill>
-                          <a:schemeClr val="tx1"/>
-                        </a:solidFill>
-                        <a:effectLst/>
-                        <a:latin typeface="+mn-lt"/>
-                        <a:ea typeface="+mn-ea"/>
-                        <a:cs typeface="+mn-cs"/>
-                      </a:endParaRPr>
-                    </a:p>
-                  </a:txBody>
-                  <a:tcPr/>
-                </a:tc>
-                <a:extLst>
-                  <a:ext uri="{0D108BD9-81ED-4DB2-BD59-A6C34878D82A}">
-                    <a16:rowId xmlns:a16="http://schemas.microsoft.com/office/drawing/2014/main" val="3105128545"/>
-                  </a:ext>
-                </a:extLst>
-              </a:tr>
-              <a:tr h="329896">
-                <a:tc>
-                  <a:txBody>
-                    <a:bodyPr/>
-                    <a:lstStyle/>
-                    <a:p>
-                      <a:r>
-                        <a:rPr lang="en-GB" dirty="0"/>
-                        <a:t>A</a:t>
-                      </a:r>
-                      <a:r>
-                        <a:rPr lang="en-DE" dirty="0"/>
-                        <a:t>daptive ANNs</a:t>
-                      </a:r>
-                    </a:p>
-                  </a:txBody>
-                  <a:tcPr/>
-                </a:tc>
-                <a:tc>
-                  <a:txBody>
-                    <a:bodyPr/>
-                    <a:lstStyle/>
-                    <a:p>
-                      <a:r>
-                        <a:rPr lang="en-DE" dirty="0"/>
-                        <a:t>4.196*10</a:t>
-                      </a:r>
-                      <a:r>
-                        <a:rPr lang="en-DE" baseline="30000" dirty="0"/>
-                        <a:t>-3</a:t>
-                      </a:r>
-                      <a:endParaRPr lang="en-DE" dirty="0"/>
-                    </a:p>
-                  </a:txBody>
-                  <a:tcPr/>
-                </a:tc>
-                <a:tc>
-                  <a:txBody>
-                    <a:bodyPr/>
-                    <a:lstStyle/>
-                    <a:p>
-                      <a:r>
-                        <a:rPr lang="en-DE" dirty="0"/>
-                        <a:t>125</a:t>
-                      </a:r>
-                    </a:p>
-                  </a:txBody>
-                  <a:tcPr/>
-                </a:tc>
-                <a:extLst>
-                  <a:ext uri="{0D108BD9-81ED-4DB2-BD59-A6C34878D82A}">
-                    <a16:rowId xmlns:a16="http://schemas.microsoft.com/office/drawing/2014/main" val="1753124714"/>
-                  </a:ext>
-                </a:extLst>
-              </a:tr>
-              <a:tr h="569411">
-                <a:tc>
-                  <a:txBody>
-                    <a:bodyPr/>
-                    <a:lstStyle/>
-                    <a:p>
-                      <a:pPr marL="0" marR="0" lvl="0" indent="0" algn="l" defTabSz="914400" rtl="0" eaLnBrk="1" fontAlgn="auto" latinLnBrk="0" hangingPunct="1">
-                        <a:lnSpc>
-                          <a:spcPct val="100000"/>
-                        </a:lnSpc>
-                        <a:spcBef>
-                          <a:spcPts val="0"/>
-                        </a:spcBef>
-                        <a:spcAft>
-                          <a:spcPts val="0"/>
-                        </a:spcAft>
-                        <a:buClrTx/>
-                        <a:buSzTx/>
-                        <a:buFontTx/>
-                        <a:buNone/>
-                        <a:tabLst/>
-                        <a:defRPr/>
-                      </a:pPr>
-                      <a:r>
-                        <a:rPr lang="en-GB" sz="1800" kern="1200" dirty="0">
-                          <a:solidFill>
-                            <a:schemeClr val="tx1"/>
-                          </a:solidFill>
-                          <a:effectLst/>
-                          <a:latin typeface="+mn-lt"/>
-                          <a:ea typeface="+mn-ea"/>
-                          <a:cs typeface="+mn-cs"/>
-                        </a:rPr>
-                        <a:t>Non-adaptive ANN </a:t>
-                      </a:r>
-                      <a:endParaRPr lang="en-GB" dirty="0"/>
-                    </a:p>
-                  </a:txBody>
-                  <a:tcPr/>
-                </a:tc>
-                <a:tc>
-                  <a:txBody>
-                    <a:bodyPr/>
-                    <a:lstStyle/>
-                    <a:p>
-                      <a:r>
-                        <a:rPr lang="en-DE" dirty="0"/>
-                        <a:t>4.37.* 10</a:t>
-                      </a:r>
-                      <a:r>
-                        <a:rPr lang="en-DE" baseline="30000" dirty="0"/>
-                        <a:t>-3</a:t>
-                      </a:r>
-                      <a:endParaRPr lang="en-DE" dirty="0"/>
-                    </a:p>
-                  </a:txBody>
-                  <a:tcPr/>
-                </a:tc>
-                <a:tc>
-                  <a:txBody>
-                    <a:bodyPr/>
-                    <a:lstStyle/>
-                    <a:p>
-                      <a:r>
-                        <a:rPr lang="en-DE" dirty="0"/>
-                        <a:t>150</a:t>
-                      </a:r>
-                    </a:p>
-                  </a:txBody>
-                  <a:tcPr/>
-                </a:tc>
-                <a:extLst>
-                  <a:ext uri="{0D108BD9-81ED-4DB2-BD59-A6C34878D82A}">
-                    <a16:rowId xmlns:a16="http://schemas.microsoft.com/office/drawing/2014/main" val="1001027618"/>
-                  </a:ext>
-                </a:extLst>
-              </a:tr>
-              <a:tr h="569411">
-                <a:tc>
-                  <a:txBody>
-                    <a:bodyPr/>
-                    <a:lstStyle/>
-                    <a:p>
-                      <a:pPr marL="0" marR="0" lvl="0" indent="0" algn="l" defTabSz="914400" rtl="0" eaLnBrk="1" fontAlgn="auto" latinLnBrk="0" hangingPunct="1">
-                        <a:lnSpc>
-                          <a:spcPct val="100000"/>
-                        </a:lnSpc>
-                        <a:spcBef>
-                          <a:spcPts val="0"/>
-                        </a:spcBef>
-                        <a:spcAft>
-                          <a:spcPts val="0"/>
-                        </a:spcAft>
-                        <a:buClrTx/>
-                        <a:buSzTx/>
-                        <a:buFontTx/>
-                        <a:buNone/>
-                        <a:tabLst/>
-                        <a:defRPr/>
-                      </a:pPr>
-                      <a:r>
-                        <a:rPr lang="en-GB" dirty="0"/>
-                        <a:t>AK_MCS_U random sampling</a:t>
-                      </a:r>
-                    </a:p>
-                  </a:txBody>
-                  <a:tcPr/>
-                </a:tc>
-                <a:tc>
-                  <a:txBody>
-                    <a:bodyPr/>
-                    <a:lstStyle/>
-                    <a:p>
-                      <a:r>
-                        <a:rPr lang="en-DE" dirty="0"/>
-                        <a:t>4.354*10</a:t>
-                      </a:r>
-                      <a:r>
-                        <a:rPr lang="en-DE" baseline="30000" dirty="0"/>
-                        <a:t>-3</a:t>
-                      </a:r>
-                      <a:endParaRPr lang="en-DE" dirty="0"/>
-                    </a:p>
-                  </a:txBody>
-                  <a:tcPr/>
-                </a:tc>
-                <a:tc>
-                  <a:txBody>
-                    <a:bodyPr/>
-                    <a:lstStyle/>
-                    <a:p>
-                      <a:r>
-                        <a:rPr lang="en-DE" dirty="0"/>
-                        <a:t>118</a:t>
-                      </a:r>
-                    </a:p>
-                  </a:txBody>
-                  <a:tcPr/>
-                </a:tc>
-                <a:extLst>
-                  <a:ext uri="{0D108BD9-81ED-4DB2-BD59-A6C34878D82A}">
-                    <a16:rowId xmlns:a16="http://schemas.microsoft.com/office/drawing/2014/main" val="652835626"/>
-                  </a:ext>
-                </a:extLst>
-              </a:tr>
-              <a:tr h="569411">
-                <a:tc>
-                  <a:txBody>
-                    <a:bodyPr/>
-                    <a:lstStyle/>
-                    <a:p>
-                      <a:pPr marL="0" marR="0" lvl="0" indent="0" algn="l" defTabSz="914400" rtl="0" eaLnBrk="1" fontAlgn="auto" latinLnBrk="0" hangingPunct="1">
-                        <a:lnSpc>
-                          <a:spcPct val="100000"/>
-                        </a:lnSpc>
-                        <a:spcBef>
-                          <a:spcPts val="0"/>
-                        </a:spcBef>
-                        <a:spcAft>
-                          <a:spcPts val="0"/>
-                        </a:spcAft>
-                        <a:buClrTx/>
-                        <a:buSzTx/>
-                        <a:buFontTx/>
-                        <a:buNone/>
-                        <a:tabLst/>
-                        <a:defRPr/>
-                      </a:pPr>
-                      <a:r>
-                        <a:rPr lang="en-GB" dirty="0"/>
-                        <a:t>AK_MCS_U selected sampling</a:t>
-                      </a:r>
-                    </a:p>
-                  </a:txBody>
-                  <a:tcPr/>
-                </a:tc>
-                <a:tc>
-                  <a:txBody>
-                    <a:bodyPr/>
-                    <a:lstStyle/>
-                    <a:p>
-                      <a:r>
-                        <a:rPr lang="en-DE" dirty="0"/>
-                        <a:t>4.418* 10</a:t>
-                      </a:r>
-                      <a:r>
-                        <a:rPr lang="en-DE" baseline="30000" dirty="0"/>
-                        <a:t>-3</a:t>
-                      </a:r>
-                      <a:endParaRPr lang="en-DE" dirty="0"/>
-                    </a:p>
-                  </a:txBody>
-                  <a:tcPr/>
-                </a:tc>
-                <a:tc>
-                  <a:txBody>
-                    <a:bodyPr/>
-                    <a:lstStyle/>
-                    <a:p>
-                      <a:r>
-                        <a:rPr lang="en-DE" dirty="0"/>
-                        <a:t>53</a:t>
-                      </a:r>
-                    </a:p>
-                  </a:txBody>
-                  <a:tcPr/>
-                </a:tc>
-                <a:extLst>
-                  <a:ext uri="{0D108BD9-81ED-4DB2-BD59-A6C34878D82A}">
-                    <a16:rowId xmlns:a16="http://schemas.microsoft.com/office/drawing/2014/main" val="133814415"/>
-                  </a:ext>
-                </a:extLst>
-              </a:tr>
-              <a:tr h="569411">
-                <a:tc>
-                  <a:txBody>
-                    <a:bodyPr/>
-                    <a:lstStyle/>
-                    <a:p>
-                      <a:pPr marL="0" marR="0" lvl="0" indent="0" algn="l" defTabSz="914400" rtl="0" eaLnBrk="1" fontAlgn="auto" latinLnBrk="0" hangingPunct="1">
-                        <a:lnSpc>
-                          <a:spcPct val="100000"/>
-                        </a:lnSpc>
-                        <a:spcBef>
-                          <a:spcPts val="0"/>
-                        </a:spcBef>
-                        <a:spcAft>
-                          <a:spcPts val="0"/>
-                        </a:spcAft>
-                        <a:buClrTx/>
-                        <a:buSzTx/>
-                        <a:buFontTx/>
-                        <a:buNone/>
-                        <a:tabLst/>
-                        <a:defRPr/>
-                      </a:pPr>
-                      <a:r>
-                        <a:rPr lang="en-GB" dirty="0" err="1"/>
-                        <a:t>NN_classifier</a:t>
-                      </a:r>
-                      <a:endParaRPr lang="en-GB" dirty="0"/>
-                    </a:p>
-                  </a:txBody>
-                  <a:tcPr/>
-                </a:tc>
-                <a:tc>
-                  <a:txBody>
-                    <a:bodyPr/>
-                    <a:lstStyle/>
-                    <a:p>
-                      <a:r>
-                        <a:rPr lang="en-DE" dirty="0"/>
-                        <a:t>4.38 * 10</a:t>
-                      </a:r>
-                      <a:r>
-                        <a:rPr lang="en-DE" baseline="30000" dirty="0"/>
-                        <a:t>-3</a:t>
-                      </a:r>
-                    </a:p>
-                  </a:txBody>
-                  <a:tcPr/>
-                </a:tc>
-                <a:tc>
-                  <a:txBody>
-                    <a:bodyPr/>
-                    <a:lstStyle/>
-                    <a:p>
-                      <a:r>
-                        <a:rPr lang="en-DE" dirty="0"/>
-                        <a:t>500 </a:t>
-                      </a:r>
-                    </a:p>
-                  </a:txBody>
-                  <a:tcPr/>
-                </a:tc>
-                <a:extLst>
-                  <a:ext uri="{0D108BD9-81ED-4DB2-BD59-A6C34878D82A}">
-                    <a16:rowId xmlns:a16="http://schemas.microsoft.com/office/drawing/2014/main" val="2903294785"/>
-                  </a:ext>
-                </a:extLst>
-              </a:tr>
-              <a:tr h="569411">
-                <a:tc>
-                  <a:txBody>
-                    <a:bodyPr/>
-                    <a:lstStyle/>
-                    <a:p>
-                      <a:pPr marL="0" marR="0" lvl="0" indent="0" algn="l" defTabSz="914400" rtl="0" eaLnBrk="1" fontAlgn="auto" latinLnBrk="0" hangingPunct="1">
-                        <a:lnSpc>
-                          <a:spcPct val="100000"/>
-                        </a:lnSpc>
-                        <a:spcBef>
-                          <a:spcPts val="0"/>
-                        </a:spcBef>
-                        <a:spcAft>
-                          <a:spcPts val="0"/>
-                        </a:spcAft>
-                        <a:buClrTx/>
-                        <a:buSzTx/>
-                        <a:buFontTx/>
-                        <a:buNone/>
-                        <a:tabLst/>
-                        <a:defRPr/>
-                      </a:pPr>
-                      <a:r>
-                        <a:rPr lang="en-GB" dirty="0"/>
-                        <a:t>Reference (kriging)</a:t>
-                      </a:r>
-                    </a:p>
-                  </a:txBody>
-                  <a:tcPr/>
-                </a:tc>
-                <a:tc>
-                  <a:txBody>
-                    <a:bodyPr/>
-                    <a:lstStyle/>
-                    <a:p>
-                      <a:pPr marL="0" marR="0" lvl="0" indent="0" algn="l" defTabSz="914400" rtl="0" eaLnBrk="1" fontAlgn="auto" latinLnBrk="0" hangingPunct="1">
-                        <a:lnSpc>
-                          <a:spcPct val="100000"/>
-                        </a:lnSpc>
-                        <a:spcBef>
-                          <a:spcPts val="0"/>
-                        </a:spcBef>
-                        <a:spcAft>
-                          <a:spcPts val="0"/>
-                        </a:spcAft>
-                        <a:buClrTx/>
-                        <a:buSzTx/>
-                        <a:buFontTx/>
-                        <a:buNone/>
-                        <a:tabLst/>
-                        <a:defRPr/>
-                      </a:pPr>
-                      <a:r>
-                        <a:rPr lang="en-DE" sz="1800" kern="1200" dirty="0">
-                          <a:solidFill>
-                            <a:schemeClr val="tx1"/>
-                          </a:solidFill>
-                          <a:effectLst/>
-                          <a:latin typeface="+mn-lt"/>
-                          <a:ea typeface="+mn-ea"/>
-                          <a:cs typeface="+mn-cs"/>
-                        </a:rPr>
-                        <a:t>4.416 * </a:t>
-                      </a:r>
-                      <a:r>
-                        <a:rPr lang="en-DE" dirty="0"/>
-                        <a:t>10</a:t>
-                      </a:r>
-                      <a:r>
-                        <a:rPr lang="en-DE" baseline="30000" dirty="0"/>
-                        <a:t>-3</a:t>
-                      </a:r>
-                    </a:p>
-                  </a:txBody>
-                  <a:tcPr/>
-                </a:tc>
-                <a:tc>
-                  <a:txBody>
-                    <a:bodyPr/>
-                    <a:lstStyle/>
-                    <a:p>
-                      <a:r>
-                        <a:rPr lang="en-DE" dirty="0"/>
-                        <a:t>126</a:t>
-                      </a:r>
-                    </a:p>
-                  </a:txBody>
-                  <a:tcPr/>
-                </a:tc>
-                <a:extLst>
-                  <a:ext uri="{0D108BD9-81ED-4DB2-BD59-A6C34878D82A}">
-                    <a16:rowId xmlns:a16="http://schemas.microsoft.com/office/drawing/2014/main" val="510360930"/>
-                  </a:ext>
-                </a:extLst>
-              </a:tr>
-            </a:tbl>
-          </a:graphicData>
-        </a:graphic>
-      </p:graphicFrame>
-    </p:spTree>
-    <p:extLst>
-      <p:ext uri="{BB962C8B-B14F-4D97-AF65-F5344CB8AC3E}">
-        <p14:creationId xmlns:p14="http://schemas.microsoft.com/office/powerpoint/2010/main" val="745488931"/>
-      </p:ext>
-    </p:extLst>
-  </p:cSld>
-  <p:clrMapOvr>
-    <a:masterClrMapping/>
-  </p:clrMapOvr>
-</p:sld>
-</file>
-
-<file path=ppt/slides/slide6.xml><?xml version="1.0" encoding="utf-8"?>
-<p:sld xmlns:a="http://schemas.openxmlformats.org/drawingml/2006/main" xmlns:r="http://schemas.openxmlformats.org/officeDocument/2006/relationships" xmlns:p="http://schemas.openxmlformats.org/presentationml/2006/main">
-  <p:cSld>
-    <p:spTree>
-      <p:nvGrpSpPr>
-        <p:cNvPr id="1" name=""/>
-        <p:cNvGrpSpPr/>
-        <p:nvPr/>
-      </p:nvGrpSpPr>
-      <p:grpSpPr>
-        <a:xfrm>
-          <a:off x="0" y="0"/>
-          <a:ext cx="0" cy="0"/>
-          <a:chOff x="0" y="0"/>
-          <a:chExt cx="0" cy="0"/>
-        </a:xfrm>
-      </p:grpSpPr>
-      <p:graphicFrame>
-        <p:nvGraphicFramePr>
-          <p:cNvPr id="4" name="Table 8">
-            <a:extLst>
-              <a:ext uri="{FF2B5EF4-FFF2-40B4-BE49-F238E27FC236}">
-                <a16:creationId xmlns:a16="http://schemas.microsoft.com/office/drawing/2014/main" id="{B6810B5C-23FE-768F-DCEC-6AC0B6164B30}"/>
-              </a:ext>
-            </a:extLst>
-          </p:cNvPr>
-          <p:cNvGraphicFramePr>
-            <a:graphicFrameLocks noGrp="1"/>
-          </p:cNvGraphicFramePr>
-          <p:nvPr>
-            <p:extLst>
-              <p:ext uri="{D42A27DB-BD31-4B8C-83A1-F6EECF244321}">
-                <p14:modId xmlns:p14="http://schemas.microsoft.com/office/powerpoint/2010/main" val="2629815257"/>
-              </p:ext>
-            </p:extLst>
-          </p:nvPr>
-        </p:nvGraphicFramePr>
-        <p:xfrm>
-          <a:off x="305574" y="623487"/>
-          <a:ext cx="6801807" cy="4359993"/>
-        </p:xfrm>
-        <a:graphic>
-          <a:graphicData uri="http://schemas.openxmlformats.org/drawingml/2006/table">
-            <a:tbl>
-              <a:tblPr firstRow="1" bandRow="1">
-                <a:tableStyleId>{5940675A-B579-460E-94D1-54222C63F5DA}</a:tableStyleId>
-              </a:tblPr>
-              <a:tblGrid>
-                <a:gridCol w="2267269">
-                  <a:extLst>
-                    <a:ext uri="{9D8B030D-6E8A-4147-A177-3AD203B41FA5}">
-                      <a16:colId xmlns:a16="http://schemas.microsoft.com/office/drawing/2014/main" val="4271608756"/>
-                    </a:ext>
-                  </a:extLst>
-                </a:gridCol>
-                <a:gridCol w="2267269">
-                  <a:extLst>
-                    <a:ext uri="{9D8B030D-6E8A-4147-A177-3AD203B41FA5}">
-                      <a16:colId xmlns:a16="http://schemas.microsoft.com/office/drawing/2014/main" val="1519529937"/>
-                    </a:ext>
-                  </a:extLst>
-                </a:gridCol>
-                <a:gridCol w="2267269">
-                  <a:extLst>
-                    <a:ext uri="{9D8B030D-6E8A-4147-A177-3AD203B41FA5}">
-                      <a16:colId xmlns:a16="http://schemas.microsoft.com/office/drawing/2014/main" val="2514695280"/>
-                    </a:ext>
-                  </a:extLst>
-                </a:gridCol>
-              </a:tblGrid>
-              <a:tr h="329896">
-                <a:tc>
-                  <a:txBody>
-                    <a:bodyPr/>
-                    <a:lstStyle/>
-                    <a:p>
-                      <a:r>
-                        <a:rPr lang="en-DE" b="1" dirty="0"/>
-                        <a:t>Method</a:t>
-                      </a:r>
-                    </a:p>
-                  </a:txBody>
-                  <a:tcPr/>
-                </a:tc>
-                <a:tc>
-                  <a:txBody>
-                    <a:bodyPr/>
-                    <a:lstStyle/>
-                    <a:p>
-                      <a:r>
-                        <a:rPr lang="en-DE" b="1" dirty="0"/>
-                        <a:t>Pf_hat</a:t>
-                      </a:r>
-                    </a:p>
-                  </a:txBody>
-                  <a:tcPr/>
-                </a:tc>
-                <a:tc>
-                  <a:txBody>
-                    <a:bodyPr/>
-                    <a:lstStyle/>
-                    <a:p>
-                      <a:r>
-                        <a:rPr lang="en-DE" b="1" dirty="0"/>
-                        <a:t>#function_calls</a:t>
-                      </a:r>
-                    </a:p>
-                  </a:txBody>
-                  <a:tcPr/>
-                </a:tc>
-                <a:extLst>
-                  <a:ext uri="{0D108BD9-81ED-4DB2-BD59-A6C34878D82A}">
-                    <a16:rowId xmlns:a16="http://schemas.microsoft.com/office/drawing/2014/main" val="2571112359"/>
-                  </a:ext>
-                </a:extLst>
-              </a:tr>
-              <a:tr h="329896">
-                <a:tc>
-                  <a:txBody>
-                    <a:bodyPr/>
-                    <a:lstStyle/>
-                    <a:p>
-                      <a:r>
-                        <a:rPr lang="en-DE" dirty="0"/>
-                        <a:t>MCS</a:t>
-                      </a:r>
-                    </a:p>
-                  </a:txBody>
-                  <a:tcPr/>
-                </a:tc>
-                <a:tc>
-                  <a:txBody>
-                    <a:bodyPr/>
-                    <a:lstStyle/>
-                    <a:p>
-                      <a:pPr marL="0" marR="0" lvl="0" indent="0" algn="l" defTabSz="914400" rtl="0" eaLnBrk="1" fontAlgn="auto" latinLnBrk="0" hangingPunct="1">
-                        <a:lnSpc>
-                          <a:spcPct val="100000"/>
-                        </a:lnSpc>
-                        <a:spcBef>
-                          <a:spcPts val="0"/>
-                        </a:spcBef>
-                        <a:spcAft>
-                          <a:spcPts val="0"/>
-                        </a:spcAft>
-                        <a:buClrTx/>
-                        <a:buSzTx/>
-                        <a:buFontTx/>
-                        <a:buNone/>
-                        <a:tabLst/>
-                        <a:defRPr/>
-                      </a:pPr>
-                      <a:r>
-                        <a:rPr lang="en-DE" sz="1800" kern="1200" dirty="0">
-                          <a:solidFill>
-                            <a:schemeClr val="tx1"/>
-                          </a:solidFill>
-                          <a:latin typeface="+mn-lt"/>
-                          <a:ea typeface="+mn-ea"/>
-                          <a:cs typeface="+mn-cs"/>
-                        </a:rPr>
-                        <a:t>2.254e-2</a:t>
-                      </a:r>
-                    </a:p>
-                  </a:txBody>
-                  <a:tcPr/>
-                </a:tc>
-                <a:tc>
-                  <a:txBody>
-                    <a:bodyPr/>
-                    <a:lstStyle/>
-                    <a:p>
-                      <a:pPr marL="0" marR="0" lvl="0" indent="0" algn="l" defTabSz="914400" rtl="0" eaLnBrk="1" fontAlgn="auto" latinLnBrk="0" hangingPunct="1">
-                        <a:lnSpc>
-                          <a:spcPct val="100000"/>
-                        </a:lnSpc>
-                        <a:spcBef>
-                          <a:spcPts val="0"/>
-                        </a:spcBef>
-                        <a:spcAft>
-                          <a:spcPts val="0"/>
-                        </a:spcAft>
-                        <a:buClrTx/>
-                        <a:buSzTx/>
-                        <a:buFontTx/>
-                        <a:buNone/>
-                        <a:tabLst/>
-                        <a:defRPr/>
-                      </a:pPr>
-                      <a:r>
-                        <a:rPr lang="en-DE" dirty="0"/>
-                        <a:t>3*</a:t>
-                      </a:r>
-                      <a:r>
-                        <a:rPr lang="en-DE" sz="1800" b="0" kern="1200" dirty="0">
-                          <a:solidFill>
-                            <a:schemeClr val="tx1"/>
-                          </a:solidFill>
-                          <a:effectLst/>
-                          <a:latin typeface="+mn-lt"/>
-                          <a:ea typeface="+mn-ea"/>
-                          <a:cs typeface="+mn-cs"/>
-                        </a:rPr>
-                        <a:t>10</a:t>
-                      </a:r>
-                      <a:r>
-                        <a:rPr lang="en-DE" sz="1800" b="0" kern="1200" baseline="30000" dirty="0">
-                          <a:solidFill>
-                            <a:schemeClr val="tx1"/>
-                          </a:solidFill>
-                          <a:effectLst/>
-                          <a:latin typeface="+mn-lt"/>
-                          <a:ea typeface="+mn-ea"/>
-                          <a:cs typeface="+mn-cs"/>
-                        </a:rPr>
-                        <a:t>5</a:t>
-                      </a:r>
-                      <a:endParaRPr lang="en-DE" sz="1800" b="0" kern="1200" dirty="0">
-                        <a:solidFill>
-                          <a:schemeClr val="tx1"/>
-                        </a:solidFill>
-                        <a:effectLst/>
-                        <a:latin typeface="+mn-lt"/>
-                        <a:ea typeface="+mn-ea"/>
-                        <a:cs typeface="+mn-cs"/>
-                      </a:endParaRPr>
-                    </a:p>
-                  </a:txBody>
-                  <a:tcPr/>
-                </a:tc>
-                <a:extLst>
-                  <a:ext uri="{0D108BD9-81ED-4DB2-BD59-A6C34878D82A}">
-                    <a16:rowId xmlns:a16="http://schemas.microsoft.com/office/drawing/2014/main" val="3105128545"/>
-                  </a:ext>
-                </a:extLst>
-              </a:tr>
-              <a:tr h="329896">
-                <a:tc>
-                  <a:txBody>
-                    <a:bodyPr/>
-                    <a:lstStyle/>
-                    <a:p>
-                      <a:r>
-                        <a:rPr lang="en-GB" dirty="0"/>
-                        <a:t>A</a:t>
-                      </a:r>
-                      <a:r>
-                        <a:rPr lang="en-DE" dirty="0"/>
-                        <a:t>daptive ANNs</a:t>
-                      </a:r>
-                    </a:p>
-                  </a:txBody>
-                  <a:tcPr/>
-                </a:tc>
-                <a:tc>
-                  <a:txBody>
-                    <a:bodyPr/>
-                    <a:lstStyle/>
-                    <a:p>
-                      <a:r>
-                        <a:rPr lang="en-DE" dirty="0"/>
-                        <a:t>2.317e-2</a:t>
-                      </a:r>
-                    </a:p>
-                  </a:txBody>
-                  <a:tcPr/>
-                </a:tc>
-                <a:tc>
-                  <a:txBody>
-                    <a:bodyPr/>
-                    <a:lstStyle/>
-                    <a:p>
-                      <a:r>
-                        <a:rPr lang="en-DE" dirty="0"/>
-                        <a:t>155</a:t>
-                      </a:r>
-                    </a:p>
-                  </a:txBody>
-                  <a:tcPr/>
-                </a:tc>
-                <a:extLst>
-                  <a:ext uri="{0D108BD9-81ED-4DB2-BD59-A6C34878D82A}">
-                    <a16:rowId xmlns:a16="http://schemas.microsoft.com/office/drawing/2014/main" val="1753124714"/>
-                  </a:ext>
-                </a:extLst>
-              </a:tr>
-              <a:tr h="569411">
-                <a:tc>
-                  <a:txBody>
-                    <a:bodyPr/>
-                    <a:lstStyle/>
-                    <a:p>
-                      <a:pPr marL="0" marR="0" lvl="0" indent="0" algn="l" defTabSz="914400" rtl="0" eaLnBrk="1" fontAlgn="auto" latinLnBrk="0" hangingPunct="1">
-                        <a:lnSpc>
-                          <a:spcPct val="100000"/>
-                        </a:lnSpc>
-                        <a:spcBef>
-                          <a:spcPts val="0"/>
-                        </a:spcBef>
-                        <a:spcAft>
-                          <a:spcPts val="0"/>
-                        </a:spcAft>
-                        <a:buClrTx/>
-                        <a:buSzTx/>
-                        <a:buFontTx/>
-                        <a:buNone/>
-                        <a:tabLst/>
-                        <a:defRPr/>
-                      </a:pPr>
-                      <a:r>
-                        <a:rPr lang="en-GB" sz="1800" kern="1200" dirty="0">
-                          <a:solidFill>
-                            <a:schemeClr val="tx1"/>
-                          </a:solidFill>
-                          <a:effectLst/>
-                          <a:latin typeface="+mn-lt"/>
-                          <a:ea typeface="+mn-ea"/>
-                          <a:cs typeface="+mn-cs"/>
-                        </a:rPr>
-                        <a:t>Non-adaptive ANN </a:t>
-                      </a:r>
-                      <a:endParaRPr lang="en-GB" dirty="0"/>
-                    </a:p>
-                  </a:txBody>
-                  <a:tcPr/>
-                </a:tc>
-                <a:tc>
-                  <a:txBody>
-                    <a:bodyPr/>
-                    <a:lstStyle/>
-                    <a:p>
-                      <a:r>
-                        <a:rPr lang="en-DE" dirty="0"/>
-                        <a:t>2.855e-2</a:t>
-                      </a:r>
-                    </a:p>
-                  </a:txBody>
-                  <a:tcPr/>
-                </a:tc>
-                <a:tc>
-                  <a:txBody>
-                    <a:bodyPr/>
-                    <a:lstStyle/>
-                    <a:p>
-                      <a:r>
-                        <a:rPr lang="en-DE" dirty="0"/>
-                        <a:t>200</a:t>
-                      </a:r>
-                    </a:p>
-                  </a:txBody>
-                  <a:tcPr/>
-                </a:tc>
-                <a:extLst>
-                  <a:ext uri="{0D108BD9-81ED-4DB2-BD59-A6C34878D82A}">
-                    <a16:rowId xmlns:a16="http://schemas.microsoft.com/office/drawing/2014/main" val="1001027618"/>
-                  </a:ext>
-                </a:extLst>
-              </a:tr>
-              <a:tr h="569411">
-                <a:tc>
-                  <a:txBody>
-                    <a:bodyPr/>
-                    <a:lstStyle/>
-                    <a:p>
-                      <a:pPr marL="0" marR="0" lvl="0" indent="0" algn="l" defTabSz="914400" rtl="0" eaLnBrk="1" fontAlgn="auto" latinLnBrk="0" hangingPunct="1">
-                        <a:lnSpc>
-                          <a:spcPct val="100000"/>
-                        </a:lnSpc>
-                        <a:spcBef>
-                          <a:spcPts val="0"/>
-                        </a:spcBef>
-                        <a:spcAft>
-                          <a:spcPts val="0"/>
-                        </a:spcAft>
-                        <a:buClrTx/>
-                        <a:buSzTx/>
-                        <a:buFontTx/>
-                        <a:buNone/>
-                        <a:tabLst/>
-                        <a:defRPr/>
-                      </a:pPr>
-                      <a:r>
-                        <a:rPr lang="en-GB" dirty="0"/>
-                        <a:t>AK_MCS_U random initial sampling</a:t>
-                      </a:r>
-                    </a:p>
-                  </a:txBody>
-                  <a:tcPr/>
-                </a:tc>
-                <a:tc>
-                  <a:txBody>
-                    <a:bodyPr/>
-                    <a:lstStyle/>
-                    <a:p>
-                      <a:r>
-                        <a:rPr lang="en-DE" dirty="0"/>
-                        <a:t>*</a:t>
-                      </a:r>
-                    </a:p>
-                  </a:txBody>
-                  <a:tcPr/>
-                </a:tc>
-                <a:tc>
-                  <a:txBody>
-                    <a:bodyPr/>
-                    <a:lstStyle/>
-                    <a:p>
-                      <a:r>
-                        <a:rPr lang="en-DE" dirty="0"/>
-                        <a:t>*</a:t>
-                      </a:r>
-                    </a:p>
-                  </a:txBody>
-                  <a:tcPr/>
-                </a:tc>
-                <a:extLst>
-                  <a:ext uri="{0D108BD9-81ED-4DB2-BD59-A6C34878D82A}">
-                    <a16:rowId xmlns:a16="http://schemas.microsoft.com/office/drawing/2014/main" val="652835626"/>
-                  </a:ext>
-                </a:extLst>
-              </a:tr>
-              <a:tr h="569411">
-                <a:tc>
-                  <a:txBody>
-                    <a:bodyPr/>
-                    <a:lstStyle/>
-                    <a:p>
-                      <a:pPr marL="0" marR="0" lvl="0" indent="0" algn="l" defTabSz="914400" rtl="0" eaLnBrk="1" fontAlgn="auto" latinLnBrk="0" hangingPunct="1">
-                        <a:lnSpc>
-                          <a:spcPct val="100000"/>
-                        </a:lnSpc>
-                        <a:spcBef>
-                          <a:spcPts val="0"/>
-                        </a:spcBef>
-                        <a:spcAft>
-                          <a:spcPts val="0"/>
-                        </a:spcAft>
-                        <a:buClrTx/>
-                        <a:buSzTx/>
-                        <a:buFontTx/>
-                        <a:buNone/>
-                        <a:tabLst/>
-                        <a:defRPr/>
-                      </a:pPr>
-                      <a:r>
-                        <a:rPr lang="en-GB" dirty="0"/>
-                        <a:t>AK_MCS_U selected initial</a:t>
-                      </a:r>
-                    </a:p>
-                    <a:p>
-                      <a:pPr marL="0" marR="0" lvl="0" indent="0" algn="l" defTabSz="914400" rtl="0" eaLnBrk="1" fontAlgn="auto" latinLnBrk="0" hangingPunct="1">
-                        <a:lnSpc>
-                          <a:spcPct val="100000"/>
-                        </a:lnSpc>
-                        <a:spcBef>
-                          <a:spcPts val="0"/>
-                        </a:spcBef>
-                        <a:spcAft>
-                          <a:spcPts val="0"/>
-                        </a:spcAft>
-                        <a:buClrTx/>
-                        <a:buSzTx/>
-                        <a:buFontTx/>
-                        <a:buNone/>
-                        <a:tabLst/>
-                        <a:defRPr/>
-                      </a:pPr>
-                      <a:r>
-                        <a:rPr lang="en-GB" dirty="0"/>
-                        <a:t> sampling</a:t>
-                      </a:r>
-                    </a:p>
-                  </a:txBody>
-                  <a:tcPr/>
-                </a:tc>
-                <a:tc>
-                  <a:txBody>
-                    <a:bodyPr/>
-                    <a:lstStyle/>
-                    <a:p>
-                      <a:r>
-                        <a:rPr lang="de-DE" dirty="0"/>
-                        <a:t>2.2e-2</a:t>
-                      </a:r>
-                      <a:endParaRPr lang="en-DE" dirty="0"/>
-                    </a:p>
-                  </a:txBody>
-                  <a:tcPr/>
-                </a:tc>
-                <a:tc>
-                  <a:txBody>
-                    <a:bodyPr/>
-                    <a:lstStyle/>
-                    <a:p>
-                      <a:r>
-                        <a:rPr lang="en-DE" dirty="0"/>
-                        <a:t>340</a:t>
-                      </a:r>
-                    </a:p>
-                  </a:txBody>
-                  <a:tcPr/>
-                </a:tc>
-                <a:extLst>
-                  <a:ext uri="{0D108BD9-81ED-4DB2-BD59-A6C34878D82A}">
-                    <a16:rowId xmlns:a16="http://schemas.microsoft.com/office/drawing/2014/main" val="133814415"/>
-                  </a:ext>
-                </a:extLst>
-              </a:tr>
-              <a:tr h="569411">
-                <a:tc>
-                  <a:txBody>
-                    <a:bodyPr/>
-                    <a:lstStyle/>
-                    <a:p>
-                      <a:pPr marL="0" marR="0" lvl="0" indent="0" algn="l" defTabSz="914400" rtl="0" eaLnBrk="1" fontAlgn="auto" latinLnBrk="0" hangingPunct="1">
-                        <a:lnSpc>
-                          <a:spcPct val="100000"/>
-                        </a:lnSpc>
-                        <a:spcBef>
-                          <a:spcPts val="0"/>
-                        </a:spcBef>
-                        <a:spcAft>
-                          <a:spcPts val="0"/>
-                        </a:spcAft>
-                        <a:buClrTx/>
-                        <a:buSzTx/>
-                        <a:buFontTx/>
-                        <a:buNone/>
-                        <a:tabLst/>
-                        <a:defRPr/>
-                      </a:pPr>
-                      <a:r>
-                        <a:rPr lang="en-GB" dirty="0" err="1"/>
-                        <a:t>NN_classifier</a:t>
-                      </a:r>
-                      <a:endParaRPr lang="en-GB" dirty="0"/>
-                    </a:p>
-                  </a:txBody>
-                  <a:tcPr/>
-                </a:tc>
-                <a:tc>
-                  <a:txBody>
-                    <a:bodyPr/>
-                    <a:lstStyle/>
-                    <a:p>
-                      <a:r>
-                        <a:rPr lang="de-DE" dirty="0"/>
-                        <a:t>2..377e-2</a:t>
-                      </a:r>
-                      <a:endParaRPr lang="en-DE" baseline="30000" dirty="0"/>
-                    </a:p>
-                  </a:txBody>
-                  <a:tcPr/>
-                </a:tc>
-                <a:tc>
-                  <a:txBody>
-                    <a:bodyPr/>
-                    <a:lstStyle/>
-                    <a:p>
-                      <a:r>
-                        <a:rPr lang="en-DE" dirty="0"/>
-                        <a:t>5000 </a:t>
-                      </a:r>
-                    </a:p>
-                  </a:txBody>
-                  <a:tcPr/>
-                </a:tc>
-                <a:extLst>
-                  <a:ext uri="{0D108BD9-81ED-4DB2-BD59-A6C34878D82A}">
-                    <a16:rowId xmlns:a16="http://schemas.microsoft.com/office/drawing/2014/main" val="2903294785"/>
-                  </a:ext>
-                </a:extLst>
-              </a:tr>
-              <a:tr h="569411">
-                <a:tc>
-                  <a:txBody>
-                    <a:bodyPr/>
-                    <a:lstStyle/>
-                    <a:p>
-                      <a:pPr marL="0" marR="0" lvl="0" indent="0" algn="l" defTabSz="914400" rtl="0" eaLnBrk="1" fontAlgn="auto" latinLnBrk="0" hangingPunct="1">
-                        <a:lnSpc>
-                          <a:spcPct val="100000"/>
-                        </a:lnSpc>
-                        <a:spcBef>
-                          <a:spcPts val="0"/>
-                        </a:spcBef>
-                        <a:spcAft>
-                          <a:spcPts val="0"/>
-                        </a:spcAft>
-                        <a:buClrTx/>
-                        <a:buSzTx/>
-                        <a:buFontTx/>
-                        <a:buNone/>
-                        <a:tabLst/>
-                        <a:defRPr/>
-                      </a:pPr>
-                      <a:r>
-                        <a:rPr lang="en-GB" dirty="0"/>
-                        <a:t>Reference </a:t>
-                      </a:r>
-                      <a:r>
-                        <a:rPr lang="en-GB" dirty="0" err="1"/>
-                        <a:t>mcs</a:t>
-                      </a:r>
-                      <a:endParaRPr lang="en-GB" dirty="0"/>
-                    </a:p>
-                  </a:txBody>
-                  <a:tcPr/>
-                </a:tc>
-                <a:tc>
-                  <a:txBody>
-                    <a:bodyPr/>
-                    <a:lstStyle/>
-                    <a:p>
-                      <a:r>
-                        <a:rPr lang="en-DE" sz="1800" kern="1200" dirty="0">
-                          <a:solidFill>
-                            <a:schemeClr val="tx1"/>
-                          </a:solidFill>
-                          <a:effectLst/>
-                          <a:latin typeface="+mn-lt"/>
-                          <a:ea typeface="+mn-ea"/>
-                          <a:cs typeface="+mn-cs"/>
-                        </a:rPr>
-                        <a:t>2.8343e-2 </a:t>
-                      </a:r>
-                      <a:endParaRPr lang="en-DE" dirty="0"/>
-                    </a:p>
-                  </a:txBody>
-                  <a:tcPr/>
-                </a:tc>
-                <a:tc>
-                  <a:txBody>
-                    <a:bodyPr/>
-                    <a:lstStyle/>
-                    <a:p>
-                      <a:pPr marL="0" marR="0" lvl="0" indent="0" algn="l" defTabSz="914400" rtl="0" eaLnBrk="1" fontAlgn="auto" latinLnBrk="0" hangingPunct="1">
-                        <a:lnSpc>
-                          <a:spcPct val="100000"/>
-                        </a:lnSpc>
-                        <a:spcBef>
-                          <a:spcPts val="0"/>
-                        </a:spcBef>
-                        <a:spcAft>
-                          <a:spcPts val="0"/>
-                        </a:spcAft>
-                        <a:buClrTx/>
-                        <a:buSzTx/>
-                        <a:buFontTx/>
-                        <a:buNone/>
-                        <a:tabLst/>
-                        <a:defRPr/>
-                      </a:pPr>
-                      <a:r>
-                        <a:rPr lang="en-DE" dirty="0"/>
-                        <a:t> 3*</a:t>
-                      </a:r>
-                      <a:r>
-                        <a:rPr lang="en-DE" sz="1800" b="0" kern="1200" dirty="0">
-                          <a:solidFill>
-                            <a:schemeClr val="tx1"/>
-                          </a:solidFill>
-                          <a:effectLst/>
-                          <a:latin typeface="+mn-lt"/>
-                          <a:ea typeface="+mn-ea"/>
-                          <a:cs typeface="+mn-cs"/>
-                        </a:rPr>
-                        <a:t>10</a:t>
-                      </a:r>
-                      <a:r>
-                        <a:rPr lang="en-DE" sz="1800" b="0" kern="1200" baseline="30000" dirty="0">
-                          <a:solidFill>
-                            <a:schemeClr val="tx1"/>
-                          </a:solidFill>
-                          <a:effectLst/>
-                          <a:latin typeface="+mn-lt"/>
-                          <a:ea typeface="+mn-ea"/>
-                          <a:cs typeface="+mn-cs"/>
-                        </a:rPr>
-                        <a:t>5</a:t>
-                      </a:r>
-                      <a:endParaRPr lang="en-DE" sz="1800" b="0" kern="1200" dirty="0">
-                        <a:solidFill>
-                          <a:schemeClr val="tx1"/>
-                        </a:solidFill>
-                        <a:effectLst/>
-                        <a:latin typeface="+mn-lt"/>
-                        <a:ea typeface="+mn-ea"/>
-                        <a:cs typeface="+mn-cs"/>
-                      </a:endParaRPr>
-                    </a:p>
-                  </a:txBody>
-                  <a:tcPr/>
-                </a:tc>
-                <a:extLst>
-                  <a:ext uri="{0D108BD9-81ED-4DB2-BD59-A6C34878D82A}">
-                    <a16:rowId xmlns:a16="http://schemas.microsoft.com/office/drawing/2014/main" val="510360930"/>
-                  </a:ext>
-                </a:extLst>
-              </a:tr>
-            </a:tbl>
-          </a:graphicData>
-        </a:graphic>
-      </p:graphicFrame>
-      <p:pic>
-        <p:nvPicPr>
-          <p:cNvPr id="6" name="Picture 5" descr="A picture containing text, font, white, line&#10;&#10;Description automatically generated">
-            <a:extLst>
-              <a:ext uri="{FF2B5EF4-FFF2-40B4-BE49-F238E27FC236}">
-                <a16:creationId xmlns:a16="http://schemas.microsoft.com/office/drawing/2014/main" id="{17C5D12D-5710-FE2C-1028-0C1E90FCC85E}"/>
-              </a:ext>
-            </a:extLst>
-          </p:cNvPr>
-          <p:cNvPicPr>
-            <a:picLocks noChangeAspect="1"/>
-          </p:cNvPicPr>
-          <p:nvPr/>
-        </p:nvPicPr>
-        <p:blipFill>
-          <a:blip r:embed="rId2"/>
-          <a:stretch>
-            <a:fillRect/>
-          </a:stretch>
-        </p:blipFill>
-        <p:spPr>
-          <a:xfrm>
-            <a:off x="7817807" y="1906187"/>
-            <a:ext cx="4064000" cy="762000"/>
-          </a:xfrm>
-          <a:prstGeom prst="rect">
-            <a:avLst/>
-          </a:prstGeom>
-        </p:spPr>
-      </p:pic>
-      <p:pic>
-        <p:nvPicPr>
-          <p:cNvPr id="8" name="Picture 7" descr="A picture containing diagram, font, line, white&#10;&#10;Description automatically generated">
-            <a:extLst>
-              <a:ext uri="{FF2B5EF4-FFF2-40B4-BE49-F238E27FC236}">
-                <a16:creationId xmlns:a16="http://schemas.microsoft.com/office/drawing/2014/main" id="{2D6E948F-4CA5-C400-6894-3D96B93A8CD0}"/>
-              </a:ext>
-            </a:extLst>
-          </p:cNvPr>
-          <p:cNvPicPr>
-            <a:picLocks noChangeAspect="1"/>
-          </p:cNvPicPr>
-          <p:nvPr/>
-        </p:nvPicPr>
-        <p:blipFill>
-          <a:blip r:embed="rId3"/>
-          <a:stretch>
-            <a:fillRect/>
-          </a:stretch>
-        </p:blipFill>
-        <p:spPr>
-          <a:xfrm>
-            <a:off x="7327126" y="3288113"/>
-            <a:ext cx="4673600" cy="2044700"/>
+            <a:off x="0" y="114812"/>
+            <a:ext cx="12216035" cy="6185924"/>
           </a:xfrm>
           <a:prstGeom prst="rect">
             <a:avLst/>
@@ -5885,1143 +4160,7 @@
     </p:spTree>
     <p:extLst>
       <p:ext uri="{BB962C8B-B14F-4D97-AF65-F5344CB8AC3E}">
-        <p14:creationId xmlns:p14="http://schemas.microsoft.com/office/powerpoint/2010/main" val="1298600474"/>
-      </p:ext>
-    </p:extLst>
-  </p:cSld>
-  <p:clrMapOvr>
-    <a:masterClrMapping/>
-  </p:clrMapOvr>
-</p:sld>
-</file>
-
-<file path=ppt/slides/slide7.xml><?xml version="1.0" encoding="utf-8"?>
-<p:sld xmlns:a="http://schemas.openxmlformats.org/drawingml/2006/main" xmlns:r="http://schemas.openxmlformats.org/officeDocument/2006/relationships" xmlns:p="http://schemas.openxmlformats.org/presentationml/2006/main">
-  <p:cSld>
-    <p:spTree>
-      <p:nvGrpSpPr>
-        <p:cNvPr id="1" name=""/>
-        <p:cNvGrpSpPr/>
-        <p:nvPr/>
-      </p:nvGrpSpPr>
-      <p:grpSpPr>
-        <a:xfrm>
-          <a:off x="0" y="0"/>
-          <a:ext cx="0" cy="0"/>
-          <a:chOff x="0" y="0"/>
-          <a:chExt cx="0" cy="0"/>
-        </a:xfrm>
-      </p:grpSpPr>
-      <p:graphicFrame>
-        <p:nvGraphicFramePr>
-          <p:cNvPr id="4" name="Table 8">
-            <a:extLst>
-              <a:ext uri="{FF2B5EF4-FFF2-40B4-BE49-F238E27FC236}">
-                <a16:creationId xmlns:a16="http://schemas.microsoft.com/office/drawing/2014/main" id="{50837E28-0DFB-9FEA-86BE-57F5BC7017C7}"/>
-              </a:ext>
-            </a:extLst>
-          </p:cNvPr>
-          <p:cNvGraphicFramePr>
-            <a:graphicFrameLocks noGrp="1"/>
-          </p:cNvGraphicFramePr>
-          <p:nvPr>
-            <p:extLst>
-              <p:ext uri="{D42A27DB-BD31-4B8C-83A1-F6EECF244321}">
-                <p14:modId xmlns:p14="http://schemas.microsoft.com/office/powerpoint/2010/main" val="3516266714"/>
-              </p:ext>
-            </p:extLst>
-          </p:nvPr>
-        </p:nvGraphicFramePr>
-        <p:xfrm>
-          <a:off x="305574" y="623487"/>
-          <a:ext cx="8054407" cy="6625222"/>
-        </p:xfrm>
-        <a:graphic>
-          <a:graphicData uri="http://schemas.openxmlformats.org/drawingml/2006/table">
-            <a:tbl>
-              <a:tblPr firstRow="1" bandRow="1">
-                <a:tableStyleId>{5940675A-B579-460E-94D1-54222C63F5DA}</a:tableStyleId>
-              </a:tblPr>
-              <a:tblGrid>
-                <a:gridCol w="3519869">
-                  <a:extLst>
-                    <a:ext uri="{9D8B030D-6E8A-4147-A177-3AD203B41FA5}">
-                      <a16:colId xmlns:a16="http://schemas.microsoft.com/office/drawing/2014/main" val="4271608756"/>
-                    </a:ext>
-                  </a:extLst>
-                </a:gridCol>
-                <a:gridCol w="2267269">
-                  <a:extLst>
-                    <a:ext uri="{9D8B030D-6E8A-4147-A177-3AD203B41FA5}">
-                      <a16:colId xmlns:a16="http://schemas.microsoft.com/office/drawing/2014/main" val="1519529937"/>
-                    </a:ext>
-                  </a:extLst>
-                </a:gridCol>
-                <a:gridCol w="2267269">
-                  <a:extLst>
-                    <a:ext uri="{9D8B030D-6E8A-4147-A177-3AD203B41FA5}">
-                      <a16:colId xmlns:a16="http://schemas.microsoft.com/office/drawing/2014/main" val="2514695280"/>
-                    </a:ext>
-                  </a:extLst>
-                </a:gridCol>
-              </a:tblGrid>
-              <a:tr h="329896">
-                <a:tc>
-                  <a:txBody>
-                    <a:bodyPr/>
-                    <a:lstStyle/>
-                    <a:p>
-                      <a:r>
-                        <a:rPr lang="en-DE" b="1" dirty="0"/>
-                        <a:t>Method</a:t>
-                      </a:r>
-                    </a:p>
-                  </a:txBody>
-                  <a:tcPr/>
-                </a:tc>
-                <a:tc>
-                  <a:txBody>
-                    <a:bodyPr/>
-                    <a:lstStyle/>
-                    <a:p>
-                      <a:r>
-                        <a:rPr lang="en-DE" b="1" dirty="0"/>
-                        <a:t>Pf_hat</a:t>
-                      </a:r>
-                    </a:p>
-                  </a:txBody>
-                  <a:tcPr/>
-                </a:tc>
-                <a:tc>
-                  <a:txBody>
-                    <a:bodyPr/>
-                    <a:lstStyle/>
-                    <a:p>
-                      <a:r>
-                        <a:rPr lang="en-DE" b="1" dirty="0"/>
-                        <a:t>#function_calls</a:t>
-                      </a:r>
-                    </a:p>
-                  </a:txBody>
-                  <a:tcPr/>
-                </a:tc>
-                <a:extLst>
-                  <a:ext uri="{0D108BD9-81ED-4DB2-BD59-A6C34878D82A}">
-                    <a16:rowId xmlns:a16="http://schemas.microsoft.com/office/drawing/2014/main" val="2571112359"/>
-                  </a:ext>
-                </a:extLst>
-              </a:tr>
-              <a:tr h="329896">
-                <a:tc>
-                  <a:txBody>
-                    <a:bodyPr/>
-                    <a:lstStyle/>
-                    <a:p>
-                      <a:r>
-                        <a:rPr lang="en-DE" dirty="0"/>
-                        <a:t>MCS</a:t>
-                      </a:r>
-                    </a:p>
-                    <a:p>
-                      <a:r>
-                        <a:rPr lang="en-DE" dirty="0"/>
-                        <a:t>40</a:t>
-                      </a:r>
-                    </a:p>
-                    <a:p>
-                      <a:r>
-                        <a:rPr lang="en-DE" dirty="0"/>
-                        <a:t>100</a:t>
-                      </a:r>
-                    </a:p>
-                  </a:txBody>
-                  <a:tcPr/>
-                </a:tc>
-                <a:tc>
-                  <a:txBody>
-                    <a:bodyPr/>
-                    <a:lstStyle/>
-                    <a:p>
-                      <a:pPr marL="0" marR="0" lvl="0" indent="0" algn="l" defTabSz="914400" rtl="0" eaLnBrk="1" fontAlgn="auto" latinLnBrk="0" hangingPunct="1">
-                        <a:lnSpc>
-                          <a:spcPct val="100000"/>
-                        </a:lnSpc>
-                        <a:spcBef>
-                          <a:spcPts val="0"/>
-                        </a:spcBef>
-                        <a:spcAft>
-                          <a:spcPts val="0"/>
-                        </a:spcAft>
-                        <a:buClrTx/>
-                        <a:buSzTx/>
-                        <a:buFontTx/>
-                        <a:buNone/>
-                        <a:tabLst/>
-                        <a:defRPr/>
-                      </a:pPr>
-                      <a:endParaRPr lang="en-GB" sz="1800" kern="1200" dirty="0">
-                        <a:solidFill>
-                          <a:schemeClr val="tx1"/>
-                        </a:solidFill>
-                        <a:latin typeface="+mn-lt"/>
-                        <a:ea typeface="+mn-ea"/>
-                        <a:cs typeface="+mn-cs"/>
-                      </a:endParaRPr>
-                    </a:p>
-                    <a:p>
-                      <a:pPr marL="0" marR="0" lvl="0" indent="0" algn="l" defTabSz="914400" rtl="0" eaLnBrk="1" fontAlgn="auto" latinLnBrk="0" hangingPunct="1">
-                        <a:lnSpc>
-                          <a:spcPct val="100000"/>
-                        </a:lnSpc>
-                        <a:spcBef>
-                          <a:spcPts val="0"/>
-                        </a:spcBef>
-                        <a:spcAft>
-                          <a:spcPts val="0"/>
-                        </a:spcAft>
-                        <a:buClrTx/>
-                        <a:buSzTx/>
-                        <a:buFontTx/>
-                        <a:buNone/>
-                        <a:tabLst/>
-                        <a:defRPr/>
-                      </a:pPr>
-                      <a:r>
-                        <a:rPr lang="en-GB" sz="1800" kern="1200" dirty="0">
-                          <a:solidFill>
-                            <a:schemeClr val="tx1"/>
-                          </a:solidFill>
-                          <a:latin typeface="+mn-lt"/>
-                          <a:ea typeface="+mn-ea"/>
-                          <a:cs typeface="+mn-cs"/>
-                        </a:rPr>
-                        <a:t>1.8400e-03</a:t>
-                      </a:r>
-                    </a:p>
-                    <a:p>
-                      <a:pPr marL="0" marR="0" lvl="0" indent="0" algn="l" defTabSz="914400" rtl="0" eaLnBrk="1" fontAlgn="auto" latinLnBrk="0" hangingPunct="1">
-                        <a:lnSpc>
-                          <a:spcPct val="100000"/>
-                        </a:lnSpc>
-                        <a:spcBef>
-                          <a:spcPts val="0"/>
-                        </a:spcBef>
-                        <a:spcAft>
-                          <a:spcPts val="0"/>
-                        </a:spcAft>
-                        <a:buClrTx/>
-                        <a:buSzTx/>
-                        <a:buFontTx/>
-                        <a:buNone/>
-                        <a:tabLst/>
-                        <a:defRPr/>
-                      </a:pPr>
-                      <a:r>
-                        <a:rPr lang="en-GB" sz="1800" kern="1200" dirty="0">
-                          <a:solidFill>
-                            <a:schemeClr val="tx1"/>
-                          </a:solidFill>
-                          <a:latin typeface="+mn-lt"/>
-                          <a:ea typeface="+mn-ea"/>
-                          <a:cs typeface="+mn-cs"/>
-                        </a:rPr>
-                        <a:t>1.6667e-03</a:t>
-                      </a:r>
-                      <a:endParaRPr lang="en-DE" sz="1800" kern="1200" dirty="0">
-                        <a:solidFill>
-                          <a:schemeClr val="tx1"/>
-                        </a:solidFill>
-                        <a:latin typeface="+mn-lt"/>
-                        <a:ea typeface="+mn-ea"/>
-                        <a:cs typeface="+mn-cs"/>
-                      </a:endParaRPr>
-                    </a:p>
-                  </a:txBody>
-                  <a:tcPr/>
-                </a:tc>
-                <a:tc>
-                  <a:txBody>
-                    <a:bodyPr/>
-                    <a:lstStyle/>
-                    <a:p>
-                      <a:pPr marL="0" marR="0" lvl="0" indent="0" algn="l" defTabSz="914400" rtl="0" eaLnBrk="1" fontAlgn="auto" latinLnBrk="0" hangingPunct="1">
-                        <a:lnSpc>
-                          <a:spcPct val="100000"/>
-                        </a:lnSpc>
-                        <a:spcBef>
-                          <a:spcPts val="0"/>
-                        </a:spcBef>
-                        <a:spcAft>
-                          <a:spcPts val="0"/>
-                        </a:spcAft>
-                        <a:buClrTx/>
-                        <a:buSzTx/>
-                        <a:buFontTx/>
-                        <a:buNone/>
-                        <a:tabLst/>
-                        <a:defRPr/>
-                      </a:pPr>
-                      <a:r>
-                        <a:rPr lang="en-DE" dirty="0"/>
-                        <a:t> </a:t>
-                      </a:r>
-                    </a:p>
-                    <a:p>
-                      <a:pPr marL="0" marR="0" lvl="0" indent="0" algn="l" defTabSz="914400" rtl="0" eaLnBrk="1" fontAlgn="auto" latinLnBrk="0" hangingPunct="1">
-                        <a:lnSpc>
-                          <a:spcPct val="100000"/>
-                        </a:lnSpc>
-                        <a:spcBef>
-                          <a:spcPts val="0"/>
-                        </a:spcBef>
-                        <a:spcAft>
-                          <a:spcPts val="0"/>
-                        </a:spcAft>
-                        <a:buClrTx/>
-                        <a:buSzTx/>
-                        <a:buFontTx/>
-                        <a:buNone/>
-                        <a:tabLst/>
-                        <a:defRPr/>
-                      </a:pPr>
-                      <a:r>
-                        <a:rPr lang="en-DE" dirty="0"/>
-                        <a:t>3*</a:t>
-                      </a:r>
-                      <a:r>
-                        <a:rPr lang="en-DE" sz="1800" b="0" kern="1200" dirty="0">
-                          <a:solidFill>
-                            <a:schemeClr val="tx1"/>
-                          </a:solidFill>
-                          <a:effectLst/>
-                          <a:latin typeface="+mn-lt"/>
-                          <a:ea typeface="+mn-ea"/>
-                          <a:cs typeface="+mn-cs"/>
-                        </a:rPr>
-                        <a:t>10</a:t>
-                      </a:r>
-                      <a:r>
-                        <a:rPr lang="en-DE" sz="1800" b="0" kern="1200" baseline="30000" dirty="0">
-                          <a:solidFill>
-                            <a:schemeClr val="tx1"/>
-                          </a:solidFill>
-                          <a:effectLst/>
-                          <a:latin typeface="+mn-lt"/>
-                          <a:ea typeface="+mn-ea"/>
-                          <a:cs typeface="+mn-cs"/>
-                        </a:rPr>
-                        <a:t>5</a:t>
-                      </a:r>
-                      <a:endParaRPr lang="en-DE" sz="1800" b="0" kern="1200" dirty="0">
-                        <a:solidFill>
-                          <a:schemeClr val="tx1"/>
-                        </a:solidFill>
-                        <a:effectLst/>
-                        <a:latin typeface="+mn-lt"/>
-                        <a:ea typeface="+mn-ea"/>
-                        <a:cs typeface="+mn-cs"/>
-                      </a:endParaRPr>
-                    </a:p>
-                  </a:txBody>
-                  <a:tcPr/>
-                </a:tc>
-                <a:extLst>
-                  <a:ext uri="{0D108BD9-81ED-4DB2-BD59-A6C34878D82A}">
-                    <a16:rowId xmlns:a16="http://schemas.microsoft.com/office/drawing/2014/main" val="3105128545"/>
-                  </a:ext>
-                </a:extLst>
-              </a:tr>
-              <a:tr h="329896">
-                <a:tc>
-                  <a:txBody>
-                    <a:bodyPr/>
-                    <a:lstStyle/>
-                    <a:p>
-                      <a:r>
-                        <a:rPr lang="en-GB" dirty="0"/>
-                        <a:t>A</a:t>
-                      </a:r>
-                      <a:r>
-                        <a:rPr lang="en-DE" dirty="0"/>
-                        <a:t>daptive ANNs</a:t>
-                      </a:r>
-                    </a:p>
-                    <a:p>
-                      <a:r>
-                        <a:rPr lang="en-DE" dirty="0"/>
-                        <a:t>40</a:t>
-                      </a:r>
-                    </a:p>
-                    <a:p>
-                      <a:r>
-                        <a:rPr lang="en-DE"/>
-                        <a:t>100</a:t>
-                      </a:r>
-                      <a:endParaRPr lang="en-DE" dirty="0"/>
-                    </a:p>
-                  </a:txBody>
-                  <a:tcPr/>
-                </a:tc>
-                <a:tc>
-                  <a:txBody>
-                    <a:bodyPr/>
-                    <a:lstStyle/>
-                    <a:p>
-                      <a:endParaRPr lang="en-DE" dirty="0"/>
-                    </a:p>
-                  </a:txBody>
-                  <a:tcPr/>
-                </a:tc>
-                <a:tc>
-                  <a:txBody>
-                    <a:bodyPr/>
-                    <a:lstStyle/>
-                    <a:p>
-                      <a:r>
-                        <a:rPr lang="en-DE" dirty="0"/>
-                        <a:t>125</a:t>
-                      </a:r>
-                    </a:p>
-                  </a:txBody>
-                  <a:tcPr/>
-                </a:tc>
-                <a:extLst>
-                  <a:ext uri="{0D108BD9-81ED-4DB2-BD59-A6C34878D82A}">
-                    <a16:rowId xmlns:a16="http://schemas.microsoft.com/office/drawing/2014/main" val="1753124714"/>
-                  </a:ext>
-                </a:extLst>
-              </a:tr>
-              <a:tr h="569411">
-                <a:tc>
-                  <a:txBody>
-                    <a:bodyPr/>
-                    <a:lstStyle/>
-                    <a:p>
-                      <a:pPr marL="0" marR="0" lvl="0" indent="0" algn="l" defTabSz="914400" rtl="0" eaLnBrk="1" fontAlgn="auto" latinLnBrk="0" hangingPunct="1">
-                        <a:lnSpc>
-                          <a:spcPct val="100000"/>
-                        </a:lnSpc>
-                        <a:spcBef>
-                          <a:spcPts val="0"/>
-                        </a:spcBef>
-                        <a:spcAft>
-                          <a:spcPts val="0"/>
-                        </a:spcAft>
-                        <a:buClrTx/>
-                        <a:buSzTx/>
-                        <a:buFontTx/>
-                        <a:buNone/>
-                        <a:tabLst/>
-                        <a:defRPr/>
-                      </a:pPr>
-                      <a:r>
-                        <a:rPr lang="en-GB" sz="1800" kern="1200" dirty="0">
-                          <a:solidFill>
-                            <a:schemeClr val="tx1"/>
-                          </a:solidFill>
-                          <a:effectLst/>
-                          <a:latin typeface="+mn-lt"/>
-                          <a:ea typeface="+mn-ea"/>
-                          <a:cs typeface="+mn-cs"/>
-                        </a:rPr>
-                        <a:t>Non-adaptive ANN </a:t>
-                      </a:r>
-                    </a:p>
-                    <a:p>
-                      <a:pPr marL="0" marR="0" lvl="0" indent="0" algn="l" defTabSz="914400" rtl="0" eaLnBrk="1" fontAlgn="auto" latinLnBrk="0" hangingPunct="1">
-                        <a:lnSpc>
-                          <a:spcPct val="100000"/>
-                        </a:lnSpc>
-                        <a:spcBef>
-                          <a:spcPts val="0"/>
-                        </a:spcBef>
-                        <a:spcAft>
-                          <a:spcPts val="0"/>
-                        </a:spcAft>
-                        <a:buClrTx/>
-                        <a:buSzTx/>
-                        <a:buFontTx/>
-                        <a:buNone/>
-                        <a:tabLst/>
-                        <a:defRPr/>
-                      </a:pPr>
-                      <a:r>
-                        <a:rPr lang="en-GB" sz="1800" kern="1200" dirty="0">
-                          <a:solidFill>
-                            <a:schemeClr val="tx1"/>
-                          </a:solidFill>
-                          <a:effectLst/>
-                          <a:latin typeface="+mn-lt"/>
-                          <a:ea typeface="+mn-ea"/>
-                          <a:cs typeface="+mn-cs"/>
-                        </a:rPr>
-                        <a:t>40</a:t>
-                      </a:r>
-                    </a:p>
-                    <a:p>
-                      <a:pPr marL="0" marR="0" lvl="0" indent="0" algn="l" defTabSz="914400" rtl="0" eaLnBrk="1" fontAlgn="auto" latinLnBrk="0" hangingPunct="1">
-                        <a:lnSpc>
-                          <a:spcPct val="100000"/>
-                        </a:lnSpc>
-                        <a:spcBef>
-                          <a:spcPts val="0"/>
-                        </a:spcBef>
-                        <a:spcAft>
-                          <a:spcPts val="0"/>
-                        </a:spcAft>
-                        <a:buClrTx/>
-                        <a:buSzTx/>
-                        <a:buFontTx/>
-                        <a:buNone/>
-                        <a:tabLst/>
-                        <a:defRPr/>
-                      </a:pPr>
-                      <a:r>
-                        <a:rPr lang="en-GB" sz="1800" kern="1200" dirty="0">
-                          <a:solidFill>
-                            <a:schemeClr val="tx1"/>
-                          </a:solidFill>
-                          <a:effectLst/>
-                          <a:latin typeface="+mn-lt"/>
-                          <a:ea typeface="+mn-ea"/>
-                          <a:cs typeface="+mn-cs"/>
-                        </a:rPr>
-                        <a:t>100</a:t>
-                      </a:r>
-                      <a:endParaRPr lang="en-GB" dirty="0"/>
-                    </a:p>
-                  </a:txBody>
-                  <a:tcPr/>
-                </a:tc>
-                <a:tc>
-                  <a:txBody>
-                    <a:bodyPr/>
-                    <a:lstStyle/>
-                    <a:p>
-                      <a:endParaRPr lang="en-DE" dirty="0"/>
-                    </a:p>
-                    <a:p>
-                      <a:r>
-                        <a:rPr lang="en-DE" dirty="0"/>
-                        <a:t>1.82e-3</a:t>
-                      </a:r>
-                    </a:p>
-                    <a:p>
-                      <a:r>
-                        <a:rPr lang="en-DE" dirty="0"/>
-                        <a:t>*</a:t>
-                      </a:r>
-                    </a:p>
-                  </a:txBody>
-                  <a:tcPr/>
-                </a:tc>
-                <a:tc>
-                  <a:txBody>
-                    <a:bodyPr/>
-                    <a:lstStyle/>
-                    <a:p>
-                      <a:endParaRPr lang="en-DE" dirty="0"/>
-                    </a:p>
-                    <a:p>
-                      <a:r>
-                        <a:rPr lang="en-DE" dirty="0"/>
-                        <a:t>2000</a:t>
-                      </a:r>
-                    </a:p>
-                    <a:p>
-                      <a:r>
-                        <a:rPr lang="en-DE" dirty="0"/>
-                        <a:t>*</a:t>
-                      </a:r>
-                    </a:p>
-                  </a:txBody>
-                  <a:tcPr/>
-                </a:tc>
-                <a:extLst>
-                  <a:ext uri="{0D108BD9-81ED-4DB2-BD59-A6C34878D82A}">
-                    <a16:rowId xmlns:a16="http://schemas.microsoft.com/office/drawing/2014/main" val="1001027618"/>
-                  </a:ext>
-                </a:extLst>
-              </a:tr>
-              <a:tr h="569411">
-                <a:tc>
-                  <a:txBody>
-                    <a:bodyPr/>
-                    <a:lstStyle/>
-                    <a:p>
-                      <a:pPr marL="0" marR="0" lvl="0" indent="0" algn="l" defTabSz="914400" rtl="0" eaLnBrk="1" fontAlgn="auto" latinLnBrk="0" hangingPunct="1">
-                        <a:lnSpc>
-                          <a:spcPct val="100000"/>
-                        </a:lnSpc>
-                        <a:spcBef>
-                          <a:spcPts val="0"/>
-                        </a:spcBef>
-                        <a:spcAft>
-                          <a:spcPts val="0"/>
-                        </a:spcAft>
-                        <a:buClrTx/>
-                        <a:buSzTx/>
-                        <a:buFontTx/>
-                        <a:buNone/>
-                        <a:tabLst/>
-                        <a:defRPr/>
-                      </a:pPr>
-                      <a:r>
-                        <a:rPr lang="en-GB" dirty="0"/>
-                        <a:t>AK_MCS_U random initial sampling</a:t>
-                      </a:r>
-                    </a:p>
-                  </a:txBody>
-                  <a:tcPr/>
-                </a:tc>
-                <a:tc>
-                  <a:txBody>
-                    <a:bodyPr/>
-                    <a:lstStyle/>
-                    <a:p>
-                      <a:r>
-                        <a:rPr lang="en-DE" dirty="0"/>
-                        <a:t>*</a:t>
-                      </a:r>
-                    </a:p>
-                  </a:txBody>
-                  <a:tcPr/>
-                </a:tc>
-                <a:tc>
-                  <a:txBody>
-                    <a:bodyPr/>
-                    <a:lstStyle/>
-                    <a:p>
-                      <a:r>
-                        <a:rPr lang="en-DE" dirty="0"/>
-                        <a:t>*</a:t>
-                      </a:r>
-                    </a:p>
-                  </a:txBody>
-                  <a:tcPr/>
-                </a:tc>
-                <a:extLst>
-                  <a:ext uri="{0D108BD9-81ED-4DB2-BD59-A6C34878D82A}">
-                    <a16:rowId xmlns:a16="http://schemas.microsoft.com/office/drawing/2014/main" val="652835626"/>
-                  </a:ext>
-                </a:extLst>
-              </a:tr>
-              <a:tr h="569411">
-                <a:tc>
-                  <a:txBody>
-                    <a:bodyPr/>
-                    <a:lstStyle/>
-                    <a:p>
-                      <a:pPr marL="0" marR="0" lvl="0" indent="0" algn="l" defTabSz="914400" rtl="0" eaLnBrk="1" fontAlgn="auto" latinLnBrk="0" hangingPunct="1">
-                        <a:lnSpc>
-                          <a:spcPct val="100000"/>
-                        </a:lnSpc>
-                        <a:spcBef>
-                          <a:spcPts val="0"/>
-                        </a:spcBef>
-                        <a:spcAft>
-                          <a:spcPts val="0"/>
-                        </a:spcAft>
-                        <a:buClrTx/>
-                        <a:buSzTx/>
-                        <a:buFontTx/>
-                        <a:buNone/>
-                        <a:tabLst/>
-                        <a:defRPr/>
-                      </a:pPr>
-                      <a:r>
-                        <a:rPr lang="en-GB" dirty="0"/>
-                        <a:t>AK_MCS_U selected initial</a:t>
-                      </a:r>
-                    </a:p>
-                    <a:p>
-                      <a:pPr marL="0" marR="0" lvl="0" indent="0" algn="l" defTabSz="914400" rtl="0" eaLnBrk="1" fontAlgn="auto" latinLnBrk="0" hangingPunct="1">
-                        <a:lnSpc>
-                          <a:spcPct val="100000"/>
-                        </a:lnSpc>
-                        <a:spcBef>
-                          <a:spcPts val="0"/>
-                        </a:spcBef>
-                        <a:spcAft>
-                          <a:spcPts val="0"/>
-                        </a:spcAft>
-                        <a:buClrTx/>
-                        <a:buSzTx/>
-                        <a:buFontTx/>
-                        <a:buNone/>
-                        <a:tabLst/>
-                        <a:defRPr/>
-                      </a:pPr>
-                      <a:r>
-                        <a:rPr lang="en-GB" dirty="0"/>
-                        <a:t> sampling</a:t>
-                      </a:r>
-                    </a:p>
-                    <a:p>
-                      <a:pPr marL="0" marR="0" lvl="0" indent="0" algn="l" defTabSz="914400" rtl="0" eaLnBrk="1" fontAlgn="auto" latinLnBrk="0" hangingPunct="1">
-                        <a:lnSpc>
-                          <a:spcPct val="100000"/>
-                        </a:lnSpc>
-                        <a:spcBef>
-                          <a:spcPts val="0"/>
-                        </a:spcBef>
-                        <a:spcAft>
-                          <a:spcPts val="0"/>
-                        </a:spcAft>
-                        <a:buClrTx/>
-                        <a:buSzTx/>
-                        <a:buFontTx/>
-                        <a:buNone/>
-                        <a:tabLst/>
-                        <a:defRPr/>
-                      </a:pPr>
-                      <a:r>
-                        <a:rPr lang="en-GB" dirty="0"/>
-                        <a:t>40</a:t>
-                      </a:r>
-                    </a:p>
-                    <a:p>
-                      <a:pPr marL="0" marR="0" lvl="0" indent="0" algn="l" defTabSz="914400" rtl="0" eaLnBrk="1" fontAlgn="auto" latinLnBrk="0" hangingPunct="1">
-                        <a:lnSpc>
-                          <a:spcPct val="100000"/>
-                        </a:lnSpc>
-                        <a:spcBef>
-                          <a:spcPts val="0"/>
-                        </a:spcBef>
-                        <a:spcAft>
-                          <a:spcPts val="0"/>
-                        </a:spcAft>
-                        <a:buClrTx/>
-                        <a:buSzTx/>
-                        <a:buFontTx/>
-                        <a:buNone/>
-                        <a:tabLst/>
-                        <a:defRPr/>
-                      </a:pPr>
-                      <a:r>
-                        <a:rPr lang="en-GB" dirty="0"/>
-                        <a:t>100</a:t>
-                      </a:r>
-                    </a:p>
-                    <a:p>
-                      <a:pPr marL="0" marR="0" lvl="0" indent="0" algn="l" defTabSz="914400" rtl="0" eaLnBrk="1" fontAlgn="auto" latinLnBrk="0" hangingPunct="1">
-                        <a:lnSpc>
-                          <a:spcPct val="100000"/>
-                        </a:lnSpc>
-                        <a:spcBef>
-                          <a:spcPts val="0"/>
-                        </a:spcBef>
-                        <a:spcAft>
-                          <a:spcPts val="0"/>
-                        </a:spcAft>
-                        <a:buClrTx/>
-                        <a:buSzTx/>
-                        <a:buFontTx/>
-                        <a:buNone/>
-                        <a:tabLst/>
-                        <a:defRPr/>
-                      </a:pPr>
-                      <a:endParaRPr lang="en-GB" dirty="0"/>
-                    </a:p>
-                  </a:txBody>
-                  <a:tcPr/>
-                </a:tc>
-                <a:tc>
-                  <a:txBody>
-                    <a:bodyPr/>
-                    <a:lstStyle/>
-                    <a:p>
-                      <a:endParaRPr lang="en-DE" dirty="0"/>
-                    </a:p>
-                    <a:p>
-                      <a:endParaRPr lang="en-DE" dirty="0"/>
-                    </a:p>
-                    <a:p>
-                      <a:r>
-                        <a:rPr lang="en-DE" dirty="0"/>
-                        <a:t>1.81 </a:t>
-                      </a:r>
-                      <a:r>
-                        <a:rPr lang="en-GB" sz="1800" kern="1200" dirty="0">
-                          <a:solidFill>
-                            <a:schemeClr val="tx1"/>
-                          </a:solidFill>
-                          <a:latin typeface="+mn-lt"/>
-                          <a:ea typeface="+mn-ea"/>
-                          <a:cs typeface="+mn-cs"/>
-                        </a:rPr>
-                        <a:t>e-03</a:t>
-                      </a:r>
-                    </a:p>
-                    <a:p>
-                      <a:r>
-                        <a:rPr lang="en-DE" dirty="0"/>
-                        <a:t>*</a:t>
-                      </a:r>
-                    </a:p>
-                  </a:txBody>
-                  <a:tcPr/>
-                </a:tc>
-                <a:tc>
-                  <a:txBody>
-                    <a:bodyPr/>
-                    <a:lstStyle/>
-                    <a:p>
-                      <a:endParaRPr lang="en-DE" dirty="0"/>
-                    </a:p>
-                    <a:p>
-                      <a:endParaRPr lang="en-DE" dirty="0"/>
-                    </a:p>
-                    <a:p>
-                      <a:r>
-                        <a:rPr lang="en-DE" dirty="0"/>
-                        <a:t>620</a:t>
-                      </a:r>
-                    </a:p>
-                    <a:p>
-                      <a:r>
-                        <a:rPr lang="en-DE" dirty="0"/>
-                        <a:t>*</a:t>
-                      </a:r>
-                    </a:p>
-                  </a:txBody>
-                  <a:tcPr/>
-                </a:tc>
-                <a:extLst>
-                  <a:ext uri="{0D108BD9-81ED-4DB2-BD59-A6C34878D82A}">
-                    <a16:rowId xmlns:a16="http://schemas.microsoft.com/office/drawing/2014/main" val="133814415"/>
-                  </a:ext>
-                </a:extLst>
-              </a:tr>
-              <a:tr h="569411">
-                <a:tc>
-                  <a:txBody>
-                    <a:bodyPr/>
-                    <a:lstStyle/>
-                    <a:p>
-                      <a:pPr marL="0" marR="0" lvl="0" indent="0" algn="l" defTabSz="914400" rtl="0" eaLnBrk="1" fontAlgn="auto" latinLnBrk="0" hangingPunct="1">
-                        <a:lnSpc>
-                          <a:spcPct val="100000"/>
-                        </a:lnSpc>
-                        <a:spcBef>
-                          <a:spcPts val="0"/>
-                        </a:spcBef>
-                        <a:spcAft>
-                          <a:spcPts val="0"/>
-                        </a:spcAft>
-                        <a:buClrTx/>
-                        <a:buSzTx/>
-                        <a:buFontTx/>
-                        <a:buNone/>
-                        <a:tabLst/>
-                        <a:defRPr/>
-                      </a:pPr>
-                      <a:r>
-                        <a:rPr lang="en-GB" dirty="0" err="1"/>
-                        <a:t>NN_classifier</a:t>
-                      </a:r>
-                      <a:endParaRPr lang="en-GB" dirty="0"/>
-                    </a:p>
-                  </a:txBody>
-                  <a:tcPr/>
-                </a:tc>
-                <a:tc>
-                  <a:txBody>
-                    <a:bodyPr/>
-                    <a:lstStyle/>
-                    <a:p>
-                      <a:r>
-                        <a:rPr lang="en-DE" dirty="0"/>
-                        <a:t>*</a:t>
-                      </a:r>
-                      <a:endParaRPr lang="en-DE" baseline="30000" dirty="0"/>
-                    </a:p>
-                  </a:txBody>
-                  <a:tcPr/>
-                </a:tc>
-                <a:tc>
-                  <a:txBody>
-                    <a:bodyPr/>
-                    <a:lstStyle/>
-                    <a:p>
-                      <a:r>
-                        <a:rPr lang="en-DE" dirty="0"/>
-                        <a:t>* </a:t>
-                      </a:r>
-                    </a:p>
-                  </a:txBody>
-                  <a:tcPr/>
-                </a:tc>
-                <a:extLst>
-                  <a:ext uri="{0D108BD9-81ED-4DB2-BD59-A6C34878D82A}">
-                    <a16:rowId xmlns:a16="http://schemas.microsoft.com/office/drawing/2014/main" val="2903294785"/>
-                  </a:ext>
-                </a:extLst>
-              </a:tr>
-              <a:tr h="569411">
-                <a:tc>
-                  <a:txBody>
-                    <a:bodyPr/>
-                    <a:lstStyle/>
-                    <a:p>
-                      <a:pPr marL="0" marR="0" lvl="0" indent="0" algn="l" defTabSz="914400" rtl="0" eaLnBrk="1" fontAlgn="auto" latinLnBrk="0" hangingPunct="1">
-                        <a:lnSpc>
-                          <a:spcPct val="100000"/>
-                        </a:lnSpc>
-                        <a:spcBef>
-                          <a:spcPts val="0"/>
-                        </a:spcBef>
-                        <a:spcAft>
-                          <a:spcPts val="0"/>
-                        </a:spcAft>
-                        <a:buClrTx/>
-                        <a:buSzTx/>
-                        <a:buFontTx/>
-                        <a:buNone/>
-                        <a:tabLst/>
-                        <a:defRPr/>
-                      </a:pPr>
-                      <a:r>
-                        <a:rPr lang="en-GB" dirty="0"/>
-                        <a:t>Reference </a:t>
-                      </a:r>
-                      <a:r>
-                        <a:rPr lang="en-GB" dirty="0" err="1"/>
-                        <a:t>mcs</a:t>
-                      </a:r>
-                      <a:endParaRPr lang="en-GB" dirty="0"/>
-                    </a:p>
-                    <a:p>
-                      <a:pPr marL="0" marR="0" lvl="0" indent="0" algn="l" defTabSz="914400" rtl="0" eaLnBrk="1" fontAlgn="auto" latinLnBrk="0" hangingPunct="1">
-                        <a:lnSpc>
-                          <a:spcPct val="100000"/>
-                        </a:lnSpc>
-                        <a:spcBef>
-                          <a:spcPts val="0"/>
-                        </a:spcBef>
-                        <a:spcAft>
-                          <a:spcPts val="0"/>
-                        </a:spcAft>
-                        <a:buClrTx/>
-                        <a:buSzTx/>
-                        <a:buFontTx/>
-                        <a:buNone/>
-                        <a:tabLst/>
-                        <a:defRPr/>
-                      </a:pPr>
-                      <a:r>
-                        <a:rPr lang="en-GB" dirty="0"/>
-                        <a:t>40</a:t>
-                      </a:r>
-                    </a:p>
-                    <a:p>
-                      <a:pPr marL="0" marR="0" lvl="0" indent="0" algn="l" defTabSz="914400" rtl="0" eaLnBrk="1" fontAlgn="auto" latinLnBrk="0" hangingPunct="1">
-                        <a:lnSpc>
-                          <a:spcPct val="100000"/>
-                        </a:lnSpc>
-                        <a:spcBef>
-                          <a:spcPts val="0"/>
-                        </a:spcBef>
-                        <a:spcAft>
-                          <a:spcPts val="0"/>
-                        </a:spcAft>
-                        <a:buClrTx/>
-                        <a:buSzTx/>
-                        <a:buFontTx/>
-                        <a:buNone/>
-                        <a:tabLst/>
-                        <a:defRPr/>
-                      </a:pPr>
-                      <a:r>
-                        <a:rPr lang="en-GB" dirty="0"/>
-                        <a:t>100</a:t>
-                      </a:r>
-                    </a:p>
-                  </a:txBody>
-                  <a:tcPr/>
-                </a:tc>
-                <a:tc>
-                  <a:txBody>
-                    <a:bodyPr/>
-                    <a:lstStyle/>
-                    <a:p>
-                      <a:endParaRPr lang="en-DE" sz="1800" kern="1200" dirty="0">
-                        <a:solidFill>
-                          <a:schemeClr val="tx1"/>
-                        </a:solidFill>
-                        <a:effectLst/>
-                        <a:latin typeface="+mn-lt"/>
-                        <a:ea typeface="+mn-ea"/>
-                        <a:cs typeface="+mn-cs"/>
-                      </a:endParaRPr>
-                    </a:p>
-                    <a:p>
-                      <a:r>
-                        <a:rPr lang="en-DE" sz="1800" kern="1200" dirty="0">
-                          <a:solidFill>
-                            <a:schemeClr val="tx1"/>
-                          </a:solidFill>
-                          <a:effectLst/>
-                          <a:latin typeface="+mn-lt"/>
-                          <a:ea typeface="+mn-ea"/>
-                          <a:cs typeface="+mn-cs"/>
-                        </a:rPr>
-                        <a:t>1.813</a:t>
-                      </a:r>
-                      <a:r>
-                        <a:rPr lang="en-GB" sz="1800" kern="1200" dirty="0">
-                          <a:solidFill>
-                            <a:schemeClr val="tx1"/>
-                          </a:solidFill>
-                          <a:latin typeface="+mn-lt"/>
-                          <a:ea typeface="+mn-ea"/>
-                          <a:cs typeface="+mn-cs"/>
-                        </a:rPr>
-                        <a:t>e-03</a:t>
-                      </a:r>
-                    </a:p>
-                    <a:p>
-                      <a:pPr marL="0" marR="0" lvl="0" indent="0" algn="l" defTabSz="914400" rtl="0" eaLnBrk="1" fontAlgn="auto" latinLnBrk="0" hangingPunct="1">
-                        <a:lnSpc>
-                          <a:spcPct val="100000"/>
-                        </a:lnSpc>
-                        <a:spcBef>
-                          <a:spcPts val="0"/>
-                        </a:spcBef>
-                        <a:spcAft>
-                          <a:spcPts val="0"/>
-                        </a:spcAft>
-                        <a:buClrTx/>
-                        <a:buSzTx/>
-                        <a:buFontTx/>
-                        <a:buNone/>
-                        <a:tabLst/>
-                        <a:defRPr/>
-                      </a:pPr>
-                      <a:r>
-                        <a:rPr lang="en-DE" sz="1800" kern="1200" dirty="0">
-                          <a:solidFill>
-                            <a:schemeClr val="tx1"/>
-                          </a:solidFill>
-                          <a:effectLst/>
-                          <a:latin typeface="+mn-lt"/>
-                          <a:ea typeface="+mn-ea"/>
-                          <a:cs typeface="+mn-cs"/>
-                        </a:rPr>
-                        <a:t>1.647 e-03</a:t>
-                      </a:r>
-                      <a:endParaRPr lang="en-DE" dirty="0"/>
-                    </a:p>
-                  </a:txBody>
-                  <a:tcPr/>
-                </a:tc>
-                <a:tc>
-                  <a:txBody>
-                    <a:bodyPr/>
-                    <a:lstStyle/>
-                    <a:p>
-                      <a:pPr marL="0" marR="0" lvl="0" indent="0" algn="l" defTabSz="914400" rtl="0" eaLnBrk="1" fontAlgn="auto" latinLnBrk="0" hangingPunct="1">
-                        <a:lnSpc>
-                          <a:spcPct val="100000"/>
-                        </a:lnSpc>
-                        <a:spcBef>
-                          <a:spcPts val="0"/>
-                        </a:spcBef>
-                        <a:spcAft>
-                          <a:spcPts val="0"/>
-                        </a:spcAft>
-                        <a:buClrTx/>
-                        <a:buSzTx/>
-                        <a:buFontTx/>
-                        <a:buNone/>
-                        <a:tabLst/>
-                        <a:defRPr/>
-                      </a:pPr>
-                      <a:r>
-                        <a:rPr lang="en-DE" dirty="0"/>
-                        <a:t> 3*</a:t>
-                      </a:r>
-                      <a:r>
-                        <a:rPr lang="en-DE" sz="1800" b="0" kern="1200" dirty="0">
-                          <a:solidFill>
-                            <a:schemeClr val="tx1"/>
-                          </a:solidFill>
-                          <a:effectLst/>
-                          <a:latin typeface="+mn-lt"/>
-                          <a:ea typeface="+mn-ea"/>
-                          <a:cs typeface="+mn-cs"/>
-                        </a:rPr>
-                        <a:t>10</a:t>
-                      </a:r>
-                      <a:r>
-                        <a:rPr lang="en-DE" sz="1800" b="0" kern="1200" baseline="30000" dirty="0">
-                          <a:solidFill>
-                            <a:schemeClr val="tx1"/>
-                          </a:solidFill>
-                          <a:effectLst/>
-                          <a:latin typeface="+mn-lt"/>
-                          <a:ea typeface="+mn-ea"/>
-                          <a:cs typeface="+mn-cs"/>
-                        </a:rPr>
-                        <a:t>5</a:t>
-                      </a:r>
-                      <a:endParaRPr lang="en-DE" sz="1800" b="0" kern="1200" dirty="0">
-                        <a:solidFill>
-                          <a:schemeClr val="tx1"/>
-                        </a:solidFill>
-                        <a:effectLst/>
-                        <a:latin typeface="+mn-lt"/>
-                        <a:ea typeface="+mn-ea"/>
-                        <a:cs typeface="+mn-cs"/>
-                      </a:endParaRPr>
-                    </a:p>
-                  </a:txBody>
-                  <a:tcPr/>
-                </a:tc>
-                <a:extLst>
-                  <a:ext uri="{0D108BD9-81ED-4DB2-BD59-A6C34878D82A}">
-                    <a16:rowId xmlns:a16="http://schemas.microsoft.com/office/drawing/2014/main" val="510360930"/>
-                  </a:ext>
-                </a:extLst>
-              </a:tr>
-            </a:tbl>
-          </a:graphicData>
-        </a:graphic>
-      </p:graphicFrame>
-      <p:pic>
-        <p:nvPicPr>
-          <p:cNvPr id="6" name="Picture 5">
-            <a:extLst>
-              <a:ext uri="{FF2B5EF4-FFF2-40B4-BE49-F238E27FC236}">
-                <a16:creationId xmlns:a16="http://schemas.microsoft.com/office/drawing/2014/main" id="{34E8AD4E-F8A4-51B9-2BE9-E1E7674E4CB8}"/>
-              </a:ext>
-            </a:extLst>
-          </p:cNvPr>
-          <p:cNvPicPr>
-            <a:picLocks noChangeAspect="1"/>
-          </p:cNvPicPr>
-          <p:nvPr/>
-        </p:nvPicPr>
-        <p:blipFill>
-          <a:blip r:embed="rId2"/>
-          <a:stretch>
-            <a:fillRect/>
-          </a:stretch>
-        </p:blipFill>
-        <p:spPr>
-          <a:xfrm>
-            <a:off x="8513019" y="1548596"/>
-            <a:ext cx="3556000" cy="863600"/>
-          </a:xfrm>
-          <a:prstGeom prst="rect">
-            <a:avLst/>
-          </a:prstGeom>
-        </p:spPr>
-      </p:pic>
-    </p:spTree>
-    <p:extLst>
-      <p:ext uri="{BB962C8B-B14F-4D97-AF65-F5344CB8AC3E}">
-        <p14:creationId xmlns:p14="http://schemas.microsoft.com/office/powerpoint/2010/main" val="595366526"/>
+        <p14:creationId xmlns:p14="http://schemas.microsoft.com/office/powerpoint/2010/main" val="934777513"/>
       </p:ext>
     </p:extLst>
   </p:cSld>
